--- a/ex/416-F23/staging/416-F23/lectures/03-scheduling.pptx
+++ b/ex/416-F23/staging/416-F23/lectures/03-scheduling.pptx
@@ -5,7 +5,7 @@
     <p:sldMasterId id="2147483648" r:id="rId1"/>
   </p:sldMasterIdLst>
   <p:notesMasterIdLst>
-    <p:notesMasterId r:id="rId67"/>
+    <p:notesMasterId r:id="rId56"/>
   </p:notesMasterIdLst>
   <p:sldIdLst>
     <p:sldId id="421" r:id="rId2"/>
@@ -62,17 +62,6 @@
     <p:sldId id="270" r:id="rId53"/>
     <p:sldId id="531" r:id="rId54"/>
     <p:sldId id="272" r:id="rId55"/>
-    <p:sldId id="543" r:id="rId56"/>
-    <p:sldId id="550" r:id="rId57"/>
-    <p:sldId id="544" r:id="rId58"/>
-    <p:sldId id="545" r:id="rId59"/>
-    <p:sldId id="546" r:id="rId60"/>
-    <p:sldId id="293" r:id="rId61"/>
-    <p:sldId id="547" r:id="rId62"/>
-    <p:sldId id="548" r:id="rId63"/>
-    <p:sldId id="296" r:id="rId64"/>
-    <p:sldId id="297" r:id="rId65"/>
-    <p:sldId id="298" r:id="rId66"/>
   </p:sldIdLst>
   <p:sldSz cx="12192000" cy="6858000"/>
   <p:notesSz cx="6858000" cy="9144000"/>
@@ -264,7 +253,7 @@
           <a:p>
             <a:fld id="{973C490B-630B-7F46-B6FE-05D0FD1689A8}" type="datetimeFigureOut">
               <a:rPr lang="en-US" smtClean="0"/>
-              <a:t>9/20/23</a:t>
+              <a:t>10/10/23</a:t>
             </a:fld>
             <a:endParaRPr lang="en-US"/>
           </a:p>
@@ -1794,1079 +1783,6 @@
 </p:notes>
 </file>
 
-<file path=ppt/notesSlides/notesSlide20.xml><?xml version="1.0" encoding="utf-8"?>
-<p:notes xmlns:a="http://schemas.openxmlformats.org/drawingml/2006/main" xmlns:r="http://schemas.openxmlformats.org/officeDocument/2006/relationships" xmlns:p="http://schemas.openxmlformats.org/presentationml/2006/main" showMasterSp="0" showMasterPhAnim="0">
-  <p:cSld>
-    <p:spTree>
-      <p:nvGrpSpPr>
-        <p:cNvPr id="1" name="Shape 697"/>
-        <p:cNvGrpSpPr/>
-        <p:nvPr/>
-      </p:nvGrpSpPr>
-      <p:grpSpPr>
-        <a:xfrm>
-          <a:off x="0" y="0"/>
-          <a:ext cx="0" cy="0"/>
-          <a:chOff x="0" y="0"/>
-          <a:chExt cx="0" cy="0"/>
-        </a:xfrm>
-      </p:grpSpPr>
-      <p:sp>
-        <p:nvSpPr>
-          <p:cNvPr id="698" name="Google Shape;698;p34:notes"/>
-          <p:cNvSpPr txBox="1">
-            <a:spLocks noGrp="1"/>
-          </p:cNvSpPr>
-          <p:nvPr>
-            <p:ph type="body" idx="1"/>
-          </p:nvPr>
-        </p:nvSpPr>
-        <p:spPr>
-          <a:xfrm>
-            <a:off x="1219200" y="3257550"/>
-            <a:ext cx="6705600" cy="3086100"/>
-          </a:xfrm>
-          <a:prstGeom prst="rect">
-            <a:avLst/>
-          </a:prstGeom>
-        </p:spPr>
-        <p:txBody>
-          <a:bodyPr spcFirstLastPara="1" wrap="square" lIns="91425" tIns="45700" rIns="91425" bIns="45700" anchor="t" anchorCtr="0">
-            <a:noAutofit/>
-          </a:bodyPr>
-          <a:lstStyle/>
-          <a:p>
-            <a:pPr marL="0" lvl="0" indent="0" algn="l" rtl="0">
-              <a:spcBef>
-                <a:spcPts val="0"/>
-              </a:spcBef>
-              <a:spcAft>
-                <a:spcPts val="0"/>
-              </a:spcAft>
-              <a:buNone/>
-            </a:pPr>
-            <a:endParaRPr/>
-          </a:p>
-        </p:txBody>
-      </p:sp>
-      <p:sp>
-        <p:nvSpPr>
-          <p:cNvPr id="699" name="Google Shape;699;p34:notes"/>
-          <p:cNvSpPr>
-            <a:spLocks noGrp="1" noRot="1" noChangeAspect="1"/>
-          </p:cNvSpPr>
-          <p:nvPr>
-            <p:ph type="sldImg" idx="2"/>
-          </p:nvPr>
-        </p:nvSpPr>
-        <p:spPr>
-          <a:xfrm>
-            <a:off x="2286000" y="514350"/>
-            <a:ext cx="4572000" cy="2571750"/>
-          </a:xfrm>
-          <a:custGeom>
-            <a:avLst/>
-            <a:gdLst/>
-            <a:ahLst/>
-            <a:cxnLst/>
-            <a:rect l="l" t="t" r="r" b="b"/>
-            <a:pathLst>
-              <a:path w="120000" h="120000" extrusionOk="0">
-                <a:moveTo>
-                  <a:pt x="0" y="0"/>
-                </a:moveTo>
-                <a:lnTo>
-                  <a:pt x="120000" y="0"/>
-                </a:lnTo>
-                <a:lnTo>
-                  <a:pt x="120000" y="120000"/>
-                </a:lnTo>
-                <a:lnTo>
-                  <a:pt x="0" y="120000"/>
-                </a:lnTo>
-                <a:close/>
-              </a:path>
-            </a:pathLst>
-          </a:custGeom>
-        </p:spPr>
-      </p:sp>
-    </p:spTree>
-  </p:cSld>
-  <p:clrMapOvr>
-    <a:masterClrMapping/>
-  </p:clrMapOvr>
-</p:notes>
-</file>
-
-<file path=ppt/notesSlides/notesSlide21.xml><?xml version="1.0" encoding="utf-8"?>
-<p:notes xmlns:a="http://schemas.openxmlformats.org/drawingml/2006/main" xmlns:r="http://schemas.openxmlformats.org/officeDocument/2006/relationships" xmlns:p="http://schemas.openxmlformats.org/presentationml/2006/main" showMasterSp="0" showMasterPhAnim="0">
-  <p:cSld>
-    <p:spTree>
-      <p:nvGrpSpPr>
-        <p:cNvPr id="1" name="Shape 703"/>
-        <p:cNvGrpSpPr/>
-        <p:nvPr/>
-      </p:nvGrpSpPr>
-      <p:grpSpPr>
-        <a:xfrm>
-          <a:off x="0" y="0"/>
-          <a:ext cx="0" cy="0"/>
-          <a:chOff x="0" y="0"/>
-          <a:chExt cx="0" cy="0"/>
-        </a:xfrm>
-      </p:grpSpPr>
-      <p:sp>
-        <p:nvSpPr>
-          <p:cNvPr id="704" name="Google Shape;704;p35:notes"/>
-          <p:cNvSpPr txBox="1">
-            <a:spLocks noGrp="1"/>
-          </p:cNvSpPr>
-          <p:nvPr>
-            <p:ph type="body" idx="1"/>
-          </p:nvPr>
-        </p:nvSpPr>
-        <p:spPr>
-          <a:xfrm>
-            <a:off x="1219200" y="3257550"/>
-            <a:ext cx="6705600" cy="3086100"/>
-          </a:xfrm>
-          <a:prstGeom prst="rect">
-            <a:avLst/>
-          </a:prstGeom>
-        </p:spPr>
-        <p:txBody>
-          <a:bodyPr spcFirstLastPara="1" wrap="square" lIns="91425" tIns="45700" rIns="91425" bIns="45700" anchor="t" anchorCtr="0">
-            <a:noAutofit/>
-          </a:bodyPr>
-          <a:lstStyle/>
-          <a:p>
-            <a:pPr marL="0" lvl="0" indent="0" algn="l" rtl="0">
-              <a:spcBef>
-                <a:spcPts val="0"/>
-              </a:spcBef>
-              <a:spcAft>
-                <a:spcPts val="0"/>
-              </a:spcAft>
-              <a:buNone/>
-            </a:pPr>
-            <a:endParaRPr/>
-          </a:p>
-        </p:txBody>
-      </p:sp>
-      <p:sp>
-        <p:nvSpPr>
-          <p:cNvPr id="705" name="Google Shape;705;p35:notes"/>
-          <p:cNvSpPr>
-            <a:spLocks noGrp="1" noRot="1" noChangeAspect="1"/>
-          </p:cNvSpPr>
-          <p:nvPr>
-            <p:ph type="sldImg" idx="2"/>
-          </p:nvPr>
-        </p:nvSpPr>
-        <p:spPr>
-          <a:xfrm>
-            <a:off x="2286000" y="514350"/>
-            <a:ext cx="4572000" cy="2571750"/>
-          </a:xfrm>
-          <a:custGeom>
-            <a:avLst/>
-            <a:gdLst/>
-            <a:ahLst/>
-            <a:cxnLst/>
-            <a:rect l="l" t="t" r="r" b="b"/>
-            <a:pathLst>
-              <a:path w="120000" h="120000" extrusionOk="0">
-                <a:moveTo>
-                  <a:pt x="0" y="0"/>
-                </a:moveTo>
-                <a:lnTo>
-                  <a:pt x="120000" y="0"/>
-                </a:lnTo>
-                <a:lnTo>
-                  <a:pt x="120000" y="120000"/>
-                </a:lnTo>
-                <a:lnTo>
-                  <a:pt x="0" y="120000"/>
-                </a:lnTo>
-                <a:close/>
-              </a:path>
-            </a:pathLst>
-          </a:custGeom>
-        </p:spPr>
-      </p:sp>
-    </p:spTree>
-  </p:cSld>
-  <p:clrMapOvr>
-    <a:masterClrMapping/>
-  </p:clrMapOvr>
-</p:notes>
-</file>
-
-<file path=ppt/notesSlides/notesSlide22.xml><?xml version="1.0" encoding="utf-8"?>
-<p:notes xmlns:a="http://schemas.openxmlformats.org/drawingml/2006/main" xmlns:r="http://schemas.openxmlformats.org/officeDocument/2006/relationships" xmlns:p="http://schemas.openxmlformats.org/presentationml/2006/main" showMasterSp="0" showMasterPhAnim="0">
-  <p:cSld>
-    <p:spTree>
-      <p:nvGrpSpPr>
-        <p:cNvPr id="1" name="Shape 724"/>
-        <p:cNvGrpSpPr/>
-        <p:nvPr/>
-      </p:nvGrpSpPr>
-      <p:grpSpPr>
-        <a:xfrm>
-          <a:off x="0" y="0"/>
-          <a:ext cx="0" cy="0"/>
-          <a:chOff x="0" y="0"/>
-          <a:chExt cx="0" cy="0"/>
-        </a:xfrm>
-      </p:grpSpPr>
-      <p:sp>
-        <p:nvSpPr>
-          <p:cNvPr id="725" name="Google Shape;725;p36:notes"/>
-          <p:cNvSpPr txBox="1">
-            <a:spLocks noGrp="1"/>
-          </p:cNvSpPr>
-          <p:nvPr>
-            <p:ph type="body" idx="1"/>
-          </p:nvPr>
-        </p:nvSpPr>
-        <p:spPr>
-          <a:xfrm>
-            <a:off x="1219200" y="3257550"/>
-            <a:ext cx="6705600" cy="3086100"/>
-          </a:xfrm>
-          <a:prstGeom prst="rect">
-            <a:avLst/>
-          </a:prstGeom>
-        </p:spPr>
-        <p:txBody>
-          <a:bodyPr spcFirstLastPara="1" wrap="square" lIns="91425" tIns="45700" rIns="91425" bIns="45700" anchor="t" anchorCtr="0">
-            <a:noAutofit/>
-          </a:bodyPr>
-          <a:lstStyle/>
-          <a:p>
-            <a:pPr marL="0" lvl="0" indent="0" algn="l" rtl="0">
-              <a:spcBef>
-                <a:spcPts val="0"/>
-              </a:spcBef>
-              <a:spcAft>
-                <a:spcPts val="0"/>
-              </a:spcAft>
-              <a:buNone/>
-            </a:pPr>
-            <a:endParaRPr/>
-          </a:p>
-        </p:txBody>
-      </p:sp>
-      <p:sp>
-        <p:nvSpPr>
-          <p:cNvPr id="726" name="Google Shape;726;p36:notes"/>
-          <p:cNvSpPr>
-            <a:spLocks noGrp="1" noRot="1" noChangeAspect="1"/>
-          </p:cNvSpPr>
-          <p:nvPr>
-            <p:ph type="sldImg" idx="2"/>
-          </p:nvPr>
-        </p:nvSpPr>
-        <p:spPr>
-          <a:xfrm>
-            <a:off x="2286000" y="514350"/>
-            <a:ext cx="4572000" cy="2571750"/>
-          </a:xfrm>
-          <a:custGeom>
-            <a:avLst/>
-            <a:gdLst/>
-            <a:ahLst/>
-            <a:cxnLst/>
-            <a:rect l="l" t="t" r="r" b="b"/>
-            <a:pathLst>
-              <a:path w="120000" h="120000" extrusionOk="0">
-                <a:moveTo>
-                  <a:pt x="0" y="0"/>
-                </a:moveTo>
-                <a:lnTo>
-                  <a:pt x="120000" y="0"/>
-                </a:lnTo>
-                <a:lnTo>
-                  <a:pt x="120000" y="120000"/>
-                </a:lnTo>
-                <a:lnTo>
-                  <a:pt x="0" y="120000"/>
-                </a:lnTo>
-                <a:close/>
-              </a:path>
-            </a:pathLst>
-          </a:custGeom>
-        </p:spPr>
-      </p:sp>
-    </p:spTree>
-  </p:cSld>
-  <p:clrMapOvr>
-    <a:masterClrMapping/>
-  </p:clrMapOvr>
-</p:notes>
-</file>
-
-<file path=ppt/notesSlides/notesSlide23.xml><?xml version="1.0" encoding="utf-8"?>
-<p:notes xmlns:a="http://schemas.openxmlformats.org/drawingml/2006/main" xmlns:r="http://schemas.openxmlformats.org/officeDocument/2006/relationships" xmlns:p="http://schemas.openxmlformats.org/presentationml/2006/main" showMasterSp="0" showMasterPhAnim="0">
-  <p:cSld>
-    <p:spTree>
-      <p:nvGrpSpPr>
-        <p:cNvPr id="1" name="Shape 730"/>
-        <p:cNvGrpSpPr/>
-        <p:nvPr/>
-      </p:nvGrpSpPr>
-      <p:grpSpPr>
-        <a:xfrm>
-          <a:off x="0" y="0"/>
-          <a:ext cx="0" cy="0"/>
-          <a:chOff x="0" y="0"/>
-          <a:chExt cx="0" cy="0"/>
-        </a:xfrm>
-      </p:grpSpPr>
-      <p:sp>
-        <p:nvSpPr>
-          <p:cNvPr id="731" name="Google Shape;731;p37:notes"/>
-          <p:cNvSpPr txBox="1">
-            <a:spLocks noGrp="1"/>
-          </p:cNvSpPr>
-          <p:nvPr>
-            <p:ph type="body" idx="1"/>
-          </p:nvPr>
-        </p:nvSpPr>
-        <p:spPr>
-          <a:xfrm>
-            <a:off x="1219200" y="3257550"/>
-            <a:ext cx="6705600" cy="3086100"/>
-          </a:xfrm>
-          <a:prstGeom prst="rect">
-            <a:avLst/>
-          </a:prstGeom>
-        </p:spPr>
-        <p:txBody>
-          <a:bodyPr spcFirstLastPara="1" wrap="square" lIns="91425" tIns="45700" rIns="91425" bIns="45700" anchor="t" anchorCtr="0">
-            <a:noAutofit/>
-          </a:bodyPr>
-          <a:lstStyle/>
-          <a:p>
-            <a:pPr marL="0" lvl="0" indent="0" algn="l" rtl="0">
-              <a:spcBef>
-                <a:spcPts val="0"/>
-              </a:spcBef>
-              <a:spcAft>
-                <a:spcPts val="0"/>
-              </a:spcAft>
-              <a:buNone/>
-            </a:pPr>
-            <a:endParaRPr/>
-          </a:p>
-        </p:txBody>
-      </p:sp>
-      <p:sp>
-        <p:nvSpPr>
-          <p:cNvPr id="732" name="Google Shape;732;p37:notes"/>
-          <p:cNvSpPr>
-            <a:spLocks noGrp="1" noRot="1" noChangeAspect="1"/>
-          </p:cNvSpPr>
-          <p:nvPr>
-            <p:ph type="sldImg" idx="2"/>
-          </p:nvPr>
-        </p:nvSpPr>
-        <p:spPr>
-          <a:xfrm>
-            <a:off x="2286000" y="514350"/>
-            <a:ext cx="4572000" cy="2571750"/>
-          </a:xfrm>
-          <a:custGeom>
-            <a:avLst/>
-            <a:gdLst/>
-            <a:ahLst/>
-            <a:cxnLst/>
-            <a:rect l="l" t="t" r="r" b="b"/>
-            <a:pathLst>
-              <a:path w="120000" h="120000" extrusionOk="0">
-                <a:moveTo>
-                  <a:pt x="0" y="0"/>
-                </a:moveTo>
-                <a:lnTo>
-                  <a:pt x="120000" y="0"/>
-                </a:lnTo>
-                <a:lnTo>
-                  <a:pt x="120000" y="120000"/>
-                </a:lnTo>
-                <a:lnTo>
-                  <a:pt x="0" y="120000"/>
-                </a:lnTo>
-                <a:close/>
-              </a:path>
-            </a:pathLst>
-          </a:custGeom>
-        </p:spPr>
-      </p:sp>
-    </p:spTree>
-  </p:cSld>
-  <p:clrMapOvr>
-    <a:masterClrMapping/>
-  </p:clrMapOvr>
-</p:notes>
-</file>
-
-<file path=ppt/notesSlides/notesSlide24.xml><?xml version="1.0" encoding="utf-8"?>
-<p:notes xmlns:a="http://schemas.openxmlformats.org/drawingml/2006/main" xmlns:r="http://schemas.openxmlformats.org/officeDocument/2006/relationships" xmlns:p="http://schemas.openxmlformats.org/presentationml/2006/main" showMasterSp="0" showMasterPhAnim="0">
-  <p:cSld>
-    <p:spTree>
-      <p:nvGrpSpPr>
-        <p:cNvPr id="1" name="Shape 736"/>
-        <p:cNvGrpSpPr/>
-        <p:nvPr/>
-      </p:nvGrpSpPr>
-      <p:grpSpPr>
-        <a:xfrm>
-          <a:off x="0" y="0"/>
-          <a:ext cx="0" cy="0"/>
-          <a:chOff x="0" y="0"/>
-          <a:chExt cx="0" cy="0"/>
-        </a:xfrm>
-      </p:grpSpPr>
-      <p:sp>
-        <p:nvSpPr>
-          <p:cNvPr id="737" name="Google Shape;737;p38:notes"/>
-          <p:cNvSpPr>
-            <a:spLocks noGrp="1" noRot="1" noChangeAspect="1"/>
-          </p:cNvSpPr>
-          <p:nvPr>
-            <p:ph type="sldImg" idx="2"/>
-          </p:nvPr>
-        </p:nvSpPr>
-        <p:spPr>
-          <a:xfrm>
-            <a:off x="2286000" y="514350"/>
-            <a:ext cx="4572000" cy="2571750"/>
-          </a:xfrm>
-          <a:custGeom>
-            <a:avLst/>
-            <a:gdLst/>
-            <a:ahLst/>
-            <a:cxnLst/>
-            <a:rect l="l" t="t" r="r" b="b"/>
-            <a:pathLst>
-              <a:path w="120000" h="120000" extrusionOk="0">
-                <a:moveTo>
-                  <a:pt x="0" y="0"/>
-                </a:moveTo>
-                <a:lnTo>
-                  <a:pt x="120000" y="0"/>
-                </a:lnTo>
-                <a:lnTo>
-                  <a:pt x="120000" y="120000"/>
-                </a:lnTo>
-                <a:lnTo>
-                  <a:pt x="0" y="120000"/>
-                </a:lnTo>
-                <a:close/>
-              </a:path>
-            </a:pathLst>
-          </a:custGeom>
-          <a:noFill/>
-          <a:ln>
-            <a:noFill/>
-          </a:ln>
-        </p:spPr>
-      </p:sp>
-      <p:sp>
-        <p:nvSpPr>
-          <p:cNvPr id="738" name="Google Shape;738;p38:notes"/>
-          <p:cNvSpPr txBox="1">
-            <a:spLocks noGrp="1"/>
-          </p:cNvSpPr>
-          <p:nvPr>
-            <p:ph type="body" idx="1"/>
-          </p:nvPr>
-        </p:nvSpPr>
-        <p:spPr>
-          <a:xfrm>
-            <a:off x="1219200" y="3257550"/>
-            <a:ext cx="6705600" cy="3086100"/>
-          </a:xfrm>
-          <a:prstGeom prst="rect">
-            <a:avLst/>
-          </a:prstGeom>
-          <a:noFill/>
-          <a:ln>
-            <a:noFill/>
-          </a:ln>
-        </p:spPr>
-        <p:txBody>
-          <a:bodyPr spcFirstLastPara="1" wrap="square" lIns="91425" tIns="45700" rIns="91425" bIns="45700" anchor="t" anchorCtr="0">
-            <a:noAutofit/>
-          </a:bodyPr>
-          <a:lstStyle/>
-          <a:p>
-            <a:pPr marL="0" lvl="0" indent="0" algn="l" rtl="0">
-              <a:lnSpc>
-                <a:spcPct val="125000"/>
-              </a:lnSpc>
-              <a:spcBef>
-                <a:spcPts val="0"/>
-              </a:spcBef>
-              <a:spcAft>
-                <a:spcPts val="0"/>
-              </a:spcAft>
-              <a:buNone/>
-            </a:pPr>
-            <a:endParaRPr/>
-          </a:p>
-        </p:txBody>
-      </p:sp>
-    </p:spTree>
-  </p:cSld>
-  <p:clrMapOvr>
-    <a:masterClrMapping/>
-  </p:clrMapOvr>
-</p:notes>
-</file>
-
-<file path=ppt/notesSlides/notesSlide25.xml><?xml version="1.0" encoding="utf-8"?>
-<p:notes xmlns:a="http://schemas.openxmlformats.org/drawingml/2006/main" xmlns:r="http://schemas.openxmlformats.org/officeDocument/2006/relationships" xmlns:p="http://schemas.openxmlformats.org/presentationml/2006/main" showMasterSp="0" showMasterPhAnim="0">
-  <p:cSld>
-    <p:spTree>
-      <p:nvGrpSpPr>
-        <p:cNvPr id="1" name="Shape 743"/>
-        <p:cNvGrpSpPr/>
-        <p:nvPr/>
-      </p:nvGrpSpPr>
-      <p:grpSpPr>
-        <a:xfrm>
-          <a:off x="0" y="0"/>
-          <a:ext cx="0" cy="0"/>
-          <a:chOff x="0" y="0"/>
-          <a:chExt cx="0" cy="0"/>
-        </a:xfrm>
-      </p:grpSpPr>
-      <p:sp>
-        <p:nvSpPr>
-          <p:cNvPr id="744" name="Google Shape;744;p39:notes"/>
-          <p:cNvSpPr>
-            <a:spLocks noGrp="1" noRot="1" noChangeAspect="1"/>
-          </p:cNvSpPr>
-          <p:nvPr>
-            <p:ph type="sldImg" idx="2"/>
-          </p:nvPr>
-        </p:nvSpPr>
-        <p:spPr>
-          <a:xfrm>
-            <a:off x="2286000" y="514350"/>
-            <a:ext cx="4572000" cy="2571750"/>
-          </a:xfrm>
-          <a:custGeom>
-            <a:avLst/>
-            <a:gdLst/>
-            <a:ahLst/>
-            <a:cxnLst/>
-            <a:rect l="l" t="t" r="r" b="b"/>
-            <a:pathLst>
-              <a:path w="120000" h="120000" extrusionOk="0">
-                <a:moveTo>
-                  <a:pt x="0" y="0"/>
-                </a:moveTo>
-                <a:lnTo>
-                  <a:pt x="120000" y="0"/>
-                </a:lnTo>
-                <a:lnTo>
-                  <a:pt x="120000" y="120000"/>
-                </a:lnTo>
-                <a:lnTo>
-                  <a:pt x="0" y="120000"/>
-                </a:lnTo>
-                <a:close/>
-              </a:path>
-            </a:pathLst>
-          </a:custGeom>
-          <a:noFill/>
-          <a:ln>
-            <a:noFill/>
-          </a:ln>
-        </p:spPr>
-      </p:sp>
-      <p:sp>
-        <p:nvSpPr>
-          <p:cNvPr id="745" name="Google Shape;745;p39:notes"/>
-          <p:cNvSpPr txBox="1">
-            <a:spLocks noGrp="1"/>
-          </p:cNvSpPr>
-          <p:nvPr>
-            <p:ph type="body" idx="1"/>
-          </p:nvPr>
-        </p:nvSpPr>
-        <p:spPr>
-          <a:xfrm>
-            <a:off x="1219200" y="3257550"/>
-            <a:ext cx="6705600" cy="3086100"/>
-          </a:xfrm>
-          <a:prstGeom prst="rect">
-            <a:avLst/>
-          </a:prstGeom>
-          <a:noFill/>
-          <a:ln>
-            <a:noFill/>
-          </a:ln>
-        </p:spPr>
-        <p:txBody>
-          <a:bodyPr spcFirstLastPara="1" wrap="square" lIns="91425" tIns="45700" rIns="91425" bIns="45700" anchor="t" anchorCtr="0">
-            <a:noAutofit/>
-          </a:bodyPr>
-          <a:lstStyle/>
-          <a:p>
-            <a:pPr marL="0" lvl="0" indent="0" algn="l" rtl="0">
-              <a:lnSpc>
-                <a:spcPct val="125000"/>
-              </a:lnSpc>
-              <a:spcBef>
-                <a:spcPts val="0"/>
-              </a:spcBef>
-              <a:spcAft>
-                <a:spcPts val="0"/>
-              </a:spcAft>
-              <a:buNone/>
-            </a:pPr>
-            <a:endParaRPr/>
-          </a:p>
-        </p:txBody>
-      </p:sp>
-    </p:spTree>
-  </p:cSld>
-  <p:clrMapOvr>
-    <a:masterClrMapping/>
-  </p:clrMapOvr>
-</p:notes>
-</file>
-
-<file path=ppt/notesSlides/notesSlide26.xml><?xml version="1.0" encoding="utf-8"?>
-<p:notes xmlns:a="http://schemas.openxmlformats.org/drawingml/2006/main" xmlns:r="http://schemas.openxmlformats.org/officeDocument/2006/relationships" xmlns:p="http://schemas.openxmlformats.org/presentationml/2006/main" showMasterSp="0" showMasterPhAnim="0">
-  <p:cSld>
-    <p:spTree>
-      <p:nvGrpSpPr>
-        <p:cNvPr id="1" name="Shape 750"/>
-        <p:cNvGrpSpPr/>
-        <p:nvPr/>
-      </p:nvGrpSpPr>
-      <p:grpSpPr>
-        <a:xfrm>
-          <a:off x="0" y="0"/>
-          <a:ext cx="0" cy="0"/>
-          <a:chOff x="0" y="0"/>
-          <a:chExt cx="0" cy="0"/>
-        </a:xfrm>
-      </p:grpSpPr>
-      <p:sp>
-        <p:nvSpPr>
-          <p:cNvPr id="751" name="Google Shape;751;p40:notes"/>
-          <p:cNvSpPr txBox="1">
-            <a:spLocks noGrp="1"/>
-          </p:cNvSpPr>
-          <p:nvPr>
-            <p:ph type="body" idx="1"/>
-          </p:nvPr>
-        </p:nvSpPr>
-        <p:spPr>
-          <a:xfrm>
-            <a:off x="1219200" y="3257550"/>
-            <a:ext cx="6705600" cy="3086100"/>
-          </a:xfrm>
-          <a:prstGeom prst="rect">
-            <a:avLst/>
-          </a:prstGeom>
-        </p:spPr>
-        <p:txBody>
-          <a:bodyPr spcFirstLastPara="1" wrap="square" lIns="91425" tIns="45700" rIns="91425" bIns="45700" anchor="t" anchorCtr="0">
-            <a:noAutofit/>
-          </a:bodyPr>
-          <a:lstStyle/>
-          <a:p>
-            <a:pPr marL="0" lvl="0" indent="0" algn="l" rtl="0">
-              <a:spcBef>
-                <a:spcPts val="0"/>
-              </a:spcBef>
-              <a:spcAft>
-                <a:spcPts val="0"/>
-              </a:spcAft>
-              <a:buNone/>
-            </a:pPr>
-            <a:endParaRPr/>
-          </a:p>
-        </p:txBody>
-      </p:sp>
-      <p:sp>
-        <p:nvSpPr>
-          <p:cNvPr id="752" name="Google Shape;752;p40:notes"/>
-          <p:cNvSpPr>
-            <a:spLocks noGrp="1" noRot="1" noChangeAspect="1"/>
-          </p:cNvSpPr>
-          <p:nvPr>
-            <p:ph type="sldImg" idx="2"/>
-          </p:nvPr>
-        </p:nvSpPr>
-        <p:spPr>
-          <a:xfrm>
-            <a:off x="2286000" y="514350"/>
-            <a:ext cx="4572000" cy="2571750"/>
-          </a:xfrm>
-          <a:custGeom>
-            <a:avLst/>
-            <a:gdLst/>
-            <a:ahLst/>
-            <a:cxnLst/>
-            <a:rect l="l" t="t" r="r" b="b"/>
-            <a:pathLst>
-              <a:path w="120000" h="120000" extrusionOk="0">
-                <a:moveTo>
-                  <a:pt x="0" y="0"/>
-                </a:moveTo>
-                <a:lnTo>
-                  <a:pt x="120000" y="0"/>
-                </a:lnTo>
-                <a:lnTo>
-                  <a:pt x="120000" y="120000"/>
-                </a:lnTo>
-                <a:lnTo>
-                  <a:pt x="0" y="120000"/>
-                </a:lnTo>
-                <a:close/>
-              </a:path>
-            </a:pathLst>
-          </a:custGeom>
-        </p:spPr>
-      </p:sp>
-    </p:spTree>
-  </p:cSld>
-  <p:clrMapOvr>
-    <a:masterClrMapping/>
-  </p:clrMapOvr>
-</p:notes>
-</file>
-
-<file path=ppt/notesSlides/notesSlide27.xml><?xml version="1.0" encoding="utf-8"?>
-<p:notes xmlns:a="http://schemas.openxmlformats.org/drawingml/2006/main" xmlns:r="http://schemas.openxmlformats.org/officeDocument/2006/relationships" xmlns:p="http://schemas.openxmlformats.org/presentationml/2006/main" showMasterSp="0" showMasterPhAnim="0">
-  <p:cSld>
-    <p:spTree>
-      <p:nvGrpSpPr>
-        <p:cNvPr id="1" name="Shape 756"/>
-        <p:cNvGrpSpPr/>
-        <p:nvPr/>
-      </p:nvGrpSpPr>
-      <p:grpSpPr>
-        <a:xfrm>
-          <a:off x="0" y="0"/>
-          <a:ext cx="0" cy="0"/>
-          <a:chOff x="0" y="0"/>
-          <a:chExt cx="0" cy="0"/>
-        </a:xfrm>
-      </p:grpSpPr>
-      <p:sp>
-        <p:nvSpPr>
-          <p:cNvPr id="757" name="Google Shape;757;p41:notes"/>
-          <p:cNvSpPr txBox="1">
-            <a:spLocks noGrp="1"/>
-          </p:cNvSpPr>
-          <p:nvPr>
-            <p:ph type="body" idx="1"/>
-          </p:nvPr>
-        </p:nvSpPr>
-        <p:spPr>
-          <a:xfrm>
-            <a:off x="1219200" y="3257550"/>
-            <a:ext cx="6705600" cy="3086100"/>
-          </a:xfrm>
-          <a:prstGeom prst="rect">
-            <a:avLst/>
-          </a:prstGeom>
-        </p:spPr>
-        <p:txBody>
-          <a:bodyPr spcFirstLastPara="1" wrap="square" lIns="91425" tIns="45700" rIns="91425" bIns="45700" anchor="t" anchorCtr="0">
-            <a:noAutofit/>
-          </a:bodyPr>
-          <a:lstStyle/>
-          <a:p>
-            <a:pPr marL="0" lvl="0" indent="0" algn="l" rtl="0">
-              <a:spcBef>
-                <a:spcPts val="0"/>
-              </a:spcBef>
-              <a:spcAft>
-                <a:spcPts val="0"/>
-              </a:spcAft>
-              <a:buNone/>
-            </a:pPr>
-            <a:endParaRPr/>
-          </a:p>
-        </p:txBody>
-      </p:sp>
-      <p:sp>
-        <p:nvSpPr>
-          <p:cNvPr id="758" name="Google Shape;758;p41:notes"/>
-          <p:cNvSpPr>
-            <a:spLocks noGrp="1" noRot="1" noChangeAspect="1"/>
-          </p:cNvSpPr>
-          <p:nvPr>
-            <p:ph type="sldImg" idx="2"/>
-          </p:nvPr>
-        </p:nvSpPr>
-        <p:spPr>
-          <a:xfrm>
-            <a:off x="2286000" y="514350"/>
-            <a:ext cx="4572000" cy="2571750"/>
-          </a:xfrm>
-          <a:custGeom>
-            <a:avLst/>
-            <a:gdLst/>
-            <a:ahLst/>
-            <a:cxnLst/>
-            <a:rect l="l" t="t" r="r" b="b"/>
-            <a:pathLst>
-              <a:path w="120000" h="120000" extrusionOk="0">
-                <a:moveTo>
-                  <a:pt x="0" y="0"/>
-                </a:moveTo>
-                <a:lnTo>
-                  <a:pt x="120000" y="0"/>
-                </a:lnTo>
-                <a:lnTo>
-                  <a:pt x="120000" y="120000"/>
-                </a:lnTo>
-                <a:lnTo>
-                  <a:pt x="0" y="120000"/>
-                </a:lnTo>
-                <a:close/>
-              </a:path>
-            </a:pathLst>
-          </a:custGeom>
-        </p:spPr>
-      </p:sp>
-    </p:spTree>
-  </p:cSld>
-  <p:clrMapOvr>
-    <a:masterClrMapping/>
-  </p:clrMapOvr>
-</p:notes>
-</file>
-
-<file path=ppt/notesSlides/notesSlide28.xml><?xml version="1.0" encoding="utf-8"?>
-<p:notes xmlns:a="http://schemas.openxmlformats.org/drawingml/2006/main" xmlns:r="http://schemas.openxmlformats.org/officeDocument/2006/relationships" xmlns:p="http://schemas.openxmlformats.org/presentationml/2006/main" showMasterSp="0" showMasterPhAnim="0">
-  <p:cSld>
-    <p:spTree>
-      <p:nvGrpSpPr>
-        <p:cNvPr id="1" name="Shape 762"/>
-        <p:cNvGrpSpPr/>
-        <p:nvPr/>
-      </p:nvGrpSpPr>
-      <p:grpSpPr>
-        <a:xfrm>
-          <a:off x="0" y="0"/>
-          <a:ext cx="0" cy="0"/>
-          <a:chOff x="0" y="0"/>
-          <a:chExt cx="0" cy="0"/>
-        </a:xfrm>
-      </p:grpSpPr>
-      <p:sp>
-        <p:nvSpPr>
-          <p:cNvPr id="763" name="Google Shape;763;p42:notes"/>
-          <p:cNvSpPr>
-            <a:spLocks noGrp="1" noRot="1" noChangeAspect="1"/>
-          </p:cNvSpPr>
-          <p:nvPr>
-            <p:ph type="sldImg" idx="2"/>
-          </p:nvPr>
-        </p:nvSpPr>
-        <p:spPr>
-          <a:xfrm>
-            <a:off x="2286000" y="514350"/>
-            <a:ext cx="4572000" cy="2571750"/>
-          </a:xfrm>
-          <a:custGeom>
-            <a:avLst/>
-            <a:gdLst/>
-            <a:ahLst/>
-            <a:cxnLst/>
-            <a:rect l="l" t="t" r="r" b="b"/>
-            <a:pathLst>
-              <a:path w="120000" h="120000" extrusionOk="0">
-                <a:moveTo>
-                  <a:pt x="0" y="0"/>
-                </a:moveTo>
-                <a:lnTo>
-                  <a:pt x="120000" y="0"/>
-                </a:lnTo>
-                <a:lnTo>
-                  <a:pt x="120000" y="120000"/>
-                </a:lnTo>
-                <a:lnTo>
-                  <a:pt x="0" y="120000"/>
-                </a:lnTo>
-                <a:close/>
-              </a:path>
-            </a:pathLst>
-          </a:custGeom>
-          <a:noFill/>
-          <a:ln>
-            <a:noFill/>
-          </a:ln>
-        </p:spPr>
-      </p:sp>
-      <p:sp>
-        <p:nvSpPr>
-          <p:cNvPr id="764" name="Google Shape;764;p42:notes"/>
-          <p:cNvSpPr txBox="1">
-            <a:spLocks noGrp="1"/>
-          </p:cNvSpPr>
-          <p:nvPr>
-            <p:ph type="body" idx="1"/>
-          </p:nvPr>
-        </p:nvSpPr>
-        <p:spPr>
-          <a:xfrm>
-            <a:off x="1219200" y="3257550"/>
-            <a:ext cx="6705600" cy="3086100"/>
-          </a:xfrm>
-          <a:prstGeom prst="rect">
-            <a:avLst/>
-          </a:prstGeom>
-          <a:noFill/>
-          <a:ln>
-            <a:noFill/>
-          </a:ln>
-        </p:spPr>
-        <p:txBody>
-          <a:bodyPr spcFirstLastPara="1" wrap="square" lIns="91425" tIns="45700" rIns="91425" bIns="45700" anchor="t" anchorCtr="0">
-            <a:noAutofit/>
-          </a:bodyPr>
-          <a:lstStyle/>
-          <a:p>
-            <a:pPr marL="0" lvl="0" indent="0" algn="l" rtl="0">
-              <a:lnSpc>
-                <a:spcPct val="125000"/>
-              </a:lnSpc>
-              <a:spcBef>
-                <a:spcPts val="0"/>
-              </a:spcBef>
-              <a:spcAft>
-                <a:spcPts val="0"/>
-              </a:spcAft>
-              <a:buNone/>
-            </a:pPr>
-            <a:endParaRPr/>
-          </a:p>
-        </p:txBody>
-      </p:sp>
-    </p:spTree>
-  </p:cSld>
-  <p:clrMapOvr>
-    <a:masterClrMapping/>
-  </p:clrMapOvr>
-</p:notes>
-</file>
-
-<file path=ppt/notesSlides/notesSlide29.xml><?xml version="1.0" encoding="utf-8"?>
-<p:notes xmlns:a="http://schemas.openxmlformats.org/drawingml/2006/main" xmlns:r="http://schemas.openxmlformats.org/officeDocument/2006/relationships" xmlns:p="http://schemas.openxmlformats.org/presentationml/2006/main" showMasterSp="0" showMasterPhAnim="0">
-  <p:cSld>
-    <p:spTree>
-      <p:nvGrpSpPr>
-        <p:cNvPr id="1" name="Shape 768"/>
-        <p:cNvGrpSpPr/>
-        <p:nvPr/>
-      </p:nvGrpSpPr>
-      <p:grpSpPr>
-        <a:xfrm>
-          <a:off x="0" y="0"/>
-          <a:ext cx="0" cy="0"/>
-          <a:chOff x="0" y="0"/>
-          <a:chExt cx="0" cy="0"/>
-        </a:xfrm>
-      </p:grpSpPr>
-      <p:sp>
-        <p:nvSpPr>
-          <p:cNvPr id="769" name="Google Shape;769;p43:notes"/>
-          <p:cNvSpPr txBox="1">
-            <a:spLocks noGrp="1"/>
-          </p:cNvSpPr>
-          <p:nvPr>
-            <p:ph type="body" idx="1"/>
-          </p:nvPr>
-        </p:nvSpPr>
-        <p:spPr>
-          <a:xfrm>
-            <a:off x="1219200" y="3257550"/>
-            <a:ext cx="6705600" cy="3086100"/>
-          </a:xfrm>
-          <a:prstGeom prst="rect">
-            <a:avLst/>
-          </a:prstGeom>
-        </p:spPr>
-        <p:txBody>
-          <a:bodyPr spcFirstLastPara="1" wrap="square" lIns="91425" tIns="45700" rIns="91425" bIns="45700" anchor="t" anchorCtr="0">
-            <a:noAutofit/>
-          </a:bodyPr>
-          <a:lstStyle/>
-          <a:p>
-            <a:pPr marL="0" lvl="0" indent="0" algn="l" rtl="0">
-              <a:spcBef>
-                <a:spcPts val="0"/>
-              </a:spcBef>
-              <a:spcAft>
-                <a:spcPts val="0"/>
-              </a:spcAft>
-              <a:buNone/>
-            </a:pPr>
-            <a:endParaRPr/>
-          </a:p>
-        </p:txBody>
-      </p:sp>
-      <p:sp>
-        <p:nvSpPr>
-          <p:cNvPr id="770" name="Google Shape;770;p43:notes"/>
-          <p:cNvSpPr>
-            <a:spLocks noGrp="1" noRot="1" noChangeAspect="1"/>
-          </p:cNvSpPr>
-          <p:nvPr>
-            <p:ph type="sldImg" idx="2"/>
-          </p:nvPr>
-        </p:nvSpPr>
-        <p:spPr>
-          <a:xfrm>
-            <a:off x="2286000" y="514350"/>
-            <a:ext cx="4572000" cy="2571750"/>
-          </a:xfrm>
-          <a:custGeom>
-            <a:avLst/>
-            <a:gdLst/>
-            <a:ahLst/>
-            <a:cxnLst/>
-            <a:rect l="l" t="t" r="r" b="b"/>
-            <a:pathLst>
-              <a:path w="120000" h="120000" extrusionOk="0">
-                <a:moveTo>
-                  <a:pt x="0" y="0"/>
-                </a:moveTo>
-                <a:lnTo>
-                  <a:pt x="120000" y="0"/>
-                </a:lnTo>
-                <a:lnTo>
-                  <a:pt x="120000" y="120000"/>
-                </a:lnTo>
-                <a:lnTo>
-                  <a:pt x="0" y="120000"/>
-                </a:lnTo>
-                <a:close/>
-              </a:path>
-            </a:pathLst>
-          </a:custGeom>
-        </p:spPr>
-      </p:sp>
-    </p:spTree>
-  </p:cSld>
-  <p:clrMapOvr>
-    <a:masterClrMapping/>
-  </p:clrMapOvr>
-</p:notes>
-</file>
-
 <file path=ppt/notesSlides/notesSlide3.xml><?xml version="1.0" encoding="utf-8"?>
 <p:notes xmlns:a="http://schemas.openxmlformats.org/drawingml/2006/main" xmlns:r="http://schemas.openxmlformats.org/officeDocument/2006/relationships" xmlns:p="http://schemas.openxmlformats.org/presentationml/2006/main" showMasterSp="0" showMasterPhAnim="0">
   <p:cSld>
@@ -3704,7 +2620,7 @@
           <a:p>
             <a:fld id="{DEDCE603-2B12-5844-BEA7-E98E825B38C7}" type="datetimeFigureOut">
               <a:rPr lang="en-US" smtClean="0"/>
-              <a:t>9/20/23</a:t>
+              <a:t>10/10/23</a:t>
             </a:fld>
             <a:endParaRPr lang="en-US"/>
           </a:p>
@@ -3902,7 +2818,7 @@
           <a:p>
             <a:fld id="{DEDCE603-2B12-5844-BEA7-E98E825B38C7}" type="datetimeFigureOut">
               <a:rPr lang="en-US" smtClean="0"/>
-              <a:t>9/20/23</a:t>
+              <a:t>10/10/23</a:t>
             </a:fld>
             <a:endParaRPr lang="en-US"/>
           </a:p>
@@ -4110,7 +3026,7 @@
           <a:p>
             <a:fld id="{DEDCE603-2B12-5844-BEA7-E98E825B38C7}" type="datetimeFigureOut">
               <a:rPr lang="en-US" smtClean="0"/>
-              <a:t>9/20/23</a:t>
+              <a:t>10/10/23</a:t>
             </a:fld>
             <a:endParaRPr lang="en-US"/>
           </a:p>
@@ -4319,7 +3235,7 @@
           <a:p>
             <a:fld id="{DEDCE603-2B12-5844-BEA7-E98E825B38C7}" type="datetimeFigureOut">
               <a:rPr lang="en-US" smtClean="0"/>
-              <a:t>9/20/23</a:t>
+              <a:t>10/10/23</a:t>
             </a:fld>
             <a:endParaRPr lang="en-US"/>
           </a:p>
@@ -4594,7 +3510,7 @@
           <a:p>
             <a:fld id="{DEDCE603-2B12-5844-BEA7-E98E825B38C7}" type="datetimeFigureOut">
               <a:rPr lang="en-US" smtClean="0"/>
-              <a:t>9/20/23</a:t>
+              <a:t>10/10/23</a:t>
             </a:fld>
             <a:endParaRPr lang="en-US"/>
           </a:p>
@@ -4859,7 +3775,7 @@
           <a:p>
             <a:fld id="{DEDCE603-2B12-5844-BEA7-E98E825B38C7}" type="datetimeFigureOut">
               <a:rPr lang="en-US" smtClean="0"/>
-              <a:t>9/20/23</a:t>
+              <a:t>10/10/23</a:t>
             </a:fld>
             <a:endParaRPr lang="en-US"/>
           </a:p>
@@ -5271,7 +4187,7 @@
           <a:p>
             <a:fld id="{DEDCE603-2B12-5844-BEA7-E98E825B38C7}" type="datetimeFigureOut">
               <a:rPr lang="en-US" smtClean="0"/>
-              <a:t>9/20/23</a:t>
+              <a:t>10/10/23</a:t>
             </a:fld>
             <a:endParaRPr lang="en-US"/>
           </a:p>
@@ -5412,7 +4328,7 @@
           <a:p>
             <a:fld id="{DEDCE603-2B12-5844-BEA7-E98E825B38C7}" type="datetimeFigureOut">
               <a:rPr lang="en-US" smtClean="0"/>
-              <a:t>9/20/23</a:t>
+              <a:t>10/10/23</a:t>
             </a:fld>
             <a:endParaRPr lang="en-US"/>
           </a:p>
@@ -5525,7 +4441,7 @@
           <a:p>
             <a:fld id="{DEDCE603-2B12-5844-BEA7-E98E825B38C7}" type="datetimeFigureOut">
               <a:rPr lang="en-US" smtClean="0"/>
-              <a:t>9/20/23</a:t>
+              <a:t>10/10/23</a:t>
             </a:fld>
             <a:endParaRPr lang="en-US"/>
           </a:p>
@@ -5836,7 +4752,7 @@
           <a:p>
             <a:fld id="{DEDCE603-2B12-5844-BEA7-E98E825B38C7}" type="datetimeFigureOut">
               <a:rPr lang="en-US" smtClean="0"/>
-              <a:t>9/20/23</a:t>
+              <a:t>10/10/23</a:t>
             </a:fld>
             <a:endParaRPr lang="en-US"/>
           </a:p>
@@ -6124,7 +5040,7 @@
           <a:p>
             <a:fld id="{DEDCE603-2B12-5844-BEA7-E98E825B38C7}" type="datetimeFigureOut">
               <a:rPr lang="en-US" smtClean="0"/>
-              <a:t>9/20/23</a:t>
+              <a:t>10/10/23</a:t>
             </a:fld>
             <a:endParaRPr lang="en-US"/>
           </a:p>
@@ -6365,7 +5281,7 @@
           <a:p>
             <a:fld id="{DEDCE603-2B12-5844-BEA7-E98E825B38C7}" type="datetimeFigureOut">
               <a:rPr lang="en-US" smtClean="0"/>
-              <a:t>9/20/23</a:t>
+              <a:t>10/10/23</a:t>
             </a:fld>
             <a:endParaRPr lang="en-US"/>
           </a:p>
@@ -7468,7 +6384,7 @@
           </a:ln>
           <a:extLst>
             <a:ext uri="{C572A759-6A51-4108-AA02-DFA0A04FC94B}">
-              <ma14:wrappingTextBoxFlag xmlns="" xmlns:ma14="http://schemas.microsoft.com/office/mac/drawingml/2011/main" val="1"/>
+              <ma14:wrappingTextBoxFlag xmlns:ma14="http://schemas.microsoft.com/office/mac/drawingml/2011/main" xmlns="" val="1"/>
             </a:ext>
           </a:extLst>
         </p:spPr>
@@ -7618,7 +6534,7 @@
           </a:ln>
           <a:extLst>
             <a:ext uri="{C572A759-6A51-4108-AA02-DFA0A04FC94B}">
-              <ma14:wrappingTextBoxFlag xmlns="" xmlns:ma14="http://schemas.microsoft.com/office/mac/drawingml/2011/main" val="1"/>
+              <ma14:wrappingTextBoxFlag xmlns:ma14="http://schemas.microsoft.com/office/mac/drawingml/2011/main" xmlns="" val="1"/>
             </a:ext>
           </a:extLst>
         </p:spPr>
@@ -8375,7 +7291,7 @@
           </a:ln>
           <a:extLst>
             <a:ext uri="{C572A759-6A51-4108-AA02-DFA0A04FC94B}">
-              <ma14:wrappingTextBoxFlag xmlns="" xmlns:ma14="http://schemas.microsoft.com/office/mac/drawingml/2011/main" val="1"/>
+              <ma14:wrappingTextBoxFlag xmlns:ma14="http://schemas.microsoft.com/office/mac/drawingml/2011/main" xmlns="" val="1"/>
             </a:ext>
           </a:extLst>
         </p:spPr>
@@ -8507,7 +7423,7 @@
           </a:ln>
           <a:extLst>
             <a:ext uri="{C572A759-6A51-4108-AA02-DFA0A04FC94B}">
-              <ma14:wrappingTextBoxFlag xmlns="" xmlns:ma14="http://schemas.microsoft.com/office/mac/drawingml/2011/main" val="1"/>
+              <ma14:wrappingTextBoxFlag xmlns:ma14="http://schemas.microsoft.com/office/mac/drawingml/2011/main" xmlns="" val="1"/>
             </a:ext>
           </a:extLst>
         </p:spPr>
@@ -10273,7 +9189,7 @@
           </a:ln>
           <a:extLst>
             <a:ext uri="{C572A759-6A51-4108-AA02-DFA0A04FC94B}">
-              <ma14:wrappingTextBoxFlag xmlns="" xmlns:ma14="http://schemas.microsoft.com/office/mac/drawingml/2011/main" val="1"/>
+              <ma14:wrappingTextBoxFlag xmlns:ma14="http://schemas.microsoft.com/office/mac/drawingml/2011/main" xmlns="" val="1"/>
             </a:ext>
           </a:extLst>
         </p:spPr>
@@ -10319,7 +9235,7 @@
           </a:ln>
           <a:extLst>
             <a:ext uri="{C572A759-6A51-4108-AA02-DFA0A04FC94B}">
-              <ma14:wrappingTextBoxFlag xmlns="" xmlns:ma14="http://schemas.microsoft.com/office/mac/drawingml/2011/main" val="1"/>
+              <ma14:wrappingTextBoxFlag xmlns:ma14="http://schemas.microsoft.com/office/mac/drawingml/2011/main" xmlns="" val="1"/>
             </a:ext>
           </a:extLst>
         </p:spPr>
@@ -10365,7 +9281,7 @@
           </a:ln>
           <a:extLst>
             <a:ext uri="{C572A759-6A51-4108-AA02-DFA0A04FC94B}">
-              <ma14:wrappingTextBoxFlag xmlns="" xmlns:ma14="http://schemas.microsoft.com/office/mac/drawingml/2011/main" val="1"/>
+              <ma14:wrappingTextBoxFlag xmlns:ma14="http://schemas.microsoft.com/office/mac/drawingml/2011/main" xmlns="" val="1"/>
             </a:ext>
           </a:extLst>
         </p:spPr>
@@ -10481,7 +9397,7 @@
           </a:ln>
           <a:extLst>
             <a:ext uri="{C572A759-6A51-4108-AA02-DFA0A04FC94B}">
-              <ma14:wrappingTextBoxFlag xmlns="" xmlns:ma14="http://schemas.microsoft.com/office/mac/drawingml/2011/main" val="1"/>
+              <ma14:wrappingTextBoxFlag xmlns:ma14="http://schemas.microsoft.com/office/mac/drawingml/2011/main" xmlns="" val="1"/>
             </a:ext>
           </a:extLst>
         </p:spPr>
@@ -10562,7 +9478,7 @@
           </a:ln>
           <a:extLst>
             <a:ext uri="{C572A759-6A51-4108-AA02-DFA0A04FC94B}">
-              <ma14:wrappingTextBoxFlag xmlns="" xmlns:ma14="http://schemas.microsoft.com/office/mac/drawingml/2011/main" val="1"/>
+              <ma14:wrappingTextBoxFlag xmlns:ma14="http://schemas.microsoft.com/office/mac/drawingml/2011/main" xmlns="" val="1"/>
             </a:ext>
           </a:extLst>
         </p:spPr>
@@ -10643,7 +9559,7 @@
           </a:ln>
           <a:extLst>
             <a:ext uri="{C572A759-6A51-4108-AA02-DFA0A04FC94B}">
-              <ma14:wrappingTextBoxFlag xmlns="" xmlns:ma14="http://schemas.microsoft.com/office/mac/drawingml/2011/main" val="1"/>
+              <ma14:wrappingTextBoxFlag xmlns:ma14="http://schemas.microsoft.com/office/mac/drawingml/2011/main" xmlns="" val="1"/>
             </a:ext>
           </a:extLst>
         </p:spPr>
@@ -10759,7 +9675,7 @@
           </a:ln>
           <a:extLst>
             <a:ext uri="{C572A759-6A51-4108-AA02-DFA0A04FC94B}">
-              <ma14:wrappingTextBoxFlag xmlns="" xmlns:ma14="http://schemas.microsoft.com/office/mac/drawingml/2011/main" val="1"/>
+              <ma14:wrappingTextBoxFlag xmlns:ma14="http://schemas.microsoft.com/office/mac/drawingml/2011/main" xmlns="" val="1"/>
             </a:ext>
           </a:extLst>
         </p:spPr>
@@ -10840,7 +9756,7 @@
           </a:ln>
           <a:extLst>
             <a:ext uri="{C572A759-6A51-4108-AA02-DFA0A04FC94B}">
-              <ma14:wrappingTextBoxFlag xmlns="" xmlns:ma14="http://schemas.microsoft.com/office/mac/drawingml/2011/main" val="1"/>
+              <ma14:wrappingTextBoxFlag xmlns:ma14="http://schemas.microsoft.com/office/mac/drawingml/2011/main" xmlns="" val="1"/>
             </a:ext>
           </a:extLst>
         </p:spPr>
@@ -11658,7 +10574,7 @@
           </a:ln>
           <a:extLst>
             <a:ext uri="{C572A759-6A51-4108-AA02-DFA0A04FC94B}">
-              <ma14:wrappingTextBoxFlag xmlns="" xmlns:ma14="http://schemas.microsoft.com/office/mac/drawingml/2011/main" val="1"/>
+              <ma14:wrappingTextBoxFlag xmlns:ma14="http://schemas.microsoft.com/office/mac/drawingml/2011/main" xmlns="" val="1"/>
             </a:ext>
           </a:extLst>
         </p:spPr>
@@ -11704,7 +10620,7 @@
           </a:ln>
           <a:extLst>
             <a:ext uri="{C572A759-6A51-4108-AA02-DFA0A04FC94B}">
-              <ma14:wrappingTextBoxFlag xmlns="" xmlns:ma14="http://schemas.microsoft.com/office/mac/drawingml/2011/main" val="1"/>
+              <ma14:wrappingTextBoxFlag xmlns:ma14="http://schemas.microsoft.com/office/mac/drawingml/2011/main" xmlns="" val="1"/>
             </a:ext>
           </a:extLst>
         </p:spPr>
@@ -11750,7 +10666,7 @@
           </a:ln>
           <a:extLst>
             <a:ext uri="{C572A759-6A51-4108-AA02-DFA0A04FC94B}">
-              <ma14:wrappingTextBoxFlag xmlns="" xmlns:ma14="http://schemas.microsoft.com/office/mac/drawingml/2011/main" val="1"/>
+              <ma14:wrappingTextBoxFlag xmlns:ma14="http://schemas.microsoft.com/office/mac/drawingml/2011/main" xmlns="" val="1"/>
             </a:ext>
           </a:extLst>
         </p:spPr>
@@ -11866,7 +10782,7 @@
           </a:ln>
           <a:extLst>
             <a:ext uri="{C572A759-6A51-4108-AA02-DFA0A04FC94B}">
-              <ma14:wrappingTextBoxFlag xmlns="" xmlns:ma14="http://schemas.microsoft.com/office/mac/drawingml/2011/main" val="1"/>
+              <ma14:wrappingTextBoxFlag xmlns:ma14="http://schemas.microsoft.com/office/mac/drawingml/2011/main" xmlns="" val="1"/>
             </a:ext>
           </a:extLst>
         </p:spPr>
@@ -11947,7 +10863,7 @@
           </a:ln>
           <a:extLst>
             <a:ext uri="{C572A759-6A51-4108-AA02-DFA0A04FC94B}">
-              <ma14:wrappingTextBoxFlag xmlns="" xmlns:ma14="http://schemas.microsoft.com/office/mac/drawingml/2011/main" val="1"/>
+              <ma14:wrappingTextBoxFlag xmlns:ma14="http://schemas.microsoft.com/office/mac/drawingml/2011/main" xmlns="" val="1"/>
             </a:ext>
           </a:extLst>
         </p:spPr>
@@ -12028,7 +10944,7 @@
           </a:ln>
           <a:extLst>
             <a:ext uri="{C572A759-6A51-4108-AA02-DFA0A04FC94B}">
-              <ma14:wrappingTextBoxFlag xmlns="" xmlns:ma14="http://schemas.microsoft.com/office/mac/drawingml/2011/main" val="1"/>
+              <ma14:wrappingTextBoxFlag xmlns:ma14="http://schemas.microsoft.com/office/mac/drawingml/2011/main" xmlns="" val="1"/>
             </a:ext>
           </a:extLst>
         </p:spPr>
@@ -12144,7 +11060,7 @@
           </a:ln>
           <a:extLst>
             <a:ext uri="{C572A759-6A51-4108-AA02-DFA0A04FC94B}">
-              <ma14:wrappingTextBoxFlag xmlns="" xmlns:ma14="http://schemas.microsoft.com/office/mac/drawingml/2011/main" val="1"/>
+              <ma14:wrappingTextBoxFlag xmlns:ma14="http://schemas.microsoft.com/office/mac/drawingml/2011/main" xmlns="" val="1"/>
             </a:ext>
           </a:extLst>
         </p:spPr>
@@ -12225,7 +11141,7 @@
           </a:ln>
           <a:extLst>
             <a:ext uri="{C572A759-6A51-4108-AA02-DFA0A04FC94B}">
-              <ma14:wrappingTextBoxFlag xmlns="" xmlns:ma14="http://schemas.microsoft.com/office/mac/drawingml/2011/main" val="1"/>
+              <ma14:wrappingTextBoxFlag xmlns:ma14="http://schemas.microsoft.com/office/mac/drawingml/2011/main" xmlns="" val="1"/>
             </a:ext>
           </a:extLst>
         </p:spPr>
@@ -12271,7 +11187,7 @@
           </a:ln>
           <a:extLst>
             <a:ext uri="{C572A759-6A51-4108-AA02-DFA0A04FC94B}">
-              <ma14:wrappingTextBoxFlag xmlns="" xmlns:ma14="http://schemas.microsoft.com/office/mac/drawingml/2011/main" val="1"/>
+              <ma14:wrappingTextBoxFlag xmlns:ma14="http://schemas.microsoft.com/office/mac/drawingml/2011/main" xmlns="" val="1"/>
             </a:ext>
           </a:extLst>
         </p:spPr>
@@ -12381,7 +11297,7 @@
           </a:ln>
           <a:extLst>
             <a:ext uri="{C572A759-6A51-4108-AA02-DFA0A04FC94B}">
-              <ma14:wrappingTextBoxFlag xmlns="" xmlns:ma14="http://schemas.microsoft.com/office/mac/drawingml/2011/main" val="1"/>
+              <ma14:wrappingTextBoxFlag xmlns:ma14="http://schemas.microsoft.com/office/mac/drawingml/2011/main" xmlns="" val="1"/>
             </a:ext>
           </a:extLst>
         </p:spPr>
@@ -12733,7 +11649,7 @@
           </a:ln>
           <a:extLst>
             <a:ext uri="{C572A759-6A51-4108-AA02-DFA0A04FC94B}">
-              <ma14:wrappingTextBoxFlag xmlns="" xmlns:ma14="http://schemas.microsoft.com/office/mac/drawingml/2011/main" val="1"/>
+              <ma14:wrappingTextBoxFlag xmlns:ma14="http://schemas.microsoft.com/office/mac/drawingml/2011/main" xmlns="" val="1"/>
             </a:ext>
           </a:extLst>
         </p:spPr>
@@ -12814,7 +11730,7 @@
           </a:ln>
           <a:extLst>
             <a:ext uri="{C572A759-6A51-4108-AA02-DFA0A04FC94B}">
-              <ma14:wrappingTextBoxFlag xmlns="" xmlns:ma14="http://schemas.microsoft.com/office/mac/drawingml/2011/main" val="1"/>
+              <ma14:wrappingTextBoxFlag xmlns:ma14="http://schemas.microsoft.com/office/mac/drawingml/2011/main" xmlns="" val="1"/>
             </a:ext>
           </a:extLst>
         </p:spPr>
@@ -12895,7 +11811,7 @@
           </a:ln>
           <a:extLst>
             <a:ext uri="{C572A759-6A51-4108-AA02-DFA0A04FC94B}">
-              <ma14:wrappingTextBoxFlag xmlns="" xmlns:ma14="http://schemas.microsoft.com/office/mac/drawingml/2011/main" val="1"/>
+              <ma14:wrappingTextBoxFlag xmlns:ma14="http://schemas.microsoft.com/office/mac/drawingml/2011/main" xmlns="" val="1"/>
             </a:ext>
           </a:extLst>
         </p:spPr>
@@ -13011,7 +11927,7 @@
           </a:ln>
           <a:extLst>
             <a:ext uri="{C572A759-6A51-4108-AA02-DFA0A04FC94B}">
-              <ma14:wrappingTextBoxFlag xmlns="" xmlns:ma14="http://schemas.microsoft.com/office/mac/drawingml/2011/main" val="1"/>
+              <ma14:wrappingTextBoxFlag xmlns:ma14="http://schemas.microsoft.com/office/mac/drawingml/2011/main" xmlns="" val="1"/>
             </a:ext>
           </a:extLst>
         </p:spPr>
@@ -13092,7 +12008,7 @@
           </a:ln>
           <a:extLst>
             <a:ext uri="{C572A759-6A51-4108-AA02-DFA0A04FC94B}">
-              <ma14:wrappingTextBoxFlag xmlns="" xmlns:ma14="http://schemas.microsoft.com/office/mac/drawingml/2011/main" val="1"/>
+              <ma14:wrappingTextBoxFlag xmlns:ma14="http://schemas.microsoft.com/office/mac/drawingml/2011/main" xmlns="" val="1"/>
             </a:ext>
           </a:extLst>
         </p:spPr>
@@ -13138,7 +12054,7 @@
           </a:ln>
           <a:extLst>
             <a:ext uri="{C572A759-6A51-4108-AA02-DFA0A04FC94B}">
-              <ma14:wrappingTextBoxFlag xmlns="" xmlns:ma14="http://schemas.microsoft.com/office/mac/drawingml/2011/main" val="1"/>
+              <ma14:wrappingTextBoxFlag xmlns:ma14="http://schemas.microsoft.com/office/mac/drawingml/2011/main" xmlns="" val="1"/>
             </a:ext>
           </a:extLst>
         </p:spPr>
@@ -13379,7 +12295,7 @@
           </a:ln>
           <a:extLst>
             <a:ext uri="{C572A759-6A51-4108-AA02-DFA0A04FC94B}">
-              <ma14:wrappingTextBoxFlag xmlns="" xmlns:ma14="http://schemas.microsoft.com/office/mac/drawingml/2011/main" val="1"/>
+              <ma14:wrappingTextBoxFlag xmlns:ma14="http://schemas.microsoft.com/office/mac/drawingml/2011/main" xmlns="" val="1"/>
             </a:ext>
           </a:extLst>
         </p:spPr>
@@ -13429,7 +12345,7 @@
           </a:ln>
           <a:extLst>
             <a:ext uri="{C572A759-6A51-4108-AA02-DFA0A04FC94B}">
-              <ma14:wrappingTextBoxFlag xmlns="" xmlns:ma14="http://schemas.microsoft.com/office/mac/drawingml/2011/main" val="1"/>
+              <ma14:wrappingTextBoxFlag xmlns:ma14="http://schemas.microsoft.com/office/mac/drawingml/2011/main" xmlns="" val="1"/>
             </a:ext>
           </a:extLst>
         </p:spPr>
@@ -13479,7 +12395,7 @@
           </a:ln>
           <a:extLst>
             <a:ext uri="{C572A759-6A51-4108-AA02-DFA0A04FC94B}">
-              <ma14:wrappingTextBoxFlag xmlns="" xmlns:ma14="http://schemas.microsoft.com/office/mac/drawingml/2011/main" val="1"/>
+              <ma14:wrappingTextBoxFlag xmlns:ma14="http://schemas.microsoft.com/office/mac/drawingml/2011/main" xmlns="" val="1"/>
             </a:ext>
           </a:extLst>
         </p:spPr>
@@ -13710,7 +12626,7 @@
           </a:ln>
           <a:extLst>
             <a:ext uri="{C572A759-6A51-4108-AA02-DFA0A04FC94B}">
-              <ma14:wrappingTextBoxFlag xmlns="" xmlns:ma14="http://schemas.microsoft.com/office/mac/drawingml/2011/main" val="1"/>
+              <ma14:wrappingTextBoxFlag xmlns:ma14="http://schemas.microsoft.com/office/mac/drawingml/2011/main" xmlns="" val="1"/>
             </a:ext>
           </a:extLst>
         </p:spPr>
@@ -13860,7 +12776,7 @@
           </a:ln>
           <a:extLst>
             <a:ext uri="{C572A759-6A51-4108-AA02-DFA0A04FC94B}">
-              <ma14:wrappingTextBoxFlag xmlns="" xmlns:ma14="http://schemas.microsoft.com/office/mac/drawingml/2011/main" val="1"/>
+              <ma14:wrappingTextBoxFlag xmlns:ma14="http://schemas.microsoft.com/office/mac/drawingml/2011/main" xmlns="" val="1"/>
             </a:ext>
           </a:extLst>
         </p:spPr>
@@ -14199,7 +13115,7 @@
           </a:ln>
           <a:extLst>
             <a:ext uri="{C572A759-6A51-4108-AA02-DFA0A04FC94B}">
-              <ma14:wrappingTextBoxFlag xmlns="" xmlns:ma14="http://schemas.microsoft.com/office/mac/drawingml/2011/main" val="1"/>
+              <ma14:wrappingTextBoxFlag xmlns:ma14="http://schemas.microsoft.com/office/mac/drawingml/2011/main" xmlns="" val="1"/>
             </a:ext>
           </a:extLst>
         </p:spPr>
@@ -15913,7 +14829,7 @@
           </a:ln>
           <a:extLst>
             <a:ext uri="{C572A759-6A51-4108-AA02-DFA0A04FC94B}">
-              <ma14:wrappingTextBoxFlag xmlns="" xmlns:ma14="http://schemas.microsoft.com/office/mac/drawingml/2011/main" val="1"/>
+              <ma14:wrappingTextBoxFlag xmlns:ma14="http://schemas.microsoft.com/office/mac/drawingml/2011/main" xmlns="" val="1"/>
             </a:ext>
           </a:extLst>
         </p:spPr>
@@ -16018,7 +14934,7 @@
           </a:ln>
           <a:extLst>
             <a:ext uri="{C572A759-6A51-4108-AA02-DFA0A04FC94B}">
-              <ma14:wrappingTextBoxFlag xmlns="" xmlns:ma14="http://schemas.microsoft.com/office/mac/drawingml/2011/main" val="1"/>
+              <ma14:wrappingTextBoxFlag xmlns:ma14="http://schemas.microsoft.com/office/mac/drawingml/2011/main" xmlns="" val="1"/>
             </a:ext>
           </a:extLst>
         </p:spPr>
@@ -16073,7 +14989,7 @@
           </a:ln>
           <a:extLst>
             <a:ext uri="{C572A759-6A51-4108-AA02-DFA0A04FC94B}">
-              <ma14:wrappingTextBoxFlag xmlns="" xmlns:ma14="http://schemas.microsoft.com/office/mac/drawingml/2011/main" val="1"/>
+              <ma14:wrappingTextBoxFlag xmlns:ma14="http://schemas.microsoft.com/office/mac/drawingml/2011/main" xmlns="" val="1"/>
             </a:ext>
           </a:extLst>
         </p:spPr>
@@ -16128,7 +15044,7 @@
           </a:ln>
           <a:extLst>
             <a:ext uri="{C572A759-6A51-4108-AA02-DFA0A04FC94B}">
-              <ma14:wrappingTextBoxFlag xmlns="" xmlns:ma14="http://schemas.microsoft.com/office/mac/drawingml/2011/main" val="1"/>
+              <ma14:wrappingTextBoxFlag xmlns:ma14="http://schemas.microsoft.com/office/mac/drawingml/2011/main" xmlns="" val="1"/>
             </a:ext>
           </a:extLst>
         </p:spPr>
@@ -16246,7 +15162,7 @@
           </a:ln>
           <a:extLst>
             <a:ext uri="{C572A759-6A51-4108-AA02-DFA0A04FC94B}">
-              <ma14:wrappingTextBoxFlag xmlns="" xmlns:ma14="http://schemas.microsoft.com/office/mac/drawingml/2011/main" val="1"/>
+              <ma14:wrappingTextBoxFlag xmlns:ma14="http://schemas.microsoft.com/office/mac/drawingml/2011/main" xmlns="" val="1"/>
             </a:ext>
           </a:extLst>
         </p:spPr>
@@ -16327,7 +15243,7 @@
           </a:ln>
           <a:extLst>
             <a:ext uri="{C572A759-6A51-4108-AA02-DFA0A04FC94B}">
-              <ma14:wrappingTextBoxFlag xmlns="" xmlns:ma14="http://schemas.microsoft.com/office/mac/drawingml/2011/main" val="1"/>
+              <ma14:wrappingTextBoxFlag xmlns:ma14="http://schemas.microsoft.com/office/mac/drawingml/2011/main" xmlns="" val="1"/>
             </a:ext>
           </a:extLst>
         </p:spPr>
@@ -16408,7 +15324,7 @@
           </a:ln>
           <a:extLst>
             <a:ext uri="{C572A759-6A51-4108-AA02-DFA0A04FC94B}">
-              <ma14:wrappingTextBoxFlag xmlns="" xmlns:ma14="http://schemas.microsoft.com/office/mac/drawingml/2011/main" val="1"/>
+              <ma14:wrappingTextBoxFlag xmlns:ma14="http://schemas.microsoft.com/office/mac/drawingml/2011/main" xmlns="" val="1"/>
             </a:ext>
           </a:extLst>
         </p:spPr>
@@ -16524,7 +15440,7 @@
           </a:ln>
           <a:extLst>
             <a:ext uri="{C572A759-6A51-4108-AA02-DFA0A04FC94B}">
-              <ma14:wrappingTextBoxFlag xmlns="" xmlns:ma14="http://schemas.microsoft.com/office/mac/drawingml/2011/main" val="1"/>
+              <ma14:wrappingTextBoxFlag xmlns:ma14="http://schemas.microsoft.com/office/mac/drawingml/2011/main" xmlns="" val="1"/>
             </a:ext>
           </a:extLst>
         </p:spPr>
@@ -16605,7 +15521,7 @@
           </a:ln>
           <a:extLst>
             <a:ext uri="{C572A759-6A51-4108-AA02-DFA0A04FC94B}">
-              <ma14:wrappingTextBoxFlag xmlns="" xmlns:ma14="http://schemas.microsoft.com/office/mac/drawingml/2011/main" val="1"/>
+              <ma14:wrappingTextBoxFlag xmlns:ma14="http://schemas.microsoft.com/office/mac/drawingml/2011/main" xmlns="" val="1"/>
             </a:ext>
           </a:extLst>
         </p:spPr>
@@ -16651,7 +15567,7 @@
           </a:ln>
           <a:extLst>
             <a:ext uri="{C572A759-6A51-4108-AA02-DFA0A04FC94B}">
-              <ma14:wrappingTextBoxFlag xmlns="" xmlns:ma14="http://schemas.microsoft.com/office/mac/drawingml/2011/main" val="1"/>
+              <ma14:wrappingTextBoxFlag xmlns:ma14="http://schemas.microsoft.com/office/mac/drawingml/2011/main" xmlns="" val="1"/>
             </a:ext>
           </a:extLst>
         </p:spPr>
@@ -16820,7 +15736,7 @@
           </a:ln>
           <a:extLst>
             <a:ext uri="{C572A759-6A51-4108-AA02-DFA0A04FC94B}">
-              <ma14:wrappingTextBoxFlag xmlns="" xmlns:ma14="http://schemas.microsoft.com/office/mac/drawingml/2011/main" val="1"/>
+              <ma14:wrappingTextBoxFlag xmlns:ma14="http://schemas.microsoft.com/office/mac/drawingml/2011/main" xmlns="" val="1"/>
             </a:ext>
           </a:extLst>
         </p:spPr>
@@ -16870,7 +15786,7 @@
           </a:ln>
           <a:extLst>
             <a:ext uri="{C572A759-6A51-4108-AA02-DFA0A04FC94B}">
-              <ma14:wrappingTextBoxFlag xmlns="" xmlns:ma14="http://schemas.microsoft.com/office/mac/drawingml/2011/main" val="1"/>
+              <ma14:wrappingTextBoxFlag xmlns:ma14="http://schemas.microsoft.com/office/mac/drawingml/2011/main" xmlns="" val="1"/>
             </a:ext>
           </a:extLst>
         </p:spPr>
@@ -16920,7 +15836,7 @@
           </a:ln>
           <a:extLst>
             <a:ext uri="{C572A759-6A51-4108-AA02-DFA0A04FC94B}">
-              <ma14:wrappingTextBoxFlag xmlns="" xmlns:ma14="http://schemas.microsoft.com/office/mac/drawingml/2011/main" val="1"/>
+              <ma14:wrappingTextBoxFlag xmlns:ma14="http://schemas.microsoft.com/office/mac/drawingml/2011/main" xmlns="" val="1"/>
             </a:ext>
           </a:extLst>
         </p:spPr>
@@ -18914,7 +17830,7 @@
           </a:ln>
           <a:extLst>
             <a:ext uri="{C572A759-6A51-4108-AA02-DFA0A04FC94B}">
-              <ma14:wrappingTextBoxFlag xmlns="" xmlns:ma14="http://schemas.microsoft.com/office/mac/drawingml/2011/main" val="1"/>
+              <ma14:wrappingTextBoxFlag xmlns:ma14="http://schemas.microsoft.com/office/mac/drawingml/2011/main" xmlns="" val="1"/>
             </a:ext>
           </a:extLst>
         </p:spPr>
@@ -19047,7 +17963,7 @@
           </a:ln>
           <a:extLst>
             <a:ext uri="{C572A759-6A51-4108-AA02-DFA0A04FC94B}">
-              <ma14:wrappingTextBoxFlag xmlns="" xmlns:ma14="http://schemas.microsoft.com/office/mac/drawingml/2011/main" val="1"/>
+              <ma14:wrappingTextBoxFlag xmlns:ma14="http://schemas.microsoft.com/office/mac/drawingml/2011/main" xmlns="" val="1"/>
             </a:ext>
           </a:extLst>
         </p:spPr>
@@ -19100,7 +18016,7 @@
           </a:ln>
           <a:extLst>
             <a:ext uri="{C572A759-6A51-4108-AA02-DFA0A04FC94B}">
-              <ma14:wrappingTextBoxFlag xmlns="" xmlns:ma14="http://schemas.microsoft.com/office/mac/drawingml/2011/main" val="1"/>
+              <ma14:wrappingTextBoxFlag xmlns:ma14="http://schemas.microsoft.com/office/mac/drawingml/2011/main" xmlns="" val="1"/>
             </a:ext>
           </a:extLst>
         </p:spPr>
@@ -19149,7 +18065,7 @@
           </a:ln>
           <a:extLst>
             <a:ext uri="{C572A759-6A51-4108-AA02-DFA0A04FC94B}">
-              <ma14:wrappingTextBoxFlag xmlns="" xmlns:ma14="http://schemas.microsoft.com/office/mac/drawingml/2011/main" val="1"/>
+              <ma14:wrappingTextBoxFlag xmlns:ma14="http://schemas.microsoft.com/office/mac/drawingml/2011/main" xmlns="" val="1"/>
             </a:ext>
           </a:extLst>
         </p:spPr>
@@ -19258,7 +18174,7 @@
           </a:ln>
           <a:extLst>
             <a:ext uri="{C572A759-6A51-4108-AA02-DFA0A04FC94B}">
-              <ma14:wrappingTextBoxFlag xmlns="" xmlns:ma14="http://schemas.microsoft.com/office/mac/drawingml/2011/main" val="1"/>
+              <ma14:wrappingTextBoxFlag xmlns:ma14="http://schemas.microsoft.com/office/mac/drawingml/2011/main" xmlns="" val="1"/>
             </a:ext>
           </a:extLst>
         </p:spPr>
@@ -19333,7 +18249,7 @@
           </a:ln>
           <a:extLst>
             <a:ext uri="{C572A759-6A51-4108-AA02-DFA0A04FC94B}">
-              <ma14:wrappingTextBoxFlag xmlns="" xmlns:ma14="http://schemas.microsoft.com/office/mac/drawingml/2011/main" val="1"/>
+              <ma14:wrappingTextBoxFlag xmlns:ma14="http://schemas.microsoft.com/office/mac/drawingml/2011/main" xmlns="" val="1"/>
             </a:ext>
           </a:extLst>
         </p:spPr>
@@ -19408,7 +18324,7 @@
           </a:ln>
           <a:extLst>
             <a:ext uri="{C572A759-6A51-4108-AA02-DFA0A04FC94B}">
-              <ma14:wrappingTextBoxFlag xmlns="" xmlns:ma14="http://schemas.microsoft.com/office/mac/drawingml/2011/main" val="1"/>
+              <ma14:wrappingTextBoxFlag xmlns:ma14="http://schemas.microsoft.com/office/mac/drawingml/2011/main" xmlns="" val="1"/>
             </a:ext>
           </a:extLst>
         </p:spPr>
@@ -19515,7 +18431,7 @@
           </a:ln>
           <a:extLst>
             <a:ext uri="{C572A759-6A51-4108-AA02-DFA0A04FC94B}">
-              <ma14:wrappingTextBoxFlag xmlns="" xmlns:ma14="http://schemas.microsoft.com/office/mac/drawingml/2011/main" val="1"/>
+              <ma14:wrappingTextBoxFlag xmlns:ma14="http://schemas.microsoft.com/office/mac/drawingml/2011/main" xmlns="" val="1"/>
             </a:ext>
           </a:extLst>
         </p:spPr>
@@ -19590,7 +18506,7 @@
           </a:ln>
           <a:extLst>
             <a:ext uri="{C572A759-6A51-4108-AA02-DFA0A04FC94B}">
-              <ma14:wrappingTextBoxFlag xmlns="" xmlns:ma14="http://schemas.microsoft.com/office/mac/drawingml/2011/main" val="1"/>
+              <ma14:wrappingTextBoxFlag xmlns:ma14="http://schemas.microsoft.com/office/mac/drawingml/2011/main" xmlns="" val="1"/>
             </a:ext>
           </a:extLst>
         </p:spPr>
@@ -19747,7 +18663,7 @@
           </a:ln>
           <a:extLst>
             <a:ext uri="{C572A759-6A51-4108-AA02-DFA0A04FC94B}">
-              <ma14:wrappingTextBoxFlag xmlns="" xmlns:ma14="http://schemas.microsoft.com/office/mac/drawingml/2011/main" val="1"/>
+              <ma14:wrappingTextBoxFlag xmlns:ma14="http://schemas.microsoft.com/office/mac/drawingml/2011/main" xmlns="" val="1"/>
             </a:ext>
           </a:extLst>
         </p:spPr>
@@ -19794,7 +18710,7 @@
           </a:ln>
           <a:extLst>
             <a:ext uri="{C572A759-6A51-4108-AA02-DFA0A04FC94B}">
-              <ma14:wrappingTextBoxFlag xmlns="" xmlns:ma14="http://schemas.microsoft.com/office/mac/drawingml/2011/main" val="1"/>
+              <ma14:wrappingTextBoxFlag xmlns:ma14="http://schemas.microsoft.com/office/mac/drawingml/2011/main" xmlns="" val="1"/>
             </a:ext>
           </a:extLst>
         </p:spPr>
@@ -19841,7 +18757,7 @@
           </a:ln>
           <a:extLst>
             <a:ext uri="{C572A759-6A51-4108-AA02-DFA0A04FC94B}">
-              <ma14:wrappingTextBoxFlag xmlns="" xmlns:ma14="http://schemas.microsoft.com/office/mac/drawingml/2011/main" val="1"/>
+              <ma14:wrappingTextBoxFlag xmlns:ma14="http://schemas.microsoft.com/office/mac/drawingml/2011/main" xmlns="" val="1"/>
             </a:ext>
           </a:extLst>
         </p:spPr>
@@ -19888,7 +18804,7 @@
           </a:ln>
           <a:extLst>
             <a:ext uri="{C572A759-6A51-4108-AA02-DFA0A04FC94B}">
-              <ma14:wrappingTextBoxFlag xmlns="" xmlns:ma14="http://schemas.microsoft.com/office/mac/drawingml/2011/main" val="1"/>
+              <ma14:wrappingTextBoxFlag xmlns:ma14="http://schemas.microsoft.com/office/mac/drawingml/2011/main" xmlns="" val="1"/>
             </a:ext>
           </a:extLst>
         </p:spPr>
@@ -20629,7 +19545,7 @@
           </a:ln>
           <a:extLst>
             <a:ext uri="{C572A759-6A51-4108-AA02-DFA0A04FC94B}">
-              <ma14:wrappingTextBoxFlag xmlns="" xmlns:ma14="http://schemas.microsoft.com/office/mac/drawingml/2011/main" val="1"/>
+              <ma14:wrappingTextBoxFlag xmlns:ma14="http://schemas.microsoft.com/office/mac/drawingml/2011/main" xmlns="" val="1"/>
             </a:ext>
           </a:extLst>
         </p:spPr>
@@ -20789,7 +19705,7 @@
           </a:ln>
           <a:extLst>
             <a:ext uri="{C572A759-6A51-4108-AA02-DFA0A04FC94B}">
-              <ma14:wrappingTextBoxFlag xmlns="" xmlns:ma14="http://schemas.microsoft.com/office/mac/drawingml/2011/main" val="1"/>
+              <ma14:wrappingTextBoxFlag xmlns:ma14="http://schemas.microsoft.com/office/mac/drawingml/2011/main" xmlns="" val="1"/>
             </a:ext>
           </a:extLst>
         </p:spPr>
@@ -21674,7 +20590,7 @@
           </a:ln>
           <a:extLst>
             <a:ext uri="{C572A759-6A51-4108-AA02-DFA0A04FC94B}">
-              <ma14:wrappingTextBoxFlag xmlns="" xmlns:ma14="http://schemas.microsoft.com/office/mac/drawingml/2011/main" val="1"/>
+              <ma14:wrappingTextBoxFlag xmlns:ma14="http://schemas.microsoft.com/office/mac/drawingml/2011/main" xmlns="" val="1"/>
             </a:ext>
           </a:extLst>
         </p:spPr>
@@ -21803,7 +20719,7 @@
           </a:ln>
           <a:extLst>
             <a:ext uri="{C572A759-6A51-4108-AA02-DFA0A04FC94B}">
-              <ma14:wrappingTextBoxFlag xmlns="" xmlns:ma14="http://schemas.microsoft.com/office/mac/drawingml/2011/main" val="1"/>
+              <ma14:wrappingTextBoxFlag xmlns:ma14="http://schemas.microsoft.com/office/mac/drawingml/2011/main" xmlns="" val="1"/>
             </a:ext>
           </a:extLst>
         </p:spPr>
@@ -21856,7 +20772,7 @@
           </a:ln>
           <a:extLst>
             <a:ext uri="{C572A759-6A51-4108-AA02-DFA0A04FC94B}">
-              <ma14:wrappingTextBoxFlag xmlns="" xmlns:ma14="http://schemas.microsoft.com/office/mac/drawingml/2011/main" val="1"/>
+              <ma14:wrappingTextBoxFlag xmlns:ma14="http://schemas.microsoft.com/office/mac/drawingml/2011/main" xmlns="" val="1"/>
             </a:ext>
           </a:extLst>
         </p:spPr>
@@ -21909,7 +20825,7 @@
           </a:ln>
           <a:extLst>
             <a:ext uri="{C572A759-6A51-4108-AA02-DFA0A04FC94B}">
-              <ma14:wrappingTextBoxFlag xmlns="" xmlns:ma14="http://schemas.microsoft.com/office/mac/drawingml/2011/main" val="1"/>
+              <ma14:wrappingTextBoxFlag xmlns:ma14="http://schemas.microsoft.com/office/mac/drawingml/2011/main" xmlns="" val="1"/>
             </a:ext>
           </a:extLst>
         </p:spPr>
@@ -22018,7 +20934,7 @@
           </a:ln>
           <a:extLst>
             <a:ext uri="{C572A759-6A51-4108-AA02-DFA0A04FC94B}">
-              <ma14:wrappingTextBoxFlag xmlns="" xmlns:ma14="http://schemas.microsoft.com/office/mac/drawingml/2011/main" val="1"/>
+              <ma14:wrappingTextBoxFlag xmlns:ma14="http://schemas.microsoft.com/office/mac/drawingml/2011/main" xmlns="" val="1"/>
             </a:ext>
           </a:extLst>
         </p:spPr>
@@ -22093,7 +21009,7 @@
           </a:ln>
           <a:extLst>
             <a:ext uri="{C572A759-6A51-4108-AA02-DFA0A04FC94B}">
-              <ma14:wrappingTextBoxFlag xmlns="" xmlns:ma14="http://schemas.microsoft.com/office/mac/drawingml/2011/main" val="1"/>
+              <ma14:wrappingTextBoxFlag xmlns:ma14="http://schemas.microsoft.com/office/mac/drawingml/2011/main" xmlns="" val="1"/>
             </a:ext>
           </a:extLst>
         </p:spPr>
@@ -22168,7 +21084,7 @@
           </a:ln>
           <a:extLst>
             <a:ext uri="{C572A759-6A51-4108-AA02-DFA0A04FC94B}">
-              <ma14:wrappingTextBoxFlag xmlns="" xmlns:ma14="http://schemas.microsoft.com/office/mac/drawingml/2011/main" val="1"/>
+              <ma14:wrappingTextBoxFlag xmlns:ma14="http://schemas.microsoft.com/office/mac/drawingml/2011/main" xmlns="" val="1"/>
             </a:ext>
           </a:extLst>
         </p:spPr>
@@ -22275,7 +21191,7 @@
           </a:ln>
           <a:extLst>
             <a:ext uri="{C572A759-6A51-4108-AA02-DFA0A04FC94B}">
-              <ma14:wrappingTextBoxFlag xmlns="" xmlns:ma14="http://schemas.microsoft.com/office/mac/drawingml/2011/main" val="1"/>
+              <ma14:wrappingTextBoxFlag xmlns:ma14="http://schemas.microsoft.com/office/mac/drawingml/2011/main" xmlns="" val="1"/>
             </a:ext>
           </a:extLst>
         </p:spPr>
@@ -22350,7 +21266,7 @@
           </a:ln>
           <a:extLst>
             <a:ext uri="{C572A759-6A51-4108-AA02-DFA0A04FC94B}">
-              <ma14:wrappingTextBoxFlag xmlns="" xmlns:ma14="http://schemas.microsoft.com/office/mac/drawingml/2011/main" val="1"/>
+              <ma14:wrappingTextBoxFlag xmlns:ma14="http://schemas.microsoft.com/office/mac/drawingml/2011/main" xmlns="" val="1"/>
             </a:ext>
           </a:extLst>
         </p:spPr>
@@ -22393,7 +21309,7 @@
           </a:ln>
           <a:extLst>
             <a:ext uri="{C572A759-6A51-4108-AA02-DFA0A04FC94B}">
-              <ma14:wrappingTextBoxFlag xmlns="" xmlns:ma14="http://schemas.microsoft.com/office/mac/drawingml/2011/main" val="1"/>
+              <ma14:wrappingTextBoxFlag xmlns:ma14="http://schemas.microsoft.com/office/mac/drawingml/2011/main" xmlns="" val="1"/>
             </a:ext>
           </a:extLst>
         </p:spPr>
@@ -22476,7 +21392,7 @@
           </a:ln>
           <a:extLst>
             <a:ext uri="{C572A759-6A51-4108-AA02-DFA0A04FC94B}">
-              <ma14:wrappingTextBoxFlag xmlns="" xmlns:ma14="http://schemas.microsoft.com/office/mac/drawingml/2011/main" val="1"/>
+              <ma14:wrappingTextBoxFlag xmlns:ma14="http://schemas.microsoft.com/office/mac/drawingml/2011/main" xmlns="" val="1"/>
             </a:ext>
           </a:extLst>
         </p:spPr>
@@ -25023,7 +23939,7 @@
           </a:ln>
           <a:extLst>
             <a:ext uri="{C572A759-6A51-4108-AA02-DFA0A04FC94B}">
-              <ma14:wrappingTextBoxFlag xmlns="" xmlns:ma14="http://schemas.microsoft.com/office/mac/drawingml/2011/main" val="1"/>
+              <ma14:wrappingTextBoxFlag xmlns:ma14="http://schemas.microsoft.com/office/mac/drawingml/2011/main" xmlns="" val="1"/>
             </a:ext>
           </a:extLst>
         </p:spPr>
@@ -25076,7 +23992,7 @@
           </a:ln>
           <a:extLst>
             <a:ext uri="{C572A759-6A51-4108-AA02-DFA0A04FC94B}">
-              <ma14:wrappingTextBoxFlag xmlns="" xmlns:ma14="http://schemas.microsoft.com/office/mac/drawingml/2011/main" val="1"/>
+              <ma14:wrappingTextBoxFlag xmlns:ma14="http://schemas.microsoft.com/office/mac/drawingml/2011/main" xmlns="" val="1"/>
             </a:ext>
           </a:extLst>
         </p:spPr>
@@ -25129,7 +24045,7 @@
           </a:ln>
           <a:extLst>
             <a:ext uri="{C572A759-6A51-4108-AA02-DFA0A04FC94B}">
-              <ma14:wrappingTextBoxFlag xmlns="" xmlns:ma14="http://schemas.microsoft.com/office/mac/drawingml/2011/main" val="1"/>
+              <ma14:wrappingTextBoxFlag xmlns:ma14="http://schemas.microsoft.com/office/mac/drawingml/2011/main" xmlns="" val="1"/>
             </a:ext>
           </a:extLst>
         </p:spPr>
@@ -25244,7 +24160,7 @@
           </a:ln>
           <a:extLst>
             <a:ext uri="{C572A759-6A51-4108-AA02-DFA0A04FC94B}">
-              <ma14:wrappingTextBoxFlag xmlns="" xmlns:ma14="http://schemas.microsoft.com/office/mac/drawingml/2011/main" val="1"/>
+              <ma14:wrappingTextBoxFlag xmlns:ma14="http://schemas.microsoft.com/office/mac/drawingml/2011/main" xmlns="" val="1"/>
             </a:ext>
           </a:extLst>
         </p:spPr>
@@ -25325,7 +24241,7 @@
           </a:ln>
           <a:extLst>
             <a:ext uri="{C572A759-6A51-4108-AA02-DFA0A04FC94B}">
-              <ma14:wrappingTextBoxFlag xmlns="" xmlns:ma14="http://schemas.microsoft.com/office/mac/drawingml/2011/main" val="1"/>
+              <ma14:wrappingTextBoxFlag xmlns:ma14="http://schemas.microsoft.com/office/mac/drawingml/2011/main" xmlns="" val="1"/>
             </a:ext>
           </a:extLst>
         </p:spPr>
@@ -25406,7 +24322,7 @@
           </a:ln>
           <a:extLst>
             <a:ext uri="{C572A759-6A51-4108-AA02-DFA0A04FC94B}">
-              <ma14:wrappingTextBoxFlag xmlns="" xmlns:ma14="http://schemas.microsoft.com/office/mac/drawingml/2011/main" val="1"/>
+              <ma14:wrappingTextBoxFlag xmlns:ma14="http://schemas.microsoft.com/office/mac/drawingml/2011/main" xmlns="" val="1"/>
             </a:ext>
           </a:extLst>
         </p:spPr>
@@ -25522,7 +24438,7 @@
           </a:ln>
           <a:extLst>
             <a:ext uri="{C572A759-6A51-4108-AA02-DFA0A04FC94B}">
-              <ma14:wrappingTextBoxFlag xmlns="" xmlns:ma14="http://schemas.microsoft.com/office/mac/drawingml/2011/main" val="1"/>
+              <ma14:wrappingTextBoxFlag xmlns:ma14="http://schemas.microsoft.com/office/mac/drawingml/2011/main" xmlns="" val="1"/>
             </a:ext>
           </a:extLst>
         </p:spPr>
@@ -25603,7 +24519,7 @@
           </a:ln>
           <a:extLst>
             <a:ext uri="{C572A759-6A51-4108-AA02-DFA0A04FC94B}">
-              <ma14:wrappingTextBoxFlag xmlns="" xmlns:ma14="http://schemas.microsoft.com/office/mac/drawingml/2011/main" val="1"/>
+              <ma14:wrappingTextBoxFlag xmlns:ma14="http://schemas.microsoft.com/office/mac/drawingml/2011/main" xmlns="" val="1"/>
             </a:ext>
           </a:extLst>
         </p:spPr>
@@ -25649,7 +24565,7 @@
           </a:ln>
           <a:extLst>
             <a:ext uri="{C572A759-6A51-4108-AA02-DFA0A04FC94B}">
-              <ma14:wrappingTextBoxFlag xmlns="" xmlns:ma14="http://schemas.microsoft.com/office/mac/drawingml/2011/main" val="1"/>
+              <ma14:wrappingTextBoxFlag xmlns:ma14="http://schemas.microsoft.com/office/mac/drawingml/2011/main" xmlns="" val="1"/>
             </a:ext>
           </a:extLst>
         </p:spPr>
@@ -25699,7 +24615,7 @@
           </a:ln>
           <a:extLst>
             <a:ext uri="{C572A759-6A51-4108-AA02-DFA0A04FC94B}">
-              <ma14:wrappingTextBoxFlag xmlns="" xmlns:ma14="http://schemas.microsoft.com/office/mac/drawingml/2011/main" val="1"/>
+              <ma14:wrappingTextBoxFlag xmlns:ma14="http://schemas.microsoft.com/office/mac/drawingml/2011/main" xmlns="" val="1"/>
             </a:ext>
           </a:extLst>
         </p:spPr>
@@ -26537,7 +25453,7 @@
           </a:ln>
           <a:extLst>
             <a:ext uri="{C572A759-6A51-4108-AA02-DFA0A04FC94B}">
-              <ma14:wrappingTextBoxFlag xmlns="" xmlns:ma14="http://schemas.microsoft.com/office/mac/drawingml/2011/main" val="1"/>
+              <ma14:wrappingTextBoxFlag xmlns:ma14="http://schemas.microsoft.com/office/mac/drawingml/2011/main" xmlns="" val="1"/>
             </a:ext>
           </a:extLst>
         </p:spPr>
@@ -26592,7 +25508,7 @@
           </a:ln>
           <a:extLst>
             <a:ext uri="{C572A759-6A51-4108-AA02-DFA0A04FC94B}">
-              <ma14:wrappingTextBoxFlag xmlns="" xmlns:ma14="http://schemas.microsoft.com/office/mac/drawingml/2011/main" val="1"/>
+              <ma14:wrappingTextBoxFlag xmlns:ma14="http://schemas.microsoft.com/office/mac/drawingml/2011/main" xmlns="" val="1"/>
             </a:ext>
           </a:extLst>
         </p:spPr>
@@ -26647,7 +25563,7 @@
           </a:ln>
           <a:extLst>
             <a:ext uri="{C572A759-6A51-4108-AA02-DFA0A04FC94B}">
-              <ma14:wrappingTextBoxFlag xmlns="" xmlns:ma14="http://schemas.microsoft.com/office/mac/drawingml/2011/main" val="1"/>
+              <ma14:wrappingTextBoxFlag xmlns:ma14="http://schemas.microsoft.com/office/mac/drawingml/2011/main" xmlns="" val="1"/>
             </a:ext>
           </a:extLst>
         </p:spPr>
@@ -26765,7 +25681,7 @@
           </a:ln>
           <a:extLst>
             <a:ext uri="{C572A759-6A51-4108-AA02-DFA0A04FC94B}">
-              <ma14:wrappingTextBoxFlag xmlns="" xmlns:ma14="http://schemas.microsoft.com/office/mac/drawingml/2011/main" val="1"/>
+              <ma14:wrappingTextBoxFlag xmlns:ma14="http://schemas.microsoft.com/office/mac/drawingml/2011/main" xmlns="" val="1"/>
             </a:ext>
           </a:extLst>
         </p:spPr>
@@ -26846,7 +25762,7 @@
           </a:ln>
           <a:extLst>
             <a:ext uri="{C572A759-6A51-4108-AA02-DFA0A04FC94B}">
-              <ma14:wrappingTextBoxFlag xmlns="" xmlns:ma14="http://schemas.microsoft.com/office/mac/drawingml/2011/main" val="1"/>
+              <ma14:wrappingTextBoxFlag xmlns:ma14="http://schemas.microsoft.com/office/mac/drawingml/2011/main" xmlns="" val="1"/>
             </a:ext>
           </a:extLst>
         </p:spPr>
@@ -26927,7 +25843,7 @@
           </a:ln>
           <a:extLst>
             <a:ext uri="{C572A759-6A51-4108-AA02-DFA0A04FC94B}">
-              <ma14:wrappingTextBoxFlag xmlns="" xmlns:ma14="http://schemas.microsoft.com/office/mac/drawingml/2011/main" val="1"/>
+              <ma14:wrappingTextBoxFlag xmlns:ma14="http://schemas.microsoft.com/office/mac/drawingml/2011/main" xmlns="" val="1"/>
             </a:ext>
           </a:extLst>
         </p:spPr>
@@ -27043,7 +25959,7 @@
           </a:ln>
           <a:extLst>
             <a:ext uri="{C572A759-6A51-4108-AA02-DFA0A04FC94B}">
-              <ma14:wrappingTextBoxFlag xmlns="" xmlns:ma14="http://schemas.microsoft.com/office/mac/drawingml/2011/main" val="1"/>
+              <ma14:wrappingTextBoxFlag xmlns:ma14="http://schemas.microsoft.com/office/mac/drawingml/2011/main" xmlns="" val="1"/>
             </a:ext>
           </a:extLst>
         </p:spPr>
@@ -27124,7 +26040,7 @@
           </a:ln>
           <a:extLst>
             <a:ext uri="{C572A759-6A51-4108-AA02-DFA0A04FC94B}">
-              <ma14:wrappingTextBoxFlag xmlns="" xmlns:ma14="http://schemas.microsoft.com/office/mac/drawingml/2011/main" val="1"/>
+              <ma14:wrappingTextBoxFlag xmlns:ma14="http://schemas.microsoft.com/office/mac/drawingml/2011/main" xmlns="" val="1"/>
             </a:ext>
           </a:extLst>
         </p:spPr>
@@ -27170,7 +26086,7 @@
           </a:ln>
           <a:extLst>
             <a:ext uri="{C572A759-6A51-4108-AA02-DFA0A04FC94B}">
-              <ma14:wrappingTextBoxFlag xmlns="" xmlns:ma14="http://schemas.microsoft.com/office/mac/drawingml/2011/main" val="1"/>
+              <ma14:wrappingTextBoxFlag xmlns:ma14="http://schemas.microsoft.com/office/mac/drawingml/2011/main" xmlns="" val="1"/>
             </a:ext>
           </a:extLst>
         </p:spPr>
@@ -27227,7 +26143,7 @@
           </a:ln>
           <a:extLst>
             <a:ext uri="{C572A759-6A51-4108-AA02-DFA0A04FC94B}">
-              <ma14:wrappingTextBoxFlag xmlns="" xmlns:ma14="http://schemas.microsoft.com/office/mac/drawingml/2011/main" val="1"/>
+              <ma14:wrappingTextBoxFlag xmlns:ma14="http://schemas.microsoft.com/office/mac/drawingml/2011/main" xmlns="" val="1"/>
             </a:ext>
           </a:extLst>
         </p:spPr>
@@ -27389,7 +26305,7 @@
           </a:ln>
           <a:extLst>
             <a:ext uri="{C572A759-6A51-4108-AA02-DFA0A04FC94B}">
-              <ma14:wrappingTextBoxFlag xmlns="" xmlns:ma14="http://schemas.microsoft.com/office/mac/drawingml/2011/main" val="1"/>
+              <ma14:wrappingTextBoxFlag xmlns:ma14="http://schemas.microsoft.com/office/mac/drawingml/2011/main" xmlns="" val="1"/>
             </a:ext>
           </a:extLst>
         </p:spPr>
@@ -27439,7 +26355,7 @@
           </a:ln>
           <a:extLst>
             <a:ext uri="{C572A759-6A51-4108-AA02-DFA0A04FC94B}">
-              <ma14:wrappingTextBoxFlag xmlns="" xmlns:ma14="http://schemas.microsoft.com/office/mac/drawingml/2011/main" val="1"/>
+              <ma14:wrappingTextBoxFlag xmlns:ma14="http://schemas.microsoft.com/office/mac/drawingml/2011/main" xmlns="" val="1"/>
             </a:ext>
           </a:extLst>
         </p:spPr>
@@ -27489,7 +26405,7 @@
           </a:ln>
           <a:extLst>
             <a:ext uri="{C572A759-6A51-4108-AA02-DFA0A04FC94B}">
-              <ma14:wrappingTextBoxFlag xmlns="" xmlns:ma14="http://schemas.microsoft.com/office/mac/drawingml/2011/main" val="1"/>
+              <ma14:wrappingTextBoxFlag xmlns:ma14="http://schemas.microsoft.com/office/mac/drawingml/2011/main" xmlns="" val="1"/>
             </a:ext>
           </a:extLst>
         </p:spPr>
@@ -28083,7 +26999,7 @@
           </a:ln>
           <a:extLst>
             <a:ext uri="{C572A759-6A51-4108-AA02-DFA0A04FC94B}">
-              <ma14:wrappingTextBoxFlag xmlns="" xmlns:ma14="http://schemas.microsoft.com/office/mac/drawingml/2011/main" val="1"/>
+              <ma14:wrappingTextBoxFlag xmlns:ma14="http://schemas.microsoft.com/office/mac/drawingml/2011/main" xmlns="" val="1"/>
             </a:ext>
           </a:extLst>
         </p:spPr>
@@ -28212,7 +27128,7 @@
           </a:ln>
           <a:extLst>
             <a:ext uri="{C572A759-6A51-4108-AA02-DFA0A04FC94B}">
-              <ma14:wrappingTextBoxFlag xmlns="" xmlns:ma14="http://schemas.microsoft.com/office/mac/drawingml/2011/main" val="1"/>
+              <ma14:wrappingTextBoxFlag xmlns:ma14="http://schemas.microsoft.com/office/mac/drawingml/2011/main" xmlns="" val="1"/>
             </a:ext>
           </a:extLst>
         </p:spPr>
@@ -29130,7 +28046,7 @@
           </a:ln>
           <a:extLst>
             <a:ext uri="{C572A759-6A51-4108-AA02-DFA0A04FC94B}">
-              <ma14:wrappingTextBoxFlag xmlns="" xmlns:ma14="http://schemas.microsoft.com/office/mac/drawingml/2011/main" val="1"/>
+              <ma14:wrappingTextBoxFlag xmlns:ma14="http://schemas.microsoft.com/office/mac/drawingml/2011/main" xmlns="" val="1"/>
             </a:ext>
           </a:extLst>
         </p:spPr>
@@ -29300,7 +28216,7 @@
           </a:ln>
           <a:extLst>
             <a:ext uri="{C572A759-6A51-4108-AA02-DFA0A04FC94B}">
-              <ma14:wrappingTextBoxFlag xmlns="" xmlns:ma14="http://schemas.microsoft.com/office/mac/drawingml/2011/main" val="1"/>
+              <ma14:wrappingTextBoxFlag xmlns:ma14="http://schemas.microsoft.com/office/mac/drawingml/2011/main" xmlns="" val="1"/>
             </a:ext>
           </a:extLst>
         </p:spPr>
@@ -29661,7 +28577,7 @@
           </a:ln>
           <a:extLst>
             <a:ext uri="{C572A759-6A51-4108-AA02-DFA0A04FC94B}">
-              <ma14:wrappingTextBoxFlag xmlns="" xmlns:ma14="http://schemas.microsoft.com/office/mac/drawingml/2011/main" val="1"/>
+              <ma14:wrappingTextBoxFlag xmlns:ma14="http://schemas.microsoft.com/office/mac/drawingml/2011/main" xmlns="" val="1"/>
             </a:ext>
           </a:extLst>
         </p:spPr>
@@ -29782,7 +28698,7 @@
           </a:ln>
           <a:extLst>
             <a:ext uri="{C572A759-6A51-4108-AA02-DFA0A04FC94B}">
-              <ma14:wrappingTextBoxFlag xmlns="" xmlns:ma14="http://schemas.microsoft.com/office/mac/drawingml/2011/main" val="1"/>
+              <ma14:wrappingTextBoxFlag xmlns:ma14="http://schemas.microsoft.com/office/mac/drawingml/2011/main" xmlns="" val="1"/>
             </a:ext>
           </a:extLst>
         </p:spPr>
@@ -29863,7 +28779,7 @@
           </a:ln>
           <a:extLst>
             <a:ext uri="{C572A759-6A51-4108-AA02-DFA0A04FC94B}">
-              <ma14:wrappingTextBoxFlag xmlns="" xmlns:ma14="http://schemas.microsoft.com/office/mac/drawingml/2011/main" val="1"/>
+              <ma14:wrappingTextBoxFlag xmlns:ma14="http://schemas.microsoft.com/office/mac/drawingml/2011/main" xmlns="" val="1"/>
             </a:ext>
           </a:extLst>
         </p:spPr>
@@ -29944,7 +28860,7 @@
           </a:ln>
           <a:extLst>
             <a:ext uri="{C572A759-6A51-4108-AA02-DFA0A04FC94B}">
-              <ma14:wrappingTextBoxFlag xmlns="" xmlns:ma14="http://schemas.microsoft.com/office/mac/drawingml/2011/main" val="1"/>
+              <ma14:wrappingTextBoxFlag xmlns:ma14="http://schemas.microsoft.com/office/mac/drawingml/2011/main" xmlns="" val="1"/>
             </a:ext>
           </a:extLst>
         </p:spPr>
@@ -30060,7 +28976,7 @@
           </a:ln>
           <a:extLst>
             <a:ext uri="{C572A759-6A51-4108-AA02-DFA0A04FC94B}">
-              <ma14:wrappingTextBoxFlag xmlns="" xmlns:ma14="http://schemas.microsoft.com/office/mac/drawingml/2011/main" val="1"/>
+              <ma14:wrappingTextBoxFlag xmlns:ma14="http://schemas.microsoft.com/office/mac/drawingml/2011/main" xmlns="" val="1"/>
             </a:ext>
           </a:extLst>
         </p:spPr>
@@ -30141,7 +29057,7 @@
           </a:ln>
           <a:extLst>
             <a:ext uri="{C572A759-6A51-4108-AA02-DFA0A04FC94B}">
-              <ma14:wrappingTextBoxFlag xmlns="" xmlns:ma14="http://schemas.microsoft.com/office/mac/drawingml/2011/main" val="1"/>
+              <ma14:wrappingTextBoxFlag xmlns:ma14="http://schemas.microsoft.com/office/mac/drawingml/2011/main" xmlns="" val="1"/>
             </a:ext>
           </a:extLst>
         </p:spPr>
@@ -30261,7 +29177,7 @@
           </a:ln>
           <a:extLst>
             <a:ext uri="{C572A759-6A51-4108-AA02-DFA0A04FC94B}">
-              <ma14:wrappingTextBoxFlag xmlns="" xmlns:ma14="http://schemas.microsoft.com/office/mac/drawingml/2011/main" val="1"/>
+              <ma14:wrappingTextBoxFlag xmlns:ma14="http://schemas.microsoft.com/office/mac/drawingml/2011/main" xmlns="" val="1"/>
             </a:ext>
           </a:extLst>
         </p:spPr>
@@ -30315,7 +29231,7 @@
           </a:ln>
           <a:extLst>
             <a:ext uri="{C572A759-6A51-4108-AA02-DFA0A04FC94B}">
-              <ma14:wrappingTextBoxFlag xmlns="" xmlns:ma14="http://schemas.microsoft.com/office/mac/drawingml/2011/main" val="1"/>
+              <ma14:wrappingTextBoxFlag xmlns:ma14="http://schemas.microsoft.com/office/mac/drawingml/2011/main" xmlns="" val="1"/>
             </a:ext>
           </a:extLst>
         </p:spPr>
@@ -30363,7 +29279,7 @@
           </a:ln>
           <a:extLst>
             <a:ext uri="{C572A759-6A51-4108-AA02-DFA0A04FC94B}">
-              <ma14:wrappingTextBoxFlag xmlns="" xmlns:ma14="http://schemas.microsoft.com/office/mac/drawingml/2011/main" val="1"/>
+              <ma14:wrappingTextBoxFlag xmlns:ma14="http://schemas.microsoft.com/office/mac/drawingml/2011/main" xmlns="" val="1"/>
             </a:ext>
           </a:extLst>
         </p:spPr>
@@ -30449,7 +29365,7 @@
           </a:ln>
           <a:extLst>
             <a:ext uri="{C572A759-6A51-4108-AA02-DFA0A04FC94B}">
-              <ma14:wrappingTextBoxFlag xmlns="" xmlns:ma14="http://schemas.microsoft.com/office/mac/drawingml/2011/main" val="1"/>
+              <ma14:wrappingTextBoxFlag xmlns:ma14="http://schemas.microsoft.com/office/mac/drawingml/2011/main" xmlns="" val="1"/>
             </a:ext>
           </a:extLst>
         </p:spPr>
@@ -31126,7 +30042,7 @@
             </a:ln>
             <a:extLst>
               <a:ext uri="{C572A759-6A51-4108-AA02-DFA0A04FC94B}">
-                <ma14:wrappingTextBoxFlag xmlns="" xmlns:ma14="http://schemas.microsoft.com/office/mac/drawingml/2011/main" val="1"/>
+                <ma14:wrappingTextBoxFlag xmlns:ma14="http://schemas.microsoft.com/office/mac/drawingml/2011/main" xmlns="" val="1"/>
               </a:ext>
             </a:extLst>
           </p:spPr>
@@ -31207,7 +30123,7 @@
             </a:ln>
             <a:extLst>
               <a:ext uri="{C572A759-6A51-4108-AA02-DFA0A04FC94B}">
-                <ma14:wrappingTextBoxFlag xmlns="" xmlns:ma14="http://schemas.microsoft.com/office/mac/drawingml/2011/main" val="1"/>
+                <ma14:wrappingTextBoxFlag xmlns:ma14="http://schemas.microsoft.com/office/mac/drawingml/2011/main" xmlns="" val="1"/>
               </a:ext>
             </a:extLst>
           </p:spPr>
@@ -31288,7 +30204,7 @@
             </a:ln>
             <a:extLst>
               <a:ext uri="{C572A759-6A51-4108-AA02-DFA0A04FC94B}">
-                <ma14:wrappingTextBoxFlag xmlns="" xmlns:ma14="http://schemas.microsoft.com/office/mac/drawingml/2011/main" val="1"/>
+                <ma14:wrappingTextBoxFlag xmlns:ma14="http://schemas.microsoft.com/office/mac/drawingml/2011/main" xmlns="" val="1"/>
               </a:ext>
             </a:extLst>
           </p:spPr>
@@ -31404,7 +30320,7 @@
             </a:ln>
             <a:extLst>
               <a:ext uri="{C572A759-6A51-4108-AA02-DFA0A04FC94B}">
-                <ma14:wrappingTextBoxFlag xmlns="" xmlns:ma14="http://schemas.microsoft.com/office/mac/drawingml/2011/main" val="1"/>
+                <ma14:wrappingTextBoxFlag xmlns:ma14="http://schemas.microsoft.com/office/mac/drawingml/2011/main" xmlns="" val="1"/>
               </a:ext>
             </a:extLst>
           </p:spPr>
@@ -31450,7 +30366,7 @@
             </a:ln>
             <a:extLst>
               <a:ext uri="{C572A759-6A51-4108-AA02-DFA0A04FC94B}">
-                <ma14:wrappingTextBoxFlag xmlns="" xmlns:ma14="http://schemas.microsoft.com/office/mac/drawingml/2011/main" val="1"/>
+                <ma14:wrappingTextBoxFlag xmlns:ma14="http://schemas.microsoft.com/office/mac/drawingml/2011/main" xmlns="" val="1"/>
               </a:ext>
             </a:extLst>
           </p:spPr>
@@ -31568,7 +30484,7 @@
             </a:ln>
             <a:extLst>
               <a:ext uri="{C572A759-6A51-4108-AA02-DFA0A04FC94B}">
-                <ma14:wrappingTextBoxFlag xmlns="" xmlns:ma14="http://schemas.microsoft.com/office/mac/drawingml/2011/main" val="1"/>
+                <ma14:wrappingTextBoxFlag xmlns:ma14="http://schemas.microsoft.com/office/mac/drawingml/2011/main" xmlns="" val="1"/>
               </a:ext>
             </a:extLst>
           </p:spPr>
@@ -31614,7 +30530,7 @@
             </a:ln>
             <a:extLst>
               <a:ext uri="{C572A759-6A51-4108-AA02-DFA0A04FC94B}">
-                <ma14:wrappingTextBoxFlag xmlns="" xmlns:ma14="http://schemas.microsoft.com/office/mac/drawingml/2011/main" val="1"/>
+                <ma14:wrappingTextBoxFlag xmlns:ma14="http://schemas.microsoft.com/office/mac/drawingml/2011/main" xmlns="" val="1"/>
               </a:ext>
             </a:extLst>
           </p:spPr>
@@ -31660,7 +30576,7 @@
             </a:ln>
             <a:extLst>
               <a:ext uri="{C572A759-6A51-4108-AA02-DFA0A04FC94B}">
-                <ma14:wrappingTextBoxFlag xmlns="" xmlns:ma14="http://schemas.microsoft.com/office/mac/drawingml/2011/main" val="1"/>
+                <ma14:wrappingTextBoxFlag xmlns:ma14="http://schemas.microsoft.com/office/mac/drawingml/2011/main" xmlns="" val="1"/>
               </a:ext>
             </a:extLst>
           </p:spPr>
@@ -31813,7 +30729,7 @@
           </a:ln>
           <a:extLst>
             <a:ext uri="{C572A759-6A51-4108-AA02-DFA0A04FC94B}">
-              <ma14:wrappingTextBoxFlag xmlns="" xmlns:ma14="http://schemas.microsoft.com/office/mac/drawingml/2011/main" val="1"/>
+              <ma14:wrappingTextBoxFlag xmlns:ma14="http://schemas.microsoft.com/office/mac/drawingml/2011/main" xmlns="" val="1"/>
             </a:ext>
           </a:extLst>
         </p:spPr>
@@ -31894,7 +30810,7 @@
           </a:ln>
           <a:extLst>
             <a:ext uri="{C572A759-6A51-4108-AA02-DFA0A04FC94B}">
-              <ma14:wrappingTextBoxFlag xmlns="" xmlns:ma14="http://schemas.microsoft.com/office/mac/drawingml/2011/main" val="1"/>
+              <ma14:wrappingTextBoxFlag xmlns:ma14="http://schemas.microsoft.com/office/mac/drawingml/2011/main" xmlns="" val="1"/>
             </a:ext>
           </a:extLst>
         </p:spPr>
@@ -31975,7 +30891,7 @@
           </a:ln>
           <a:extLst>
             <a:ext uri="{C572A759-6A51-4108-AA02-DFA0A04FC94B}">
-              <ma14:wrappingTextBoxFlag xmlns="" xmlns:ma14="http://schemas.microsoft.com/office/mac/drawingml/2011/main" val="1"/>
+              <ma14:wrappingTextBoxFlag xmlns:ma14="http://schemas.microsoft.com/office/mac/drawingml/2011/main" xmlns="" val="1"/>
             </a:ext>
           </a:extLst>
         </p:spPr>
@@ -32091,7 +31007,7 @@
           </a:ln>
           <a:extLst>
             <a:ext uri="{C572A759-6A51-4108-AA02-DFA0A04FC94B}">
-              <ma14:wrappingTextBoxFlag xmlns="" xmlns:ma14="http://schemas.microsoft.com/office/mac/drawingml/2011/main" val="1"/>
+              <ma14:wrappingTextBoxFlag xmlns:ma14="http://schemas.microsoft.com/office/mac/drawingml/2011/main" xmlns="" val="1"/>
             </a:ext>
           </a:extLst>
         </p:spPr>
@@ -32172,7 +31088,7 @@
           </a:ln>
           <a:extLst>
             <a:ext uri="{C572A759-6A51-4108-AA02-DFA0A04FC94B}">
-              <ma14:wrappingTextBoxFlag xmlns="" xmlns:ma14="http://schemas.microsoft.com/office/mac/drawingml/2011/main" val="1"/>
+              <ma14:wrappingTextBoxFlag xmlns:ma14="http://schemas.microsoft.com/office/mac/drawingml/2011/main" xmlns="" val="1"/>
             </a:ext>
           </a:extLst>
         </p:spPr>
@@ -32722,7 +31638,7 @@
           </a:ln>
           <a:extLst>
             <a:ext uri="{C572A759-6A51-4108-AA02-DFA0A04FC94B}">
-              <ma14:wrappingTextBoxFlag xmlns="" xmlns:ma14="http://schemas.microsoft.com/office/mac/drawingml/2011/main" val="1"/>
+              <ma14:wrappingTextBoxFlag xmlns:ma14="http://schemas.microsoft.com/office/mac/drawingml/2011/main" xmlns="" val="1"/>
             </a:ext>
           </a:extLst>
         </p:spPr>
@@ -32768,7 +31684,7 @@
           </a:ln>
           <a:extLst>
             <a:ext uri="{C572A759-6A51-4108-AA02-DFA0A04FC94B}">
-              <ma14:wrappingTextBoxFlag xmlns="" xmlns:ma14="http://schemas.microsoft.com/office/mac/drawingml/2011/main" val="1"/>
+              <ma14:wrappingTextBoxFlag xmlns:ma14="http://schemas.microsoft.com/office/mac/drawingml/2011/main" xmlns="" val="1"/>
             </a:ext>
           </a:extLst>
         </p:spPr>
@@ -32814,7 +31730,7 @@
           </a:ln>
           <a:extLst>
             <a:ext uri="{C572A759-6A51-4108-AA02-DFA0A04FC94B}">
-              <ma14:wrappingTextBoxFlag xmlns="" xmlns:ma14="http://schemas.microsoft.com/office/mac/drawingml/2011/main" val="1"/>
+              <ma14:wrappingTextBoxFlag xmlns:ma14="http://schemas.microsoft.com/office/mac/drawingml/2011/main" xmlns="" val="1"/>
             </a:ext>
           </a:extLst>
         </p:spPr>
@@ -32860,7 +31776,7 @@
           </a:ln>
           <a:extLst>
             <a:ext uri="{C572A759-6A51-4108-AA02-DFA0A04FC94B}">
-              <ma14:wrappingTextBoxFlag xmlns="" xmlns:ma14="http://schemas.microsoft.com/office/mac/drawingml/2011/main" val="1"/>
+              <ma14:wrappingTextBoxFlag xmlns:ma14="http://schemas.microsoft.com/office/mac/drawingml/2011/main" xmlns="" val="1"/>
             </a:ext>
           </a:extLst>
         </p:spPr>
@@ -32906,7 +31822,7 @@
           </a:ln>
           <a:extLst>
             <a:ext uri="{C572A759-6A51-4108-AA02-DFA0A04FC94B}">
-              <ma14:wrappingTextBoxFlag xmlns="" xmlns:ma14="http://schemas.microsoft.com/office/mac/drawingml/2011/main" val="1"/>
+              <ma14:wrappingTextBoxFlag xmlns:ma14="http://schemas.microsoft.com/office/mac/drawingml/2011/main" xmlns="" val="1"/>
             </a:ext>
           </a:extLst>
         </p:spPr>
@@ -32980,7 +31896,7 @@
           </a:ln>
           <a:extLst>
             <a:ext uri="{C572A759-6A51-4108-AA02-DFA0A04FC94B}">
-              <ma14:wrappingTextBoxFlag xmlns="" xmlns:ma14="http://schemas.microsoft.com/office/mac/drawingml/2011/main" val="1"/>
+              <ma14:wrappingTextBoxFlag xmlns:ma14="http://schemas.microsoft.com/office/mac/drawingml/2011/main" xmlns="" val="1"/>
             </a:ext>
           </a:extLst>
         </p:spPr>
@@ -34079,7 +32995,7 @@
           </a:ln>
           <a:extLst>
             <a:ext uri="{C572A759-6A51-4108-AA02-DFA0A04FC94B}">
-              <ma14:wrappingTextBoxFlag xmlns="" xmlns:ma14="http://schemas.microsoft.com/office/mac/drawingml/2011/main" val="1"/>
+              <ma14:wrappingTextBoxFlag xmlns:ma14="http://schemas.microsoft.com/office/mac/drawingml/2011/main" xmlns="" val="1"/>
             </a:ext>
           </a:extLst>
         </p:spPr>
@@ -34259,7 +33175,7 @@
           </a:ln>
           <a:extLst>
             <a:ext uri="{C572A759-6A51-4108-AA02-DFA0A04FC94B}">
-              <ma14:wrappingTextBoxFlag xmlns="" xmlns:ma14="http://schemas.microsoft.com/office/mac/drawingml/2011/main" val="1"/>
+              <ma14:wrappingTextBoxFlag xmlns:ma14="http://schemas.microsoft.com/office/mac/drawingml/2011/main" xmlns="" val="1"/>
             </a:ext>
           </a:extLst>
         </p:spPr>
@@ -49116,2349 +48032,6 @@
     <p:bldLst>
       <p:bldP spid="2" grpId="0"/>
     </p:bldLst>
-  </p:timing>
-</p:sld>
-</file>
-
-<file path=ppt/slides/slide55.xml><?xml version="1.0" encoding="utf-8"?>
-<p:sld xmlns:a="http://schemas.openxmlformats.org/drawingml/2006/main" xmlns:r="http://schemas.openxmlformats.org/officeDocument/2006/relationships" xmlns:p="http://schemas.openxmlformats.org/presentationml/2006/main">
-  <p:cSld>
-    <p:spTree>
-      <p:nvGrpSpPr>
-        <p:cNvPr id="1" name="Shape 700"/>
-        <p:cNvGrpSpPr/>
-        <p:nvPr/>
-      </p:nvGrpSpPr>
-      <p:grpSpPr>
-        <a:xfrm>
-          <a:off x="0" y="0"/>
-          <a:ext cx="0" cy="0"/>
-          <a:chOff x="0" y="0"/>
-          <a:chExt cx="0" cy="0"/>
-        </a:xfrm>
-      </p:grpSpPr>
-      <p:sp>
-        <p:nvSpPr>
-          <p:cNvPr id="701" name="Google Shape;701;p34"/>
-          <p:cNvSpPr txBox="1">
-            <a:spLocks noGrp="1"/>
-          </p:cNvSpPr>
-          <p:nvPr>
-            <p:ph type="title"/>
-          </p:nvPr>
-        </p:nvSpPr>
-        <p:spPr>
-          <a:xfrm>
-            <a:off x="2303463" y="63500"/>
-            <a:ext cx="7583487" cy="1282700"/>
-          </a:xfrm>
-          <a:prstGeom prst="rect">
-            <a:avLst/>
-          </a:prstGeom>
-          <a:noFill/>
-          <a:ln>
-            <a:noFill/>
-          </a:ln>
-        </p:spPr>
-        <p:txBody>
-          <a:bodyPr spcFirstLastPara="1" vert="horz" wrap="square" lIns="64283" tIns="32133" rIns="64283" bIns="32133" rtlCol="0" anchor="ctr" anchorCtr="0">
-            <a:noAutofit/>
-          </a:bodyPr>
-          <a:lstStyle/>
-          <a:p>
-            <a:pPr algn="ctr">
-              <a:spcBef>
-                <a:spcPts val="0"/>
-              </a:spcBef>
-            </a:pPr>
-            <a:r>
-              <a:rPr lang="en-US" sz="4556" dirty="0">
-                <a:latin typeface="Arial" panose="020B0604020202020204" pitchFamily="34" charset="0"/>
-                <a:ea typeface="Gill Sans"/>
-                <a:cs typeface="Arial" panose="020B0604020202020204" pitchFamily="34" charset="0"/>
-                <a:sym typeface="Gill Sans"/>
-              </a:rPr>
-              <a:t>Completely Fair Scheduler</a:t>
-            </a:r>
-            <a:endParaRPr dirty="0">
-              <a:latin typeface="Arial" panose="020B0604020202020204" pitchFamily="34" charset="0"/>
-              <a:cs typeface="Arial" panose="020B0604020202020204" pitchFamily="34" charset="0"/>
-            </a:endParaRPr>
-          </a:p>
-        </p:txBody>
-      </p:sp>
-      <p:sp>
-        <p:nvSpPr>
-          <p:cNvPr id="702" name="Google Shape;702;p34"/>
-          <p:cNvSpPr txBox="1">
-            <a:spLocks noGrp="1"/>
-          </p:cNvSpPr>
-          <p:nvPr>
-            <p:ph type="body" idx="1"/>
-          </p:nvPr>
-        </p:nvSpPr>
-        <p:spPr>
-          <a:xfrm>
-            <a:off x="1774838" y="1558590"/>
-            <a:ext cx="8795142" cy="4919837"/>
-          </a:xfrm>
-          <a:prstGeom prst="rect">
-            <a:avLst/>
-          </a:prstGeom>
-          <a:noFill/>
-          <a:ln>
-            <a:noFill/>
-          </a:ln>
-        </p:spPr>
-        <p:txBody>
-          <a:bodyPr spcFirstLastPara="1" vert="horz" wrap="square" lIns="64283" tIns="32133" rIns="64283" bIns="32133" rtlCol="0" anchor="t" anchorCtr="0">
-            <a:normAutofit/>
-          </a:bodyPr>
-          <a:lstStyle/>
-          <a:p>
-            <a:pPr marL="120620" indent="-295259">
-              <a:spcBef>
-                <a:spcPts val="600"/>
-              </a:spcBef>
-              <a:buSzPts val="3100"/>
-            </a:pPr>
-            <a:r>
-              <a:rPr lang="en-US" dirty="0"/>
-              <a:t>On Linux, in use since 2.6.23, has O(log N) runtime</a:t>
-            </a:r>
-            <a:endParaRPr dirty="0"/>
-          </a:p>
-          <a:p>
-            <a:pPr marL="282560" indent="-282560">
-              <a:spcBef>
-                <a:spcPts val="2000"/>
-              </a:spcBef>
-              <a:buClr>
-                <a:schemeClr val="dk2"/>
-              </a:buClr>
-              <a:buSzPts val="3400"/>
-            </a:pPr>
-            <a:r>
-              <a:rPr lang="en-US" dirty="0"/>
-              <a:t>Move from MLFQ to Weighted Fair Queuing</a:t>
-            </a:r>
-            <a:endParaRPr dirty="0"/>
-          </a:p>
-          <a:p>
-            <a:pPr marL="577820" lvl="1" indent="-295259">
-              <a:spcBef>
-                <a:spcPts val="600"/>
-              </a:spcBef>
-              <a:buSzPts val="3100"/>
-            </a:pPr>
-            <a:r>
-              <a:rPr lang="en-US" dirty="0"/>
-              <a:t>First major OS to use a fair scheduling algorithm</a:t>
-            </a:r>
-            <a:endParaRPr dirty="0"/>
-          </a:p>
-          <a:p>
-            <a:pPr marL="577820" lvl="1" indent="-295259">
-              <a:spcBef>
-                <a:spcPts val="600"/>
-              </a:spcBef>
-              <a:buSzPts val="3100"/>
-            </a:pPr>
-            <a:r>
-              <a:rPr lang="en-US" dirty="0"/>
-              <a:t>Processes ordered by the amount of CPU time they use</a:t>
-            </a:r>
-            <a:endParaRPr dirty="0"/>
-          </a:p>
-          <a:p>
-            <a:pPr marL="282560" indent="-282560">
-              <a:spcBef>
-                <a:spcPts val="2000"/>
-              </a:spcBef>
-              <a:buClr>
-                <a:schemeClr val="dk2"/>
-              </a:buClr>
-              <a:buSzPts val="3400"/>
-            </a:pPr>
-            <a:r>
-              <a:rPr lang="en-US" dirty="0"/>
-              <a:t>Gets rid of queues and linked lists in favor of a red-black tree of processes</a:t>
-            </a:r>
-            <a:endParaRPr dirty="0"/>
-          </a:p>
-          <a:p>
-            <a:pPr marL="282560" indent="-282560">
-              <a:spcBef>
-                <a:spcPts val="2000"/>
-              </a:spcBef>
-              <a:buClr>
-                <a:schemeClr val="dk2"/>
-              </a:buClr>
-              <a:buSzPts val="3400"/>
-            </a:pPr>
-            <a:r>
-              <a:rPr lang="en-US" dirty="0"/>
-              <a:t>CFS isn’t actually “completely fair”</a:t>
-            </a:r>
-            <a:endParaRPr dirty="0"/>
-          </a:p>
-          <a:p>
-            <a:pPr marL="577820" lvl="1" indent="-295259">
-              <a:spcBef>
-                <a:spcPts val="600"/>
-              </a:spcBef>
-              <a:buSzPts val="3100"/>
-            </a:pPr>
-            <a:r>
-              <a:rPr lang="en-US" dirty="0"/>
-              <a:t>Unfairness is bounded O(N)</a:t>
-            </a:r>
-            <a:endParaRPr dirty="0"/>
-          </a:p>
-        </p:txBody>
-      </p:sp>
-    </p:spTree>
-  </p:cSld>
-  <p:clrMapOvr>
-    <a:masterClrMapping/>
-  </p:clrMapOvr>
-</p:sld>
-</file>
-
-<file path=ppt/slides/slide56.xml><?xml version="1.0" encoding="utf-8"?>
-<p:sld xmlns:a="http://schemas.openxmlformats.org/drawingml/2006/main" xmlns:r="http://schemas.openxmlformats.org/officeDocument/2006/relationships" xmlns:p="http://schemas.openxmlformats.org/presentationml/2006/main">
-  <p:cSld>
-    <p:spTree>
-      <p:nvGrpSpPr>
-        <p:cNvPr id="1" name=""/>
-        <p:cNvGrpSpPr/>
-        <p:nvPr/>
-      </p:nvGrpSpPr>
-      <p:grpSpPr>
-        <a:xfrm>
-          <a:off x="0" y="0"/>
-          <a:ext cx="0" cy="0"/>
-          <a:chOff x="0" y="0"/>
-          <a:chExt cx="0" cy="0"/>
-        </a:xfrm>
-      </p:grpSpPr>
-      <p:sp>
-        <p:nvSpPr>
-          <p:cNvPr id="2" name="Title 1">
-            <a:extLst>
-              <a:ext uri="{FF2B5EF4-FFF2-40B4-BE49-F238E27FC236}">
-                <a16:creationId xmlns:a16="http://schemas.microsoft.com/office/drawing/2014/main" id="{2C5B5030-F003-85E7-6E8A-48E93D453039}"/>
-              </a:ext>
-            </a:extLst>
-          </p:cNvPr>
-          <p:cNvSpPr>
-            <a:spLocks noGrp="1"/>
-          </p:cNvSpPr>
-          <p:nvPr>
-            <p:ph type="title"/>
-          </p:nvPr>
-        </p:nvSpPr>
-        <p:spPr/>
-        <p:txBody>
-          <a:bodyPr/>
-          <a:lstStyle/>
-          <a:p>
-            <a:r>
-              <a:rPr lang="en-US" dirty="0"/>
-              <a:t>Scheduler efficiency matters!</a:t>
-            </a:r>
-          </a:p>
-        </p:txBody>
-      </p:sp>
-      <p:sp>
-        <p:nvSpPr>
-          <p:cNvPr id="3" name="Content Placeholder 2">
-            <a:extLst>
-              <a:ext uri="{FF2B5EF4-FFF2-40B4-BE49-F238E27FC236}">
-                <a16:creationId xmlns:a16="http://schemas.microsoft.com/office/drawing/2014/main" id="{D84D5270-3EC2-030D-6FC4-808070EC6776}"/>
-              </a:ext>
-            </a:extLst>
-          </p:cNvPr>
-          <p:cNvSpPr>
-            <a:spLocks noGrp="1"/>
-          </p:cNvSpPr>
-          <p:nvPr>
-            <p:ph idx="1"/>
-          </p:nvPr>
-        </p:nvSpPr>
-        <p:spPr/>
-        <p:txBody>
-          <a:bodyPr/>
-          <a:lstStyle/>
-          <a:p>
-            <a:r>
-              <a:rPr lang="en-US" dirty="0"/>
-              <a:t>Machines with 1000s of processes, VMs, containers, etc.</a:t>
-            </a:r>
-          </a:p>
-        </p:txBody>
-      </p:sp>
-      <p:pic>
-        <p:nvPicPr>
-          <p:cNvPr id="7" name="Picture 6" descr="A graph of a number of months&#10;&#10;Description automatically generated">
-            <a:extLst>
-              <a:ext uri="{FF2B5EF4-FFF2-40B4-BE49-F238E27FC236}">
-                <a16:creationId xmlns:a16="http://schemas.microsoft.com/office/drawing/2014/main" id="{588BE5D4-D861-80B6-9E4B-8A43950A0310}"/>
-              </a:ext>
-            </a:extLst>
-          </p:cNvPr>
-          <p:cNvPicPr>
-            <a:picLocks noChangeAspect="1"/>
-          </p:cNvPicPr>
-          <p:nvPr/>
-        </p:nvPicPr>
-        <p:blipFill>
-          <a:blip r:embed="rId2"/>
-          <a:stretch>
-            <a:fillRect/>
-          </a:stretch>
-        </p:blipFill>
-        <p:spPr>
-          <a:xfrm>
-            <a:off x="1159237" y="2290763"/>
-            <a:ext cx="7188200" cy="3886200"/>
-          </a:xfrm>
-          <a:prstGeom prst="rect">
-            <a:avLst/>
-          </a:prstGeom>
-        </p:spPr>
-      </p:pic>
-      <p:pic>
-        <p:nvPicPr>
-          <p:cNvPr id="5" name="Picture 4" descr="A close-up of some words&#10;&#10;Description automatically generated">
-            <a:extLst>
-              <a:ext uri="{FF2B5EF4-FFF2-40B4-BE49-F238E27FC236}">
-                <a16:creationId xmlns:a16="http://schemas.microsoft.com/office/drawing/2014/main" id="{E79B82D2-D9F0-6567-EAE6-DE2280F8E369}"/>
-              </a:ext>
-            </a:extLst>
-          </p:cNvPr>
-          <p:cNvPicPr>
-            <a:picLocks noChangeAspect="1"/>
-          </p:cNvPicPr>
-          <p:nvPr/>
-        </p:nvPicPr>
-        <p:blipFill>
-          <a:blip r:embed="rId3"/>
-          <a:stretch>
-            <a:fillRect/>
-          </a:stretch>
-        </p:blipFill>
-        <p:spPr>
-          <a:xfrm>
-            <a:off x="6917802" y="5552643"/>
-            <a:ext cx="5274198" cy="1262689"/>
-          </a:xfrm>
-          <a:prstGeom prst="rect">
-            <a:avLst/>
-          </a:prstGeom>
-        </p:spPr>
-      </p:pic>
-    </p:spTree>
-    <p:extLst>
-      <p:ext uri="{BB962C8B-B14F-4D97-AF65-F5344CB8AC3E}">
-        <p14:creationId xmlns:p14="http://schemas.microsoft.com/office/powerpoint/2010/main" val="1654281248"/>
-      </p:ext>
-    </p:extLst>
-  </p:cSld>
-  <p:clrMapOvr>
-    <a:masterClrMapping/>
-  </p:clrMapOvr>
-</p:sld>
-</file>
-
-<file path=ppt/slides/slide57.xml><?xml version="1.0" encoding="utf-8"?>
-<p:sld xmlns:a="http://schemas.openxmlformats.org/drawingml/2006/main" xmlns:r="http://schemas.openxmlformats.org/officeDocument/2006/relationships" xmlns:p="http://schemas.openxmlformats.org/presentationml/2006/main">
-  <p:cSld>
-    <p:spTree>
-      <p:nvGrpSpPr>
-        <p:cNvPr id="1" name="Shape 706"/>
-        <p:cNvGrpSpPr/>
-        <p:nvPr/>
-      </p:nvGrpSpPr>
-      <p:grpSpPr>
-        <a:xfrm>
-          <a:off x="0" y="0"/>
-          <a:ext cx="0" cy="0"/>
-          <a:chOff x="0" y="0"/>
-          <a:chExt cx="0" cy="0"/>
-        </a:xfrm>
-      </p:grpSpPr>
-      <p:sp>
-        <p:nvSpPr>
-          <p:cNvPr id="707" name="Google Shape;707;p35"/>
-          <p:cNvSpPr txBox="1">
-            <a:spLocks noGrp="1"/>
-          </p:cNvSpPr>
-          <p:nvPr>
-            <p:ph type="title"/>
-          </p:nvPr>
-        </p:nvSpPr>
-        <p:spPr>
-          <a:xfrm>
-            <a:off x="2303463" y="63500"/>
-            <a:ext cx="7583487" cy="1282700"/>
-          </a:xfrm>
-          <a:prstGeom prst="rect">
-            <a:avLst/>
-          </a:prstGeom>
-          <a:noFill/>
-          <a:ln>
-            <a:noFill/>
-          </a:ln>
-        </p:spPr>
-        <p:txBody>
-          <a:bodyPr spcFirstLastPara="1" vert="horz" wrap="square" lIns="64283" tIns="32133" rIns="64283" bIns="32133" rtlCol="0" anchor="ctr" anchorCtr="0">
-            <a:noAutofit/>
-          </a:bodyPr>
-          <a:lstStyle/>
-          <a:p>
-            <a:pPr algn="ctr">
-              <a:spcBef>
-                <a:spcPts val="0"/>
-              </a:spcBef>
-            </a:pPr>
-            <a:r>
-              <a:rPr lang="en-US" sz="4556" dirty="0">
-                <a:latin typeface="Arial" panose="020B0604020202020204" pitchFamily="34" charset="0"/>
-                <a:ea typeface="Gill Sans"/>
-                <a:cs typeface="Arial" panose="020B0604020202020204" pitchFamily="34" charset="0"/>
-                <a:sym typeface="Gill Sans"/>
-              </a:rPr>
-              <a:t>Completely Fair Scheduler</a:t>
-            </a:r>
-            <a:endParaRPr dirty="0">
-              <a:latin typeface="Arial" panose="020B0604020202020204" pitchFamily="34" charset="0"/>
-              <a:cs typeface="Arial" panose="020B0604020202020204" pitchFamily="34" charset="0"/>
-            </a:endParaRPr>
-          </a:p>
-        </p:txBody>
-      </p:sp>
-      <p:sp>
-        <p:nvSpPr>
-          <p:cNvPr id="708" name="Google Shape;708;p35"/>
-          <p:cNvSpPr txBox="1"/>
-          <p:nvPr/>
-        </p:nvSpPr>
-        <p:spPr>
-          <a:xfrm>
-            <a:off x="1122744" y="1666095"/>
-            <a:ext cx="9711160" cy="1329473"/>
-          </a:xfrm>
-          <a:prstGeom prst="rect">
-            <a:avLst/>
-          </a:prstGeom>
-          <a:noFill/>
-          <a:ln>
-            <a:noFill/>
-          </a:ln>
-        </p:spPr>
-        <p:txBody>
-          <a:bodyPr spcFirstLastPara="1" wrap="square" lIns="64283" tIns="32133" rIns="64283" bIns="32133" anchor="t" anchorCtr="0">
-            <a:normAutofit/>
-          </a:bodyPr>
-          <a:lstStyle/>
-          <a:p>
-            <a:pPr marL="241093" indent="-241093">
-              <a:buClr>
-                <a:schemeClr val="dk1"/>
-              </a:buClr>
-              <a:buSzPts val="3200"/>
-              <a:buFont typeface="Arial"/>
-              <a:buChar char="•"/>
-            </a:pPr>
-            <a:r>
-              <a:rPr lang="en-US" sz="2250" dirty="0">
-                <a:solidFill>
-                  <a:schemeClr val="dk1"/>
-                </a:solidFill>
-                <a:latin typeface="Arial" panose="020B0604020202020204" pitchFamily="34" charset="0"/>
-                <a:ea typeface="Gill Sans"/>
-                <a:cs typeface="Arial" panose="020B0604020202020204" pitchFamily="34" charset="0"/>
-                <a:sym typeface="Gill Sans"/>
-              </a:rPr>
-              <a:t>Tree organized according to amount of CPU time used by each process</a:t>
-            </a:r>
-            <a:endParaRPr sz="1266" dirty="0">
-              <a:latin typeface="Arial" panose="020B0604020202020204" pitchFamily="34" charset="0"/>
-              <a:cs typeface="Arial" panose="020B0604020202020204" pitchFamily="34" charset="0"/>
-            </a:endParaRPr>
-          </a:p>
-          <a:p>
-            <a:pPr marL="522368" lvl="1" indent="-200911">
-              <a:spcBef>
-                <a:spcPts val="394"/>
-              </a:spcBef>
-              <a:buClr>
-                <a:schemeClr val="dk1"/>
-              </a:buClr>
-              <a:buSzPts val="2800"/>
-              <a:buFont typeface="Arial"/>
-              <a:buChar char="–"/>
-            </a:pPr>
-            <a:r>
-              <a:rPr lang="en-US" sz="1969" dirty="0">
-                <a:solidFill>
-                  <a:schemeClr val="dk1"/>
-                </a:solidFill>
-                <a:latin typeface="Arial" panose="020B0604020202020204" pitchFamily="34" charset="0"/>
-                <a:ea typeface="Gill Sans"/>
-                <a:cs typeface="Arial" panose="020B0604020202020204" pitchFamily="34" charset="0"/>
-                <a:sym typeface="Gill Sans"/>
-              </a:rPr>
-              <a:t>Measured in nanoseconds, obviates the need for time slices</a:t>
-            </a:r>
-            <a:endParaRPr sz="1969" dirty="0">
-              <a:solidFill>
-                <a:schemeClr val="dk1"/>
-              </a:solidFill>
-              <a:latin typeface="Arial" panose="020B0604020202020204" pitchFamily="34" charset="0"/>
-              <a:ea typeface="Gill Sans"/>
-              <a:cs typeface="Arial" panose="020B0604020202020204" pitchFamily="34" charset="0"/>
-              <a:sym typeface="Gill Sans"/>
-            </a:endParaRPr>
-          </a:p>
-        </p:txBody>
-      </p:sp>
-      <p:grpSp>
-        <p:nvGrpSpPr>
-          <p:cNvPr id="709" name="Google Shape;709;p35"/>
-          <p:cNvGrpSpPr/>
-          <p:nvPr/>
-        </p:nvGrpSpPr>
-        <p:grpSpPr>
-          <a:xfrm>
-            <a:off x="1864061" y="3091601"/>
-            <a:ext cx="8162663" cy="3038733"/>
-            <a:chOff x="156017" y="2881837"/>
-            <a:chExt cx="8831602" cy="2939912"/>
-          </a:xfrm>
-        </p:grpSpPr>
-        <p:sp>
-          <p:nvSpPr>
-            <p:cNvPr id="710" name="Google Shape;710;p35"/>
-            <p:cNvSpPr/>
-            <p:nvPr/>
-          </p:nvSpPr>
-          <p:spPr>
-            <a:xfrm>
-              <a:off x="4185209" y="3050391"/>
-              <a:ext cx="714234" cy="681418"/>
-            </a:xfrm>
-            <a:prstGeom prst="ellipse">
-              <a:avLst/>
-            </a:prstGeom>
-            <a:solidFill>
-              <a:schemeClr val="dk1"/>
-            </a:solidFill>
-            <a:ln>
-              <a:noFill/>
-            </a:ln>
-          </p:spPr>
-          <p:txBody>
-            <a:bodyPr spcFirstLastPara="1" wrap="square" lIns="64283" tIns="32133" rIns="64283" bIns="32133" anchor="ctr" anchorCtr="0">
-              <a:noAutofit/>
-            </a:bodyPr>
-            <a:lstStyle/>
-            <a:p>
-              <a:pPr algn="ctr"/>
-              <a:r>
-                <a:rPr lang="en-US" sz="1687" b="1">
-                  <a:solidFill>
-                    <a:schemeClr val="lt1"/>
-                  </a:solidFill>
-                  <a:latin typeface="Lustria"/>
-                  <a:ea typeface="Lustria"/>
-                  <a:cs typeface="Lustria"/>
-                  <a:sym typeface="Lustria"/>
-                </a:rPr>
-                <a:t>17</a:t>
-              </a:r>
-              <a:endParaRPr sz="1266"/>
-            </a:p>
-          </p:txBody>
-        </p:sp>
-        <p:sp>
-          <p:nvSpPr>
-            <p:cNvPr id="711" name="Google Shape;711;p35"/>
-            <p:cNvSpPr/>
-            <p:nvPr/>
-          </p:nvSpPr>
-          <p:spPr>
-            <a:xfrm>
-              <a:off x="3419796" y="3815318"/>
-              <a:ext cx="714234" cy="681418"/>
-            </a:xfrm>
-            <a:prstGeom prst="ellipse">
-              <a:avLst/>
-            </a:prstGeom>
-            <a:solidFill>
-              <a:srgbClr val="C00000"/>
-            </a:solidFill>
-            <a:ln>
-              <a:noFill/>
-            </a:ln>
-          </p:spPr>
-          <p:txBody>
-            <a:bodyPr spcFirstLastPara="1" wrap="square" lIns="64283" tIns="32133" rIns="64283" bIns="32133" anchor="ctr" anchorCtr="0">
-              <a:noAutofit/>
-            </a:bodyPr>
-            <a:lstStyle/>
-            <a:p>
-              <a:pPr algn="ctr"/>
-              <a:r>
-                <a:rPr lang="en-US" sz="1687" b="1">
-                  <a:solidFill>
-                    <a:schemeClr val="lt1"/>
-                  </a:solidFill>
-                  <a:latin typeface="Lustria"/>
-                  <a:ea typeface="Lustria"/>
-                  <a:cs typeface="Lustria"/>
-                  <a:sym typeface="Lustria"/>
-                </a:rPr>
-                <a:t>15</a:t>
-              </a:r>
-              <a:endParaRPr sz="1266"/>
-            </a:p>
-          </p:txBody>
-        </p:sp>
-        <p:sp>
-          <p:nvSpPr>
-            <p:cNvPr id="712" name="Google Shape;712;p35"/>
-            <p:cNvSpPr/>
-            <p:nvPr/>
-          </p:nvSpPr>
-          <p:spPr>
-            <a:xfrm>
-              <a:off x="4899443" y="3815318"/>
-              <a:ext cx="714234" cy="681418"/>
-            </a:xfrm>
-            <a:prstGeom prst="ellipse">
-              <a:avLst/>
-            </a:prstGeom>
-            <a:solidFill>
-              <a:srgbClr val="C00000"/>
-            </a:solidFill>
-            <a:ln>
-              <a:noFill/>
-            </a:ln>
-          </p:spPr>
-          <p:txBody>
-            <a:bodyPr spcFirstLastPara="1" wrap="square" lIns="64283" tIns="32133" rIns="64283" bIns="32133" anchor="ctr" anchorCtr="0">
-              <a:noAutofit/>
-            </a:bodyPr>
-            <a:lstStyle/>
-            <a:p>
-              <a:pPr algn="ctr"/>
-              <a:r>
-                <a:rPr lang="en-US" sz="1687" b="1">
-                  <a:solidFill>
-                    <a:schemeClr val="lt1"/>
-                  </a:solidFill>
-                  <a:latin typeface="Lustria"/>
-                  <a:ea typeface="Lustria"/>
-                  <a:cs typeface="Lustria"/>
-                  <a:sym typeface="Lustria"/>
-                </a:rPr>
-                <a:t>25</a:t>
-              </a:r>
-              <a:endParaRPr sz="1266"/>
-            </a:p>
-          </p:txBody>
-        </p:sp>
-        <p:sp>
-          <p:nvSpPr>
-            <p:cNvPr id="713" name="Google Shape;713;p35"/>
-            <p:cNvSpPr/>
-            <p:nvPr/>
-          </p:nvSpPr>
-          <p:spPr>
-            <a:xfrm>
-              <a:off x="4243212" y="4648483"/>
-              <a:ext cx="714234" cy="681418"/>
-            </a:xfrm>
-            <a:prstGeom prst="ellipse">
-              <a:avLst/>
-            </a:prstGeom>
-            <a:solidFill>
-              <a:schemeClr val="dk2"/>
-            </a:solidFill>
-            <a:ln>
-              <a:noFill/>
-            </a:ln>
-          </p:spPr>
-          <p:txBody>
-            <a:bodyPr spcFirstLastPara="1" wrap="square" lIns="64283" tIns="32133" rIns="64283" bIns="32133" anchor="ctr" anchorCtr="0">
-              <a:noAutofit/>
-            </a:bodyPr>
-            <a:lstStyle/>
-            <a:p>
-              <a:pPr algn="ctr"/>
-              <a:r>
-                <a:rPr lang="en-US" sz="1687" b="1">
-                  <a:solidFill>
-                    <a:schemeClr val="lt1"/>
-                  </a:solidFill>
-                  <a:latin typeface="Lustria"/>
-                  <a:ea typeface="Lustria"/>
-                  <a:cs typeface="Lustria"/>
-                  <a:sym typeface="Lustria"/>
-                </a:rPr>
-                <a:t>22</a:t>
-              </a:r>
-              <a:endParaRPr sz="1266"/>
-            </a:p>
-          </p:txBody>
-        </p:sp>
-        <p:sp>
-          <p:nvSpPr>
-            <p:cNvPr id="714" name="Google Shape;714;p35"/>
-            <p:cNvSpPr/>
-            <p:nvPr/>
-          </p:nvSpPr>
-          <p:spPr>
-            <a:xfrm>
-              <a:off x="5584675" y="4648483"/>
-              <a:ext cx="714234" cy="681418"/>
-            </a:xfrm>
-            <a:prstGeom prst="ellipse">
-              <a:avLst/>
-            </a:prstGeom>
-            <a:solidFill>
-              <a:schemeClr val="dk2"/>
-            </a:solidFill>
-            <a:ln>
-              <a:noFill/>
-            </a:ln>
-          </p:spPr>
-          <p:txBody>
-            <a:bodyPr spcFirstLastPara="1" wrap="square" lIns="64283" tIns="32133" rIns="64283" bIns="32133" anchor="ctr" anchorCtr="0">
-              <a:noAutofit/>
-            </a:bodyPr>
-            <a:lstStyle/>
-            <a:p>
-              <a:pPr algn="ctr"/>
-              <a:r>
-                <a:rPr lang="en-US" sz="1687" b="1">
-                  <a:solidFill>
-                    <a:schemeClr val="lt1"/>
-                  </a:solidFill>
-                  <a:latin typeface="Lustria"/>
-                  <a:ea typeface="Lustria"/>
-                  <a:cs typeface="Lustria"/>
-                  <a:sym typeface="Lustria"/>
-                </a:rPr>
-                <a:t>27</a:t>
-              </a:r>
-              <a:endParaRPr sz="1266"/>
-            </a:p>
-          </p:txBody>
-        </p:sp>
-        <p:cxnSp>
-          <p:nvCxnSpPr>
-            <p:cNvPr id="715" name="Google Shape;715;p35"/>
-            <p:cNvCxnSpPr>
-              <a:stCxn id="710" idx="3"/>
-              <a:endCxn id="711" idx="7"/>
-            </p:cNvCxnSpPr>
-            <p:nvPr/>
-          </p:nvCxnSpPr>
-          <p:spPr>
-            <a:xfrm flipH="1">
-              <a:off x="4029406" y="3632018"/>
-              <a:ext cx="260400" cy="283200"/>
-            </a:xfrm>
-            <a:prstGeom prst="straightConnector1">
-              <a:avLst/>
-            </a:prstGeom>
-            <a:noFill/>
-            <a:ln w="38100" cap="flat" cmpd="sng">
-              <a:solidFill>
-                <a:srgbClr val="00B050"/>
-              </a:solidFill>
-              <a:prstDash val="solid"/>
-              <a:round/>
-              <a:headEnd type="none" w="sm" len="sm"/>
-              <a:tailEnd type="stealth" w="med" len="med"/>
-            </a:ln>
-          </p:spPr>
-        </p:cxnSp>
-        <p:cxnSp>
-          <p:nvCxnSpPr>
-            <p:cNvPr id="716" name="Google Shape;716;p35"/>
-            <p:cNvCxnSpPr>
-              <a:stCxn id="710" idx="5"/>
-              <a:endCxn id="712" idx="1"/>
-            </p:cNvCxnSpPr>
-            <p:nvPr/>
-          </p:nvCxnSpPr>
-          <p:spPr>
-            <a:xfrm>
-              <a:off x="4794846" y="3632018"/>
-              <a:ext cx="209100" cy="283200"/>
-            </a:xfrm>
-            <a:prstGeom prst="straightConnector1">
-              <a:avLst/>
-            </a:prstGeom>
-            <a:noFill/>
-            <a:ln w="38100" cap="flat" cmpd="sng">
-              <a:solidFill>
-                <a:srgbClr val="00B050"/>
-              </a:solidFill>
-              <a:prstDash val="solid"/>
-              <a:round/>
-              <a:headEnd type="none" w="sm" len="sm"/>
-              <a:tailEnd type="stealth" w="med" len="med"/>
-            </a:ln>
-          </p:spPr>
-        </p:cxnSp>
-        <p:cxnSp>
-          <p:nvCxnSpPr>
-            <p:cNvPr id="717" name="Google Shape;717;p35"/>
-            <p:cNvCxnSpPr>
-              <a:stCxn id="712" idx="5"/>
-              <a:endCxn id="714" idx="1"/>
-            </p:cNvCxnSpPr>
-            <p:nvPr/>
-          </p:nvCxnSpPr>
-          <p:spPr>
-            <a:xfrm>
-              <a:off x="5509080" y="4396945"/>
-              <a:ext cx="180300" cy="351300"/>
-            </a:xfrm>
-            <a:prstGeom prst="straightConnector1">
-              <a:avLst/>
-            </a:prstGeom>
-            <a:noFill/>
-            <a:ln w="38100" cap="flat" cmpd="sng">
-              <a:solidFill>
-                <a:srgbClr val="00B050"/>
-              </a:solidFill>
-              <a:prstDash val="solid"/>
-              <a:round/>
-              <a:headEnd type="none" w="sm" len="sm"/>
-              <a:tailEnd type="stealth" w="med" len="med"/>
-            </a:ln>
-          </p:spPr>
-        </p:cxnSp>
-        <p:cxnSp>
-          <p:nvCxnSpPr>
-            <p:cNvPr id="718" name="Google Shape;718;p35"/>
-            <p:cNvCxnSpPr>
-              <a:stCxn id="712" idx="3"/>
-              <a:endCxn id="713" idx="7"/>
-            </p:cNvCxnSpPr>
-            <p:nvPr/>
-          </p:nvCxnSpPr>
-          <p:spPr>
-            <a:xfrm flipH="1">
-              <a:off x="4852840" y="4396945"/>
-              <a:ext cx="151200" cy="351300"/>
-            </a:xfrm>
-            <a:prstGeom prst="straightConnector1">
-              <a:avLst/>
-            </a:prstGeom>
-            <a:noFill/>
-            <a:ln w="38100" cap="flat" cmpd="sng">
-              <a:solidFill>
-                <a:srgbClr val="00B050"/>
-              </a:solidFill>
-              <a:prstDash val="solid"/>
-              <a:round/>
-              <a:headEnd type="none" w="sm" len="sm"/>
-              <a:tailEnd type="stealth" w="med" len="med"/>
-            </a:ln>
-          </p:spPr>
-        </p:cxnSp>
-        <p:sp>
-          <p:nvSpPr>
-            <p:cNvPr id="719" name="Google Shape;719;p35"/>
-            <p:cNvSpPr/>
-            <p:nvPr/>
-          </p:nvSpPr>
-          <p:spPr>
-            <a:xfrm>
-              <a:off x="156017" y="2977858"/>
-              <a:ext cx="1908177" cy="2843891"/>
-            </a:xfrm>
-            <a:prstGeom prst="wedgeRectCallout">
-              <a:avLst>
-                <a:gd name="adj1" fmla="val 116489"/>
-                <a:gd name="adj2" fmla="val -5857"/>
-              </a:avLst>
-            </a:prstGeom>
-            <a:solidFill>
-              <a:srgbClr val="00B0F0"/>
-            </a:solidFill>
-            <a:ln w="57150" cap="flat" cmpd="sng">
-              <a:solidFill>
-                <a:srgbClr val="A5A5A5"/>
-              </a:solidFill>
-              <a:prstDash val="solid"/>
-              <a:round/>
-              <a:headEnd type="none" w="sm" len="sm"/>
-              <a:tailEnd type="none" w="sm" len="sm"/>
-            </a:ln>
-          </p:spPr>
-          <p:txBody>
-            <a:bodyPr spcFirstLastPara="1" wrap="square" lIns="64283" tIns="32133" rIns="64283" bIns="32133" anchor="ctr" anchorCtr="0">
-              <a:noAutofit/>
-            </a:bodyPr>
-            <a:lstStyle/>
-            <a:p>
-              <a:pPr marL="241093" indent="-241093" algn="ctr">
-                <a:buClr>
-                  <a:schemeClr val="lt1"/>
-                </a:buClr>
-                <a:buSzPts val="2400"/>
-                <a:buFont typeface="Arial"/>
-                <a:buChar char="•"/>
-              </a:pPr>
-              <a:r>
-                <a:rPr lang="en-US" sz="1687" b="1" dirty="0">
-                  <a:solidFill>
-                    <a:schemeClr val="lt1"/>
-                  </a:solidFill>
-                  <a:latin typeface="Arial" panose="020B0604020202020204" pitchFamily="34" charset="0"/>
-                  <a:ea typeface="Lustria"/>
-                  <a:cs typeface="Arial" panose="020B0604020202020204" pitchFamily="34" charset="0"/>
-                  <a:sym typeface="Lustria"/>
-                </a:rPr>
-                <a:t>Left-most process has always used the least time</a:t>
-              </a:r>
-              <a:endParaRPr sz="1266" dirty="0">
-                <a:latin typeface="Arial" panose="020B0604020202020204" pitchFamily="34" charset="0"/>
-                <a:cs typeface="Arial" panose="020B0604020202020204" pitchFamily="34" charset="0"/>
-              </a:endParaRPr>
-            </a:p>
-            <a:p>
-              <a:pPr marL="241093" indent="-241093" algn="ctr">
-                <a:buClr>
-                  <a:schemeClr val="lt1"/>
-                </a:buClr>
-                <a:buSzPts val="2400"/>
-                <a:buFont typeface="Arial"/>
-                <a:buChar char="•"/>
-              </a:pPr>
-              <a:r>
-                <a:rPr lang="en-US" sz="1687" b="1" dirty="0">
-                  <a:solidFill>
-                    <a:schemeClr val="lt1"/>
-                  </a:solidFill>
-                  <a:latin typeface="Arial" panose="020B0604020202020204" pitchFamily="34" charset="0"/>
-                  <a:ea typeface="Lustria"/>
-                  <a:cs typeface="Arial" panose="020B0604020202020204" pitchFamily="34" charset="0"/>
-                  <a:sym typeface="Lustria"/>
-                </a:rPr>
-                <a:t>Scheduled next</a:t>
-              </a:r>
-              <a:endParaRPr sz="1266" dirty="0">
-                <a:latin typeface="Arial" panose="020B0604020202020204" pitchFamily="34" charset="0"/>
-                <a:cs typeface="Arial" panose="020B0604020202020204" pitchFamily="34" charset="0"/>
-              </a:endParaRPr>
-            </a:p>
-          </p:txBody>
-        </p:sp>
-        <p:sp>
-          <p:nvSpPr>
-            <p:cNvPr id="720" name="Google Shape;720;p35"/>
-            <p:cNvSpPr/>
-            <p:nvPr/>
-          </p:nvSpPr>
-          <p:spPr>
-            <a:xfrm>
-              <a:off x="2376677" y="4683760"/>
-              <a:ext cx="714234" cy="681418"/>
-            </a:xfrm>
-            <a:prstGeom prst="ellipse">
-              <a:avLst/>
-            </a:prstGeom>
-            <a:solidFill>
-              <a:schemeClr val="dk1"/>
-            </a:solidFill>
-            <a:ln>
-              <a:noFill/>
-            </a:ln>
-          </p:spPr>
-          <p:txBody>
-            <a:bodyPr spcFirstLastPara="1" wrap="square" lIns="64283" tIns="32133" rIns="64283" bIns="32133" anchor="ctr" anchorCtr="0">
-              <a:noAutofit/>
-            </a:bodyPr>
-            <a:lstStyle/>
-            <a:p>
-              <a:pPr algn="ctr"/>
-              <a:r>
-                <a:rPr lang="en-US" sz="1687" b="1">
-                  <a:solidFill>
-                    <a:schemeClr val="lt1"/>
-                  </a:solidFill>
-                  <a:latin typeface="Lustria"/>
-                  <a:ea typeface="Lustria"/>
-                  <a:cs typeface="Lustria"/>
-                  <a:sym typeface="Lustria"/>
-                </a:rPr>
-                <a:t>38</a:t>
-              </a:r>
-              <a:endParaRPr sz="1266"/>
-            </a:p>
-          </p:txBody>
-        </p:sp>
-        <p:sp>
-          <p:nvSpPr>
-            <p:cNvPr id="721" name="Google Shape;721;p35"/>
-            <p:cNvSpPr/>
-            <p:nvPr/>
-          </p:nvSpPr>
-          <p:spPr>
-            <a:xfrm>
-              <a:off x="6798365" y="2881837"/>
-              <a:ext cx="2189254" cy="1993225"/>
-            </a:xfrm>
-            <a:prstGeom prst="wedgeRectCallout">
-              <a:avLst>
-                <a:gd name="adj1" fmla="val -40788"/>
-                <a:gd name="adj2" fmla="val 88281"/>
-              </a:avLst>
-            </a:prstGeom>
-            <a:solidFill>
-              <a:srgbClr val="00B0F0"/>
-            </a:solidFill>
-            <a:ln w="57150" cap="flat" cmpd="sng">
-              <a:solidFill>
-                <a:srgbClr val="A5A5A5"/>
-              </a:solidFill>
-              <a:prstDash val="solid"/>
-              <a:round/>
-              <a:headEnd type="none" w="sm" len="sm"/>
-              <a:tailEnd type="none" w="sm" len="sm"/>
-            </a:ln>
-          </p:spPr>
-          <p:txBody>
-            <a:bodyPr spcFirstLastPara="1" wrap="square" lIns="64283" tIns="32133" rIns="64283" bIns="32133" anchor="ctr" anchorCtr="0">
-              <a:noAutofit/>
-            </a:bodyPr>
-            <a:lstStyle/>
-            <a:p>
-              <a:pPr marL="241093" indent="-241093" algn="ctr">
-                <a:buClr>
-                  <a:schemeClr val="lt1"/>
-                </a:buClr>
-                <a:buSzPts val="2400"/>
-                <a:buFont typeface="Arial"/>
-                <a:buChar char="•"/>
-              </a:pPr>
-              <a:r>
-                <a:rPr lang="en-US" sz="1687" b="1">
-                  <a:solidFill>
-                    <a:schemeClr val="lt1"/>
-                  </a:solidFill>
-                  <a:latin typeface="Arial" panose="020B0604020202020204" pitchFamily="34" charset="0"/>
-                  <a:ea typeface="Lustria"/>
-                  <a:cs typeface="Arial" panose="020B0604020202020204" pitchFamily="34" charset="0"/>
-                  <a:sym typeface="Lustria"/>
-                </a:rPr>
-                <a:t>Add the process back to the tree</a:t>
-              </a:r>
-              <a:endParaRPr sz="1266">
-                <a:latin typeface="Arial" panose="020B0604020202020204" pitchFamily="34" charset="0"/>
-                <a:cs typeface="Arial" panose="020B0604020202020204" pitchFamily="34" charset="0"/>
-              </a:endParaRPr>
-            </a:p>
-            <a:p>
-              <a:pPr marL="241093" indent="-241093" algn="ctr">
-                <a:buClr>
-                  <a:schemeClr val="lt1"/>
-                </a:buClr>
-                <a:buSzPts val="2400"/>
-                <a:buFont typeface="Arial"/>
-                <a:buChar char="•"/>
-              </a:pPr>
-              <a:r>
-                <a:rPr lang="en-US" sz="1687" b="1">
-                  <a:solidFill>
-                    <a:schemeClr val="lt1"/>
-                  </a:solidFill>
-                  <a:latin typeface="Arial" panose="020B0604020202020204" pitchFamily="34" charset="0"/>
-                  <a:ea typeface="Lustria"/>
-                  <a:cs typeface="Arial" panose="020B0604020202020204" pitchFamily="34" charset="0"/>
-                  <a:sym typeface="Lustria"/>
-                </a:rPr>
-                <a:t>Rebalance the tree</a:t>
-              </a:r>
-              <a:endParaRPr sz="1266">
-                <a:latin typeface="Arial" panose="020B0604020202020204" pitchFamily="34" charset="0"/>
-                <a:cs typeface="Arial" panose="020B0604020202020204" pitchFamily="34" charset="0"/>
-              </a:endParaRPr>
-            </a:p>
-          </p:txBody>
-        </p:sp>
-        <p:cxnSp>
-          <p:nvCxnSpPr>
-            <p:cNvPr id="722" name="Google Shape;722;p35"/>
-            <p:cNvCxnSpPr/>
-            <p:nvPr/>
-          </p:nvCxnSpPr>
-          <p:spPr>
-            <a:xfrm>
-              <a:off x="6118717" y="5294674"/>
-              <a:ext cx="333199" cy="386879"/>
-            </a:xfrm>
-            <a:prstGeom prst="straightConnector1">
-              <a:avLst/>
-            </a:prstGeom>
-            <a:noFill/>
-            <a:ln w="38100" cap="flat" cmpd="sng">
-              <a:solidFill>
-                <a:srgbClr val="00B050"/>
-              </a:solidFill>
-              <a:prstDash val="solid"/>
-              <a:round/>
-              <a:headEnd type="none" w="sm" len="sm"/>
-              <a:tailEnd type="stealth" w="med" len="med"/>
-            </a:ln>
-          </p:spPr>
-        </p:cxnSp>
-        <p:cxnSp>
-          <p:nvCxnSpPr>
-            <p:cNvPr id="723" name="Google Shape;723;p35"/>
-            <p:cNvCxnSpPr/>
-            <p:nvPr/>
-          </p:nvCxnSpPr>
-          <p:spPr>
-            <a:xfrm>
-              <a:off x="4748065" y="5307134"/>
-              <a:ext cx="226973" cy="315481"/>
-            </a:xfrm>
-            <a:prstGeom prst="straightConnector1">
-              <a:avLst/>
-            </a:prstGeom>
-            <a:noFill/>
-            <a:ln w="38100" cap="flat" cmpd="sng">
-              <a:solidFill>
-                <a:srgbClr val="00B050"/>
-              </a:solidFill>
-              <a:prstDash val="solid"/>
-              <a:round/>
-              <a:headEnd type="none" w="sm" len="sm"/>
-              <a:tailEnd type="stealth" w="med" len="med"/>
-            </a:ln>
-          </p:spPr>
-        </p:cxnSp>
-      </p:grpSp>
-    </p:spTree>
-  </p:cSld>
-  <p:clrMapOvr>
-    <a:masterClrMapping/>
-  </p:clrMapOvr>
-</p:sld>
-</file>
-
-<file path=ppt/slides/slide58.xml><?xml version="1.0" encoding="utf-8"?>
-<p:sld xmlns:a="http://schemas.openxmlformats.org/drawingml/2006/main" xmlns:r="http://schemas.openxmlformats.org/officeDocument/2006/relationships" xmlns:p="http://schemas.openxmlformats.org/presentationml/2006/main">
-  <p:cSld>
-    <p:spTree>
-      <p:nvGrpSpPr>
-        <p:cNvPr id="1" name="Shape 727"/>
-        <p:cNvGrpSpPr/>
-        <p:nvPr/>
-      </p:nvGrpSpPr>
-      <p:grpSpPr>
-        <a:xfrm>
-          <a:off x="0" y="0"/>
-          <a:ext cx="0" cy="0"/>
-          <a:chOff x="0" y="0"/>
-          <a:chExt cx="0" cy="0"/>
-        </a:xfrm>
-      </p:grpSpPr>
-      <p:sp>
-        <p:nvSpPr>
-          <p:cNvPr id="728" name="Google Shape;728;p36"/>
-          <p:cNvSpPr txBox="1">
-            <a:spLocks noGrp="1"/>
-          </p:cNvSpPr>
-          <p:nvPr>
-            <p:ph type="title"/>
-          </p:nvPr>
-        </p:nvSpPr>
-        <p:spPr>
-          <a:xfrm>
-            <a:off x="2303363" y="63500"/>
-            <a:ext cx="7583588" cy="1282700"/>
-          </a:xfrm>
-          <a:prstGeom prst="rect">
-            <a:avLst/>
-          </a:prstGeom>
-          <a:noFill/>
-          <a:ln>
-            <a:noFill/>
-          </a:ln>
-        </p:spPr>
-        <p:txBody>
-          <a:bodyPr spcFirstLastPara="1" vert="horz" wrap="square" lIns="64283" tIns="32133" rIns="64283" bIns="32133" rtlCol="0" anchor="ctr" anchorCtr="0">
-            <a:noAutofit/>
-          </a:bodyPr>
-          <a:lstStyle/>
-          <a:p>
-            <a:pPr algn="ctr">
-              <a:spcBef>
-                <a:spcPts val="0"/>
-              </a:spcBef>
-            </a:pPr>
-            <a:r>
-              <a:rPr lang="en-US" sz="4556" dirty="0">
-                <a:latin typeface="Arial" panose="020B0604020202020204" pitchFamily="34" charset="0"/>
-                <a:ea typeface="Gill Sans"/>
-                <a:cs typeface="Arial" panose="020B0604020202020204" pitchFamily="34" charset="0"/>
-                <a:sym typeface="Gill Sans"/>
-              </a:rPr>
-              <a:t>Completely Fair Scheduling (CFS)</a:t>
-            </a:r>
-            <a:endParaRPr dirty="0">
-              <a:latin typeface="Arial" panose="020B0604020202020204" pitchFamily="34" charset="0"/>
-              <a:cs typeface="Arial" panose="020B0604020202020204" pitchFamily="34" charset="0"/>
-            </a:endParaRPr>
-          </a:p>
-        </p:txBody>
-      </p:sp>
-      <p:sp>
-        <p:nvSpPr>
-          <p:cNvPr id="729" name="Google Shape;729;p36"/>
-          <p:cNvSpPr/>
-          <p:nvPr/>
-        </p:nvSpPr>
-        <p:spPr>
-          <a:xfrm>
-            <a:off x="1157468" y="1492568"/>
-            <a:ext cx="9510532" cy="4866208"/>
-          </a:xfrm>
-          <a:prstGeom prst="rect">
-            <a:avLst/>
-          </a:prstGeom>
-          <a:noFill/>
-          <a:ln>
-            <a:noFill/>
-          </a:ln>
-        </p:spPr>
-        <p:txBody>
-          <a:bodyPr spcFirstLastPara="1" wrap="square" lIns="64283" tIns="32133" rIns="64283" bIns="32133" anchor="t" anchorCtr="0">
-            <a:spAutoFit/>
-          </a:bodyPr>
-          <a:lstStyle/>
-          <a:p>
-            <a:pPr marL="173005"/>
-            <a:r>
-              <a:rPr lang="en-US" sz="2400" dirty="0">
-                <a:latin typeface="Arial" panose="020B0604020202020204" pitchFamily="34" charset="0"/>
-                <a:ea typeface="Gill Sans"/>
-                <a:cs typeface="Arial" panose="020B0604020202020204" pitchFamily="34" charset="0"/>
-                <a:sym typeface="Gill Sans"/>
-              </a:rPr>
-              <a:t>CFS removes the time-slice concept as we have seen it so far</a:t>
-            </a:r>
-            <a:endParaRPr lang="en-US" sz="1400" dirty="0">
-              <a:latin typeface="Arial" panose="020B0604020202020204" pitchFamily="34" charset="0"/>
-              <a:cs typeface="Arial" panose="020B0604020202020204" pitchFamily="34" charset="0"/>
-            </a:endParaRPr>
-          </a:p>
-          <a:p>
-            <a:pPr marL="486651" indent="-313644">
-              <a:buClr>
-                <a:schemeClr val="dk1"/>
-              </a:buClr>
-              <a:buSzPts val="3000"/>
-              <a:buFont typeface="Arial"/>
-              <a:buChar char="•"/>
-            </a:pPr>
-            <a:r>
-              <a:rPr lang="en-US" sz="2400" dirty="0">
-                <a:latin typeface="Arial" panose="020B0604020202020204" pitchFamily="34" charset="0"/>
-                <a:ea typeface="Gill Sans"/>
-                <a:cs typeface="Arial" panose="020B0604020202020204" pitchFamily="34" charset="0"/>
-                <a:sym typeface="Gill Sans"/>
-              </a:rPr>
-              <a:t>Instead, assign each process a proportion of the processor</a:t>
-            </a:r>
-            <a:endParaRPr lang="en-US" sz="1400" dirty="0">
-              <a:latin typeface="Arial" panose="020B0604020202020204" pitchFamily="34" charset="0"/>
-              <a:cs typeface="Arial" panose="020B0604020202020204" pitchFamily="34" charset="0"/>
-            </a:endParaRPr>
-          </a:p>
-          <a:p>
-            <a:pPr marL="173005"/>
-            <a:endParaRPr lang="en-US" sz="2400" dirty="0">
-              <a:latin typeface="Arial" panose="020B0604020202020204" pitchFamily="34" charset="0"/>
-              <a:ea typeface="Gill Sans"/>
-              <a:cs typeface="Arial" panose="020B0604020202020204" pitchFamily="34" charset="0"/>
-              <a:sym typeface="Gill Sans"/>
-            </a:endParaRPr>
-          </a:p>
-          <a:p>
-            <a:pPr marL="173005"/>
-            <a:r>
-              <a:rPr lang="en-US" sz="2400" dirty="0">
-                <a:latin typeface="Arial" panose="020B0604020202020204" pitchFamily="34" charset="0"/>
-                <a:ea typeface="Gill Sans"/>
-                <a:cs typeface="Arial" panose="020B0604020202020204" pitchFamily="34" charset="0"/>
-                <a:sym typeface="Gill Sans"/>
-              </a:rPr>
-              <a:t>CFS is based on a simple concept</a:t>
-            </a:r>
-            <a:r>
-              <a:rPr lang="en-US" sz="1400" dirty="0">
-                <a:latin typeface="Arial" panose="020B0604020202020204" pitchFamily="34" charset="0"/>
-                <a:cs typeface="Arial" panose="020B0604020202020204" pitchFamily="34" charset="0"/>
-                <a:sym typeface="Gill Sans"/>
-              </a:rPr>
-              <a:t>:</a:t>
-            </a:r>
-            <a:endParaRPr sz="2400" dirty="0">
-              <a:latin typeface="Arial" panose="020B0604020202020204" pitchFamily="34" charset="0"/>
-              <a:ea typeface="Gill Sans"/>
-              <a:cs typeface="Arial" panose="020B0604020202020204" pitchFamily="34" charset="0"/>
-              <a:sym typeface="Gill Sans"/>
-            </a:endParaRPr>
-          </a:p>
-          <a:p>
-            <a:pPr marL="173005"/>
-            <a:r>
-              <a:rPr lang="en-US" sz="2400" dirty="0">
-                <a:latin typeface="Arial" panose="020B0604020202020204" pitchFamily="34" charset="0"/>
-                <a:ea typeface="Gill Sans"/>
-                <a:cs typeface="Arial" panose="020B0604020202020204" pitchFamily="34" charset="0"/>
-                <a:sym typeface="Gill Sans"/>
-              </a:rPr>
-              <a:t>Model scheduling as if the system had an ideal, perfectly multitasking processor</a:t>
-            </a:r>
-            <a:endParaRPr sz="1400" dirty="0">
-              <a:latin typeface="Arial" panose="020B0604020202020204" pitchFamily="34" charset="0"/>
-              <a:cs typeface="Arial" panose="020B0604020202020204" pitchFamily="34" charset="0"/>
-            </a:endParaRPr>
-          </a:p>
-          <a:p>
-            <a:pPr marL="486651" lvl="2" indent="-313644">
-              <a:buClr>
-                <a:schemeClr val="dk1"/>
-              </a:buClr>
-              <a:buSzPts val="3000"/>
-              <a:buFont typeface="Arial"/>
-              <a:buChar char="•"/>
-            </a:pPr>
-            <a:r>
-              <a:rPr lang="en-US" sz="2400" dirty="0">
-                <a:latin typeface="Arial" panose="020B0604020202020204" pitchFamily="34" charset="0"/>
-                <a:ea typeface="Gill Sans"/>
-                <a:cs typeface="Arial" panose="020B0604020202020204" pitchFamily="34" charset="0"/>
-                <a:sym typeface="Gill Sans"/>
-              </a:rPr>
-              <a:t>Each process receives 1/n of the processor’s time, where n is the number of runnable processes</a:t>
-            </a:r>
-            <a:endParaRPr sz="1400" dirty="0">
-              <a:latin typeface="Arial" panose="020B0604020202020204" pitchFamily="34" charset="0"/>
-              <a:cs typeface="Arial" panose="020B0604020202020204" pitchFamily="34" charset="0"/>
-            </a:endParaRPr>
-          </a:p>
-          <a:p>
-            <a:pPr marL="486651" lvl="2" indent="-313644">
-              <a:buClr>
-                <a:schemeClr val="dk1"/>
-              </a:buClr>
-              <a:buSzPts val="3000"/>
-              <a:buFont typeface="Arial"/>
-              <a:buChar char="•"/>
-            </a:pPr>
-            <a:r>
-              <a:rPr lang="en-US" sz="2400" dirty="0">
-                <a:latin typeface="Arial" panose="020B0604020202020204" pitchFamily="34" charset="0"/>
-                <a:ea typeface="Gill Sans"/>
-                <a:cs typeface="Arial" panose="020B0604020202020204" pitchFamily="34" charset="0"/>
-                <a:sym typeface="Gill Sans"/>
-              </a:rPr>
-              <a:t>Would be scheduled for infinitely small durations</a:t>
-            </a:r>
-            <a:endParaRPr sz="1400" dirty="0">
-              <a:latin typeface="Arial" panose="020B0604020202020204" pitchFamily="34" charset="0"/>
-              <a:cs typeface="Arial" panose="020B0604020202020204" pitchFamily="34" charset="0"/>
-            </a:endParaRPr>
-          </a:p>
-          <a:p>
-            <a:pPr marL="486651" lvl="2" indent="-313644">
-              <a:buClr>
-                <a:schemeClr val="dk1"/>
-              </a:buClr>
-              <a:buSzPts val="3000"/>
-              <a:buFont typeface="Arial"/>
-              <a:buChar char="•"/>
-            </a:pPr>
-            <a:r>
-              <a:rPr lang="en-US" sz="2400" dirty="0">
-                <a:latin typeface="Arial" panose="020B0604020202020204" pitchFamily="34" charset="0"/>
-                <a:ea typeface="Gill Sans"/>
-                <a:cs typeface="Arial" panose="020B0604020202020204" pitchFamily="34" charset="0"/>
-                <a:sym typeface="Gill Sans"/>
-              </a:rPr>
-              <a:t>In any measurable period, all n processes would run for the same amount of time</a:t>
-            </a:r>
-            <a:endParaRPr sz="1400" dirty="0">
-              <a:latin typeface="Arial" panose="020B0604020202020204" pitchFamily="34" charset="0"/>
-              <a:cs typeface="Arial" panose="020B0604020202020204" pitchFamily="34" charset="0"/>
-            </a:endParaRPr>
-          </a:p>
-          <a:p>
-            <a:pPr marL="173005"/>
-            <a:endParaRPr sz="2000" dirty="0">
-              <a:latin typeface="Arial" panose="020B0604020202020204" pitchFamily="34" charset="0"/>
-              <a:ea typeface="Gill Sans"/>
-              <a:cs typeface="Arial" panose="020B0604020202020204" pitchFamily="34" charset="0"/>
-              <a:sym typeface="Gill Sans"/>
-            </a:endParaRPr>
-          </a:p>
-          <a:p>
-            <a:endParaRPr sz="2800" dirty="0">
-              <a:latin typeface="Arial" panose="020B0604020202020204" pitchFamily="34" charset="0"/>
-              <a:ea typeface="Gill Sans"/>
-              <a:cs typeface="Arial" panose="020B0604020202020204" pitchFamily="34" charset="0"/>
-              <a:sym typeface="Gill Sans"/>
-            </a:endParaRPr>
-          </a:p>
-        </p:txBody>
-      </p:sp>
-    </p:spTree>
-  </p:cSld>
-  <p:clrMapOvr>
-    <a:masterClrMapping/>
-  </p:clrMapOvr>
-  <p:timing>
-    <p:tnLst>
-      <p:par>
-        <p:cTn id="1" dur="indefinite" restart="never" nodeType="tmRoot">
-          <p:childTnLst>
-            <p:seq concurrent="1" nextAc="seek">
-              <p:cTn id="2" dur="indefinite" nodeType="mainSeq">
-                <p:childTnLst>
-                  <p:par>
-                    <p:cTn id="3" fill="hold">
-                      <p:stCondLst>
-                        <p:cond delay="indefinite"/>
-                      </p:stCondLst>
-                      <p:childTnLst>
-                        <p:par>
-                          <p:cTn id="4" fill="hold">
-                            <p:stCondLst>
-                              <p:cond delay="0"/>
-                            </p:stCondLst>
-                            <p:childTnLst>
-                              <p:par>
-                                <p:cTn id="5" presetID="1" presetClass="entr" presetSubtype="0" fill="hold" nodeType="clickEffect">
-                                  <p:stCondLst>
-                                    <p:cond delay="0"/>
-                                  </p:stCondLst>
-                                  <p:childTnLst>
-                                    <p:set>
-                                      <p:cBhvr>
-                                        <p:cTn id="6" dur="1" fill="hold">
-                                          <p:stCondLst>
-                                            <p:cond delay="0"/>
-                                          </p:stCondLst>
-                                        </p:cTn>
-                                        <p:tgtEl>
-                                          <p:spTgt spid="729">
-                                            <p:txEl>
-                                              <p:pRg st="3" end="3"/>
-                                            </p:txEl>
-                                          </p:spTgt>
-                                        </p:tgtEl>
-                                        <p:attrNameLst>
-                                          <p:attrName>style.visibility</p:attrName>
-                                        </p:attrNameLst>
-                                      </p:cBhvr>
-                                      <p:to>
-                                        <p:strVal val="visible"/>
-                                      </p:to>
-                                    </p:set>
-                                  </p:childTnLst>
-                                </p:cTn>
-                              </p:par>
-                              <p:par>
-                                <p:cTn id="7" presetID="1" presetClass="entr" presetSubtype="0" fill="hold" nodeType="withEffect">
-                                  <p:stCondLst>
-                                    <p:cond delay="0"/>
-                                  </p:stCondLst>
-                                  <p:childTnLst>
-                                    <p:set>
-                                      <p:cBhvr>
-                                        <p:cTn id="8" dur="1" fill="hold">
-                                          <p:stCondLst>
-                                            <p:cond delay="0"/>
-                                          </p:stCondLst>
-                                        </p:cTn>
-                                        <p:tgtEl>
-                                          <p:spTgt spid="729">
-                                            <p:txEl>
-                                              <p:pRg st="4" end="4"/>
-                                            </p:txEl>
-                                          </p:spTgt>
-                                        </p:tgtEl>
-                                        <p:attrNameLst>
-                                          <p:attrName>style.visibility</p:attrName>
-                                        </p:attrNameLst>
-                                      </p:cBhvr>
-                                      <p:to>
-                                        <p:strVal val="visible"/>
-                                      </p:to>
-                                    </p:set>
-                                  </p:childTnLst>
-                                </p:cTn>
-                              </p:par>
-                            </p:childTnLst>
-                          </p:cTn>
-                        </p:par>
-                      </p:childTnLst>
-                    </p:cTn>
-                  </p:par>
-                  <p:par>
-                    <p:cTn id="9" fill="hold">
-                      <p:stCondLst>
-                        <p:cond delay="indefinite"/>
-                      </p:stCondLst>
-                      <p:childTnLst>
-                        <p:par>
-                          <p:cTn id="10" fill="hold">
-                            <p:stCondLst>
-                              <p:cond delay="0"/>
-                            </p:stCondLst>
-                            <p:childTnLst>
-                              <p:par>
-                                <p:cTn id="11" presetID="1" presetClass="entr" presetSubtype="0" fill="hold" nodeType="clickEffect">
-                                  <p:stCondLst>
-                                    <p:cond delay="0"/>
-                                  </p:stCondLst>
-                                  <p:childTnLst>
-                                    <p:set>
-                                      <p:cBhvr>
-                                        <p:cTn id="12" dur="1" fill="hold">
-                                          <p:stCondLst>
-                                            <p:cond delay="0"/>
-                                          </p:stCondLst>
-                                        </p:cTn>
-                                        <p:tgtEl>
-                                          <p:spTgt spid="729">
-                                            <p:txEl>
-                                              <p:pRg st="5" end="5"/>
-                                            </p:txEl>
-                                          </p:spTgt>
-                                        </p:tgtEl>
-                                        <p:attrNameLst>
-                                          <p:attrName>style.visibility</p:attrName>
-                                        </p:attrNameLst>
-                                      </p:cBhvr>
-                                      <p:to>
-                                        <p:strVal val="visible"/>
-                                      </p:to>
-                                    </p:set>
-                                  </p:childTnLst>
-                                </p:cTn>
-                              </p:par>
-                            </p:childTnLst>
-                          </p:cTn>
-                        </p:par>
-                      </p:childTnLst>
-                    </p:cTn>
-                  </p:par>
-                  <p:par>
-                    <p:cTn id="13" fill="hold">
-                      <p:stCondLst>
-                        <p:cond delay="indefinite"/>
-                      </p:stCondLst>
-                      <p:childTnLst>
-                        <p:par>
-                          <p:cTn id="14" fill="hold">
-                            <p:stCondLst>
-                              <p:cond delay="0"/>
-                            </p:stCondLst>
-                            <p:childTnLst>
-                              <p:par>
-                                <p:cTn id="15" presetID="1" presetClass="entr" presetSubtype="0" fill="hold" nodeType="clickEffect">
-                                  <p:stCondLst>
-                                    <p:cond delay="0"/>
-                                  </p:stCondLst>
-                                  <p:childTnLst>
-                                    <p:set>
-                                      <p:cBhvr>
-                                        <p:cTn id="16" dur="1" fill="hold">
-                                          <p:stCondLst>
-                                            <p:cond delay="0"/>
-                                          </p:stCondLst>
-                                        </p:cTn>
-                                        <p:tgtEl>
-                                          <p:spTgt spid="729">
-                                            <p:txEl>
-                                              <p:pRg st="6" end="6"/>
-                                            </p:txEl>
-                                          </p:spTgt>
-                                        </p:tgtEl>
-                                        <p:attrNameLst>
-                                          <p:attrName>style.visibility</p:attrName>
-                                        </p:attrNameLst>
-                                      </p:cBhvr>
-                                      <p:to>
-                                        <p:strVal val="visible"/>
-                                      </p:to>
-                                    </p:set>
-                                  </p:childTnLst>
-                                </p:cTn>
-                              </p:par>
-                            </p:childTnLst>
-                          </p:cTn>
-                        </p:par>
-                      </p:childTnLst>
-                    </p:cTn>
-                  </p:par>
-                  <p:par>
-                    <p:cTn id="17" fill="hold">
-                      <p:stCondLst>
-                        <p:cond delay="indefinite"/>
-                      </p:stCondLst>
-                      <p:childTnLst>
-                        <p:par>
-                          <p:cTn id="18" fill="hold">
-                            <p:stCondLst>
-                              <p:cond delay="0"/>
-                            </p:stCondLst>
-                            <p:childTnLst>
-                              <p:par>
-                                <p:cTn id="19" presetID="1" presetClass="entr" presetSubtype="0" fill="hold" nodeType="clickEffect">
-                                  <p:stCondLst>
-                                    <p:cond delay="0"/>
-                                  </p:stCondLst>
-                                  <p:childTnLst>
-                                    <p:set>
-                                      <p:cBhvr>
-                                        <p:cTn id="20" dur="1" fill="hold">
-                                          <p:stCondLst>
-                                            <p:cond delay="0"/>
-                                          </p:stCondLst>
-                                        </p:cTn>
-                                        <p:tgtEl>
-                                          <p:spTgt spid="729">
-                                            <p:txEl>
-                                              <p:pRg st="7" end="7"/>
-                                            </p:txEl>
-                                          </p:spTgt>
-                                        </p:tgtEl>
-                                        <p:attrNameLst>
-                                          <p:attrName>style.visibility</p:attrName>
-                                        </p:attrNameLst>
-                                      </p:cBhvr>
-                                      <p:to>
-                                        <p:strVal val="visible"/>
-                                      </p:to>
-                                    </p:set>
-                                  </p:childTnLst>
-                                </p:cTn>
-                              </p:par>
-                            </p:childTnLst>
-                          </p:cTn>
-                        </p:par>
-                      </p:childTnLst>
-                    </p:cTn>
-                  </p:par>
-                </p:childTnLst>
-              </p:cTn>
-              <p:prevCondLst>
-                <p:cond evt="onPrev" delay="0">
-                  <p:tgtEl>
-                    <p:sldTgt/>
-                  </p:tgtEl>
-                </p:cond>
-              </p:prevCondLst>
-              <p:nextCondLst>
-                <p:cond evt="onNext" delay="0">
-                  <p:tgtEl>
-                    <p:sldTgt/>
-                  </p:tgtEl>
-                </p:cond>
-              </p:nextCondLst>
-            </p:seq>
-          </p:childTnLst>
-        </p:cTn>
-      </p:par>
-    </p:tnLst>
-  </p:timing>
-</p:sld>
-</file>
-
-<file path=ppt/slides/slide59.xml><?xml version="1.0" encoding="utf-8"?>
-<p:sld xmlns:a="http://schemas.openxmlformats.org/drawingml/2006/main" xmlns:r="http://schemas.openxmlformats.org/officeDocument/2006/relationships" xmlns:p="http://schemas.openxmlformats.org/presentationml/2006/main">
-  <p:cSld>
-    <p:spTree>
-      <p:nvGrpSpPr>
-        <p:cNvPr id="1" name="Shape 733"/>
-        <p:cNvGrpSpPr/>
-        <p:nvPr/>
-      </p:nvGrpSpPr>
-      <p:grpSpPr>
-        <a:xfrm>
-          <a:off x="0" y="0"/>
-          <a:ext cx="0" cy="0"/>
-          <a:chOff x="0" y="0"/>
-          <a:chExt cx="0" cy="0"/>
-        </a:xfrm>
-      </p:grpSpPr>
-      <p:sp>
-        <p:nvSpPr>
-          <p:cNvPr id="734" name="Google Shape;734;p37"/>
-          <p:cNvSpPr txBox="1">
-            <a:spLocks noGrp="1"/>
-          </p:cNvSpPr>
-          <p:nvPr>
-            <p:ph type="title"/>
-          </p:nvPr>
-        </p:nvSpPr>
-        <p:spPr>
-          <a:xfrm>
-            <a:off x="2303463" y="63500"/>
-            <a:ext cx="7583487" cy="1282700"/>
-          </a:xfrm>
-          <a:prstGeom prst="rect">
-            <a:avLst/>
-          </a:prstGeom>
-          <a:noFill/>
-          <a:ln>
-            <a:noFill/>
-          </a:ln>
-        </p:spPr>
-        <p:txBody>
-          <a:bodyPr spcFirstLastPara="1" vert="horz" wrap="square" lIns="64283" tIns="32133" rIns="64283" bIns="32133" rtlCol="0" anchor="ctr" anchorCtr="0">
-            <a:noAutofit/>
-          </a:bodyPr>
-          <a:lstStyle/>
-          <a:p>
-            <a:pPr algn="ctr">
-              <a:spcBef>
-                <a:spcPts val="0"/>
-              </a:spcBef>
-            </a:pPr>
-            <a:r>
-              <a:rPr lang="en-US" sz="4556" dirty="0">
-                <a:latin typeface="Arial" panose="020B0604020202020204" pitchFamily="34" charset="0"/>
-                <a:ea typeface="Gill Sans"/>
-                <a:cs typeface="Arial" panose="020B0604020202020204" pitchFamily="34" charset="0"/>
-                <a:sym typeface="Gill Sans"/>
-              </a:rPr>
-              <a:t>Completely Fair Scheduling (CFS)</a:t>
-            </a:r>
-            <a:endParaRPr dirty="0">
-              <a:latin typeface="Arial" panose="020B0604020202020204" pitchFamily="34" charset="0"/>
-              <a:cs typeface="Arial" panose="020B0604020202020204" pitchFamily="34" charset="0"/>
-            </a:endParaRPr>
-          </a:p>
-        </p:txBody>
-      </p:sp>
-      <p:sp>
-        <p:nvSpPr>
-          <p:cNvPr id="735" name="Google Shape;735;p37"/>
-          <p:cNvSpPr/>
-          <p:nvPr/>
-        </p:nvSpPr>
-        <p:spPr>
-          <a:xfrm>
-            <a:off x="1226916" y="1492568"/>
-            <a:ext cx="10035251" cy="4841586"/>
-          </a:xfrm>
-          <a:prstGeom prst="rect">
-            <a:avLst/>
-          </a:prstGeom>
-          <a:noFill/>
-          <a:ln>
-            <a:noFill/>
-          </a:ln>
-        </p:spPr>
-        <p:txBody>
-          <a:bodyPr spcFirstLastPara="1" wrap="square" lIns="64283" tIns="32133" rIns="64283" bIns="32133" anchor="t" anchorCtr="0">
-            <a:spAutoFit/>
-          </a:bodyPr>
-          <a:lstStyle/>
-          <a:p>
-            <a:pPr marL="173005"/>
-            <a:r>
-              <a:rPr lang="en-US" sz="2400" dirty="0">
-                <a:solidFill>
-                  <a:schemeClr val="dk1"/>
-                </a:solidFill>
-                <a:latin typeface="Arial" panose="020B0604020202020204" pitchFamily="34" charset="0"/>
-                <a:ea typeface="Gill Sans"/>
-                <a:cs typeface="Arial" panose="020B0604020202020204" pitchFamily="34" charset="0"/>
-                <a:sym typeface="Gill Sans"/>
-              </a:rPr>
-              <a:t>CFS </a:t>
-            </a:r>
-            <a:r>
-              <a:rPr lang="en-US" sz="2400" dirty="0">
-                <a:latin typeface="Arial" panose="020B0604020202020204" pitchFamily="34" charset="0"/>
-                <a:ea typeface="Gill Sans"/>
-                <a:cs typeface="Arial" panose="020B0604020202020204" pitchFamily="34" charset="0"/>
-                <a:sym typeface="Gill Sans"/>
-              </a:rPr>
-              <a:t>removes the time-slice concept as we have seen it so far</a:t>
-            </a:r>
-            <a:endParaRPr lang="en-US" sz="1400" dirty="0">
-              <a:latin typeface="Arial" panose="020B0604020202020204" pitchFamily="34" charset="0"/>
-              <a:cs typeface="Arial" panose="020B0604020202020204" pitchFamily="34" charset="0"/>
-            </a:endParaRPr>
-          </a:p>
-          <a:p>
-            <a:pPr marL="486651" indent="-313644">
-              <a:buClr>
-                <a:schemeClr val="dk1"/>
-              </a:buClr>
-              <a:buSzPts val="3000"/>
-              <a:buFont typeface="Arial"/>
-              <a:buChar char="•"/>
-            </a:pPr>
-            <a:r>
-              <a:rPr lang="en-US" sz="2400" dirty="0">
-                <a:latin typeface="Arial" panose="020B0604020202020204" pitchFamily="34" charset="0"/>
-                <a:ea typeface="Gill Sans"/>
-                <a:cs typeface="Arial" panose="020B0604020202020204" pitchFamily="34" charset="0"/>
-                <a:sym typeface="Gill Sans"/>
-              </a:rPr>
-              <a:t>Instead, assign each process a proportion of the processor</a:t>
-            </a:r>
-            <a:endParaRPr lang="en-US" sz="1400" dirty="0">
-              <a:latin typeface="Arial" panose="020B0604020202020204" pitchFamily="34" charset="0"/>
-              <a:cs typeface="Arial" panose="020B0604020202020204" pitchFamily="34" charset="0"/>
-            </a:endParaRPr>
-          </a:p>
-          <a:p>
-            <a:pPr marL="486651" indent="-313644">
-              <a:buClr>
-                <a:schemeClr val="dk1"/>
-              </a:buClr>
-              <a:buSzPts val="2800"/>
-              <a:buFont typeface="Arial"/>
-              <a:buChar char="•"/>
-            </a:pPr>
-            <a:r>
-              <a:rPr lang="en-US" sz="2400" dirty="0">
-                <a:solidFill>
-                  <a:schemeClr val="dk1"/>
-                </a:solidFill>
-                <a:latin typeface="Arial" panose="020B0604020202020204" pitchFamily="34" charset="0"/>
-                <a:ea typeface="Gill Sans"/>
-                <a:cs typeface="Arial" panose="020B0604020202020204" pitchFamily="34" charset="0"/>
-                <a:sym typeface="Gill Sans"/>
-              </a:rPr>
-              <a:t>Yields constant fairness but a variable switching rate</a:t>
-            </a:r>
-            <a:endParaRPr sz="1600" dirty="0">
-              <a:latin typeface="Arial" panose="020B0604020202020204" pitchFamily="34" charset="0"/>
-              <a:cs typeface="Arial" panose="020B0604020202020204" pitchFamily="34" charset="0"/>
-            </a:endParaRPr>
-          </a:p>
-          <a:p>
-            <a:pPr marL="173005"/>
-            <a:endParaRPr sz="2400" dirty="0">
-              <a:solidFill>
-                <a:schemeClr val="dk1"/>
-              </a:solidFill>
-              <a:latin typeface="Arial" panose="020B0604020202020204" pitchFamily="34" charset="0"/>
-              <a:ea typeface="Gill Sans"/>
-              <a:cs typeface="Arial" panose="020B0604020202020204" pitchFamily="34" charset="0"/>
-              <a:sym typeface="Gill Sans"/>
-            </a:endParaRPr>
-          </a:p>
-          <a:p>
-            <a:pPr marL="173005">
-              <a:lnSpc>
-                <a:spcPct val="80000"/>
-              </a:lnSpc>
-            </a:pPr>
-            <a:r>
-              <a:rPr lang="en-US" sz="2400" dirty="0">
-                <a:solidFill>
-                  <a:schemeClr val="dk1"/>
-                </a:solidFill>
-                <a:latin typeface="Arial" panose="020B0604020202020204" pitchFamily="34" charset="0"/>
-                <a:ea typeface="Gill Sans"/>
-                <a:cs typeface="Arial" panose="020B0604020202020204" pitchFamily="34" charset="0"/>
-                <a:sym typeface="Gill Sans"/>
-              </a:rPr>
-              <a:t>Assume there are two processes</a:t>
-            </a:r>
-            <a:endParaRPr sz="1600" dirty="0">
-              <a:latin typeface="Arial" panose="020B0604020202020204" pitchFamily="34" charset="0"/>
-              <a:cs typeface="Arial" panose="020B0604020202020204" pitchFamily="34" charset="0"/>
-            </a:endParaRPr>
-          </a:p>
-          <a:p>
-            <a:pPr marL="486651" lvl="1" indent="-313644">
-              <a:buClr>
-                <a:schemeClr val="dk1"/>
-              </a:buClr>
-              <a:buSzPts val="2800"/>
-              <a:buFont typeface="Arial"/>
-              <a:buChar char="•"/>
-            </a:pPr>
-            <a:r>
-              <a:rPr lang="en-US" sz="2400" dirty="0">
-                <a:solidFill>
-                  <a:schemeClr val="dk1"/>
-                </a:solidFill>
-                <a:latin typeface="Arial" panose="020B0604020202020204" pitchFamily="34" charset="0"/>
-                <a:ea typeface="Gill Sans"/>
-                <a:cs typeface="Arial" panose="020B0604020202020204" pitchFamily="34" charset="0"/>
-                <a:sym typeface="Gill Sans"/>
-              </a:rPr>
-              <a:t>Unix model - run one process for 5ms and another for 5ms</a:t>
-            </a:r>
-            <a:endParaRPr sz="1600" dirty="0">
-              <a:latin typeface="Arial" panose="020B0604020202020204" pitchFamily="34" charset="0"/>
-              <a:cs typeface="Arial" panose="020B0604020202020204" pitchFamily="34" charset="0"/>
-            </a:endParaRPr>
-          </a:p>
-          <a:p>
-            <a:pPr marL="486651" lvl="2" indent="-313644">
-              <a:buClr>
-                <a:schemeClr val="dk1"/>
-              </a:buClr>
-              <a:buSzPts val="2800"/>
-              <a:buFont typeface="Arial"/>
-              <a:buChar char="•"/>
-            </a:pPr>
-            <a:r>
-              <a:rPr lang="en-US" sz="2400" dirty="0">
-                <a:solidFill>
-                  <a:schemeClr val="dk1"/>
-                </a:solidFill>
-                <a:latin typeface="Arial" panose="020B0604020202020204" pitchFamily="34" charset="0"/>
-                <a:ea typeface="Gill Sans"/>
-                <a:cs typeface="Arial" panose="020B0604020202020204" pitchFamily="34" charset="0"/>
-                <a:sym typeface="Gill Sans"/>
-              </a:rPr>
-              <a:t>Each process receives 100% of the processor</a:t>
-            </a:r>
-            <a:endParaRPr sz="1600" dirty="0">
-              <a:latin typeface="Arial" panose="020B0604020202020204" pitchFamily="34" charset="0"/>
-              <a:cs typeface="Arial" panose="020B0604020202020204" pitchFamily="34" charset="0"/>
-            </a:endParaRPr>
-          </a:p>
-          <a:p>
-            <a:pPr marL="486651" lvl="1" indent="-313644">
-              <a:buClr>
-                <a:schemeClr val="dk1"/>
-              </a:buClr>
-              <a:buSzPts val="2800"/>
-              <a:buFont typeface="Arial"/>
-              <a:buChar char="•"/>
-            </a:pPr>
-            <a:r>
-              <a:rPr lang="en-US" sz="2400" dirty="0">
-                <a:solidFill>
-                  <a:schemeClr val="dk1"/>
-                </a:solidFill>
-                <a:latin typeface="Arial" panose="020B0604020202020204" pitchFamily="34" charset="0"/>
-                <a:ea typeface="Gill Sans"/>
-                <a:cs typeface="Arial" panose="020B0604020202020204" pitchFamily="34" charset="0"/>
-                <a:sym typeface="Gill Sans"/>
-              </a:rPr>
-              <a:t>IDEAL System: Perfect multitasking processor</a:t>
-            </a:r>
-            <a:endParaRPr sz="1600" dirty="0">
-              <a:latin typeface="Arial" panose="020B0604020202020204" pitchFamily="34" charset="0"/>
-              <a:cs typeface="Arial" panose="020B0604020202020204" pitchFamily="34" charset="0"/>
-            </a:endParaRPr>
-          </a:p>
-          <a:p>
-            <a:pPr marL="738905" lvl="3" indent="-321457">
-              <a:buClr>
-                <a:schemeClr val="dk1"/>
-              </a:buClr>
-              <a:buSzPts val="2800"/>
-              <a:buFont typeface="Courier New"/>
-              <a:buChar char="o"/>
-            </a:pPr>
-            <a:r>
-              <a:rPr lang="en-US" sz="2400" dirty="0">
-                <a:solidFill>
-                  <a:schemeClr val="dk1"/>
-                </a:solidFill>
-                <a:latin typeface="Arial" panose="020B0604020202020204" pitchFamily="34" charset="0"/>
-                <a:ea typeface="Gill Sans"/>
-                <a:cs typeface="Arial" panose="020B0604020202020204" pitchFamily="34" charset="0"/>
-                <a:sym typeface="Gill Sans"/>
-              </a:rPr>
-              <a:t> Run both processes simultaneously for 10 milliseconds</a:t>
-            </a:r>
-            <a:endParaRPr sz="1600" dirty="0">
-              <a:latin typeface="Arial" panose="020B0604020202020204" pitchFamily="34" charset="0"/>
-              <a:cs typeface="Arial" panose="020B0604020202020204" pitchFamily="34" charset="0"/>
-            </a:endParaRPr>
-          </a:p>
-          <a:p>
-            <a:pPr marL="773507" lvl="2" indent="-321457">
-              <a:buClr>
-                <a:schemeClr val="dk1"/>
-              </a:buClr>
-              <a:buSzPts val="2800"/>
-              <a:buFont typeface="Courier New"/>
-              <a:buChar char="o"/>
-            </a:pPr>
-            <a:r>
-              <a:rPr lang="en-US" sz="2400" dirty="0">
-                <a:solidFill>
-                  <a:schemeClr val="dk1"/>
-                </a:solidFill>
-                <a:latin typeface="Arial" panose="020B0604020202020204" pitchFamily="34" charset="0"/>
-                <a:ea typeface="Gill Sans"/>
-                <a:cs typeface="Arial" panose="020B0604020202020204" pitchFamily="34" charset="0"/>
-                <a:sym typeface="Gill Sans"/>
-              </a:rPr>
-              <a:t>Each at 50% power - called “perfect multitasking”</a:t>
-            </a:r>
-            <a:endParaRPr sz="1600" dirty="0">
-              <a:latin typeface="Arial" panose="020B0604020202020204" pitchFamily="34" charset="0"/>
-              <a:cs typeface="Arial" panose="020B0604020202020204" pitchFamily="34" charset="0"/>
-            </a:endParaRPr>
-          </a:p>
-          <a:p>
-            <a:pPr marL="173005"/>
-            <a:endParaRPr sz="2400" dirty="0">
-              <a:solidFill>
-                <a:schemeClr val="dk1"/>
-              </a:solidFill>
-              <a:latin typeface="Arial" panose="020B0604020202020204" pitchFamily="34" charset="0"/>
-              <a:ea typeface="Gill Sans"/>
-              <a:cs typeface="Arial" panose="020B0604020202020204" pitchFamily="34" charset="0"/>
-              <a:sym typeface="Gill Sans"/>
-            </a:endParaRPr>
-          </a:p>
-          <a:p>
-            <a:pPr marL="173005">
-              <a:lnSpc>
-                <a:spcPct val="80000"/>
-              </a:lnSpc>
-            </a:pPr>
-            <a:r>
-              <a:rPr lang="en-US" sz="2400" dirty="0">
-                <a:solidFill>
-                  <a:schemeClr val="dk1"/>
-                </a:solidFill>
-                <a:latin typeface="Arial" panose="020B0604020202020204" pitchFamily="34" charset="0"/>
-                <a:ea typeface="Gill Sans"/>
-                <a:cs typeface="Arial" panose="020B0604020202020204" pitchFamily="34" charset="0"/>
-                <a:sym typeface="Gill Sans"/>
-              </a:rPr>
-              <a:t>Ideal Multiprocessor possible? Why or why not?</a:t>
-            </a:r>
-            <a:endParaRPr sz="1600" dirty="0">
-              <a:latin typeface="Arial" panose="020B0604020202020204" pitchFamily="34" charset="0"/>
-              <a:cs typeface="Arial" panose="020B0604020202020204" pitchFamily="34" charset="0"/>
-            </a:endParaRPr>
-          </a:p>
-          <a:p>
-            <a:endParaRPr sz="3200" dirty="0">
-              <a:solidFill>
-                <a:schemeClr val="dk1"/>
-              </a:solidFill>
-              <a:latin typeface="Arial" panose="020B0604020202020204" pitchFamily="34" charset="0"/>
-              <a:ea typeface="Gill Sans"/>
-              <a:cs typeface="Arial" panose="020B0604020202020204" pitchFamily="34" charset="0"/>
-              <a:sym typeface="Gill Sans"/>
-            </a:endParaRPr>
-          </a:p>
-        </p:txBody>
-      </p:sp>
-    </p:spTree>
-  </p:cSld>
-  <p:clrMapOvr>
-    <a:masterClrMapping/>
-  </p:clrMapOvr>
-  <p:timing>
-    <p:tnLst>
-      <p:par>
-        <p:cTn id="1" dur="indefinite" restart="never" nodeType="tmRoot">
-          <p:childTnLst>
-            <p:seq concurrent="1" nextAc="seek">
-              <p:cTn id="2" dur="indefinite" nodeType="mainSeq">
-                <p:childTnLst>
-                  <p:par>
-                    <p:cTn id="3" fill="hold">
-                      <p:stCondLst>
-                        <p:cond delay="indefinite"/>
-                      </p:stCondLst>
-                      <p:childTnLst>
-                        <p:par>
-                          <p:cTn id="4" fill="hold">
-                            <p:stCondLst>
-                              <p:cond delay="0"/>
-                            </p:stCondLst>
-                            <p:childTnLst>
-                              <p:par>
-                                <p:cTn id="5" presetID="1" presetClass="entr" presetSubtype="0" fill="hold" nodeType="clickEffect">
-                                  <p:stCondLst>
-                                    <p:cond delay="0"/>
-                                  </p:stCondLst>
-                                  <p:childTnLst>
-                                    <p:set>
-                                      <p:cBhvr>
-                                        <p:cTn id="6" dur="1" fill="hold">
-                                          <p:stCondLst>
-                                            <p:cond delay="0"/>
-                                          </p:stCondLst>
-                                        </p:cTn>
-                                        <p:tgtEl>
-                                          <p:spTgt spid="735">
-                                            <p:txEl>
-                                              <p:pRg st="4" end="4"/>
-                                            </p:txEl>
-                                          </p:spTgt>
-                                        </p:tgtEl>
-                                        <p:attrNameLst>
-                                          <p:attrName>style.visibility</p:attrName>
-                                        </p:attrNameLst>
-                                      </p:cBhvr>
-                                      <p:to>
-                                        <p:strVal val="visible"/>
-                                      </p:to>
-                                    </p:set>
-                                  </p:childTnLst>
-                                </p:cTn>
-                              </p:par>
-                              <p:par>
-                                <p:cTn id="7" presetID="1" presetClass="entr" presetSubtype="0" fill="hold" nodeType="withEffect">
-                                  <p:stCondLst>
-                                    <p:cond delay="0"/>
-                                  </p:stCondLst>
-                                  <p:childTnLst>
-                                    <p:set>
-                                      <p:cBhvr>
-                                        <p:cTn id="8" dur="1" fill="hold">
-                                          <p:stCondLst>
-                                            <p:cond delay="0"/>
-                                          </p:stCondLst>
-                                        </p:cTn>
-                                        <p:tgtEl>
-                                          <p:spTgt spid="735">
-                                            <p:txEl>
-                                              <p:pRg st="5" end="5"/>
-                                            </p:txEl>
-                                          </p:spTgt>
-                                        </p:tgtEl>
-                                        <p:attrNameLst>
-                                          <p:attrName>style.visibility</p:attrName>
-                                        </p:attrNameLst>
-                                      </p:cBhvr>
-                                      <p:to>
-                                        <p:strVal val="visible"/>
-                                      </p:to>
-                                    </p:set>
-                                  </p:childTnLst>
-                                </p:cTn>
-                              </p:par>
-                              <p:par>
-                                <p:cTn id="9" presetID="1" presetClass="entr" presetSubtype="0" fill="hold" nodeType="withEffect">
-                                  <p:stCondLst>
-                                    <p:cond delay="0"/>
-                                  </p:stCondLst>
-                                  <p:childTnLst>
-                                    <p:set>
-                                      <p:cBhvr>
-                                        <p:cTn id="10" dur="1" fill="hold">
-                                          <p:stCondLst>
-                                            <p:cond delay="0"/>
-                                          </p:stCondLst>
-                                        </p:cTn>
-                                        <p:tgtEl>
-                                          <p:spTgt spid="735">
-                                            <p:txEl>
-                                              <p:pRg st="6" end="6"/>
-                                            </p:txEl>
-                                          </p:spTgt>
-                                        </p:tgtEl>
-                                        <p:attrNameLst>
-                                          <p:attrName>style.visibility</p:attrName>
-                                        </p:attrNameLst>
-                                      </p:cBhvr>
-                                      <p:to>
-                                        <p:strVal val="visible"/>
-                                      </p:to>
-                                    </p:set>
-                                  </p:childTnLst>
-                                </p:cTn>
-                              </p:par>
-                              <p:par>
-                                <p:cTn id="11" presetID="1" presetClass="entr" presetSubtype="0" fill="hold" nodeType="withEffect">
-                                  <p:stCondLst>
-                                    <p:cond delay="0"/>
-                                  </p:stCondLst>
-                                  <p:childTnLst>
-                                    <p:set>
-                                      <p:cBhvr>
-                                        <p:cTn id="12" dur="1" fill="hold">
-                                          <p:stCondLst>
-                                            <p:cond delay="0"/>
-                                          </p:stCondLst>
-                                        </p:cTn>
-                                        <p:tgtEl>
-                                          <p:spTgt spid="735">
-                                            <p:txEl>
-                                              <p:pRg st="7" end="7"/>
-                                            </p:txEl>
-                                          </p:spTgt>
-                                        </p:tgtEl>
-                                        <p:attrNameLst>
-                                          <p:attrName>style.visibility</p:attrName>
-                                        </p:attrNameLst>
-                                      </p:cBhvr>
-                                      <p:to>
-                                        <p:strVal val="visible"/>
-                                      </p:to>
-                                    </p:set>
-                                  </p:childTnLst>
-                                </p:cTn>
-                              </p:par>
-                              <p:par>
-                                <p:cTn id="13" presetID="1" presetClass="entr" presetSubtype="0" fill="hold" nodeType="withEffect">
-                                  <p:stCondLst>
-                                    <p:cond delay="0"/>
-                                  </p:stCondLst>
-                                  <p:childTnLst>
-                                    <p:set>
-                                      <p:cBhvr>
-                                        <p:cTn id="14" dur="1" fill="hold">
-                                          <p:stCondLst>
-                                            <p:cond delay="0"/>
-                                          </p:stCondLst>
-                                        </p:cTn>
-                                        <p:tgtEl>
-                                          <p:spTgt spid="735">
-                                            <p:txEl>
-                                              <p:pRg st="8" end="8"/>
-                                            </p:txEl>
-                                          </p:spTgt>
-                                        </p:tgtEl>
-                                        <p:attrNameLst>
-                                          <p:attrName>style.visibility</p:attrName>
-                                        </p:attrNameLst>
-                                      </p:cBhvr>
-                                      <p:to>
-                                        <p:strVal val="visible"/>
-                                      </p:to>
-                                    </p:set>
-                                  </p:childTnLst>
-                                </p:cTn>
-                              </p:par>
-                            </p:childTnLst>
-                          </p:cTn>
-                        </p:par>
-                      </p:childTnLst>
-                    </p:cTn>
-                  </p:par>
-                  <p:par>
-                    <p:cTn id="15" fill="hold">
-                      <p:stCondLst>
-                        <p:cond delay="indefinite"/>
-                      </p:stCondLst>
-                      <p:childTnLst>
-                        <p:par>
-                          <p:cTn id="16" fill="hold">
-                            <p:stCondLst>
-                              <p:cond delay="0"/>
-                            </p:stCondLst>
-                            <p:childTnLst>
-                              <p:par>
-                                <p:cTn id="17" presetID="1" presetClass="entr" presetSubtype="0" fill="hold" nodeType="clickEffect">
-                                  <p:stCondLst>
-                                    <p:cond delay="0"/>
-                                  </p:stCondLst>
-                                  <p:childTnLst>
-                                    <p:set>
-                                      <p:cBhvr>
-                                        <p:cTn id="18" dur="1" fill="hold">
-                                          <p:stCondLst>
-                                            <p:cond delay="0"/>
-                                          </p:stCondLst>
-                                        </p:cTn>
-                                        <p:tgtEl>
-                                          <p:spTgt spid="735">
-                                            <p:txEl>
-                                              <p:pRg st="9" end="9"/>
-                                            </p:txEl>
-                                          </p:spTgt>
-                                        </p:tgtEl>
-                                        <p:attrNameLst>
-                                          <p:attrName>style.visibility</p:attrName>
-                                        </p:attrNameLst>
-                                      </p:cBhvr>
-                                      <p:to>
-                                        <p:strVal val="visible"/>
-                                      </p:to>
-                                    </p:set>
-                                  </p:childTnLst>
-                                </p:cTn>
-                              </p:par>
-                              <p:par>
-                                <p:cTn id="19" presetID="1" presetClass="entr" presetSubtype="0" fill="hold" nodeType="withEffect">
-                                  <p:stCondLst>
-                                    <p:cond delay="0"/>
-                                  </p:stCondLst>
-                                  <p:childTnLst>
-                                    <p:set>
-                                      <p:cBhvr>
-                                        <p:cTn id="20" dur="1" fill="hold">
-                                          <p:stCondLst>
-                                            <p:cond delay="0"/>
-                                          </p:stCondLst>
-                                        </p:cTn>
-                                        <p:tgtEl>
-                                          <p:spTgt spid="735">
-                                            <p:txEl>
-                                              <p:pRg st="11" end="11"/>
-                                            </p:txEl>
-                                          </p:spTgt>
-                                        </p:tgtEl>
-                                        <p:attrNameLst>
-                                          <p:attrName>style.visibility</p:attrName>
-                                        </p:attrNameLst>
-                                      </p:cBhvr>
-                                      <p:to>
-                                        <p:strVal val="visible"/>
-                                      </p:to>
-                                    </p:set>
-                                  </p:childTnLst>
-                                </p:cTn>
-                              </p:par>
-                            </p:childTnLst>
-                          </p:cTn>
-                        </p:par>
-                      </p:childTnLst>
-                    </p:cTn>
-                  </p:par>
-                </p:childTnLst>
-              </p:cTn>
-              <p:prevCondLst>
-                <p:cond evt="onPrev" delay="0">
-                  <p:tgtEl>
-                    <p:sldTgt/>
-                  </p:tgtEl>
-                </p:cond>
-              </p:prevCondLst>
-              <p:nextCondLst>
-                <p:cond evt="onNext" delay="0">
-                  <p:tgtEl>
-                    <p:sldTgt/>
-                  </p:tgtEl>
-                </p:cond>
-              </p:nextCondLst>
-            </p:seq>
-          </p:childTnLst>
-        </p:cTn>
-      </p:par>
-    </p:tnLst>
   </p:timing>
 </p:sld>
 </file>
@@ -52062,2374 +48635,6 @@
 </p:sld>
 </file>
 
-<file path=ppt/slides/slide60.xml><?xml version="1.0" encoding="utf-8"?>
-<p:sld xmlns:a="http://schemas.openxmlformats.org/drawingml/2006/main" xmlns:r="http://schemas.openxmlformats.org/officeDocument/2006/relationships" xmlns:p="http://schemas.openxmlformats.org/presentationml/2006/main">
-  <p:cSld>
-    <p:spTree>
-      <p:nvGrpSpPr>
-        <p:cNvPr id="1" name="Shape 739"/>
-        <p:cNvGrpSpPr/>
-        <p:nvPr/>
-      </p:nvGrpSpPr>
-      <p:grpSpPr>
-        <a:xfrm>
-          <a:off x="0" y="0"/>
-          <a:ext cx="0" cy="0"/>
-          <a:chOff x="0" y="0"/>
-          <a:chExt cx="0" cy="0"/>
-        </a:xfrm>
-      </p:grpSpPr>
-      <p:sp>
-        <p:nvSpPr>
-          <p:cNvPr id="740" name="Google Shape;740;p38"/>
-          <p:cNvSpPr txBox="1">
-            <a:spLocks noGrp="1"/>
-          </p:cNvSpPr>
-          <p:nvPr>
-            <p:ph type="title"/>
-          </p:nvPr>
-        </p:nvSpPr>
-        <p:spPr>
-          <a:xfrm>
-            <a:off x="2303463" y="63500"/>
-            <a:ext cx="7583487" cy="1282700"/>
-          </a:xfrm>
-          <a:prstGeom prst="rect">
-            <a:avLst/>
-          </a:prstGeom>
-          <a:noFill/>
-          <a:ln>
-            <a:noFill/>
-          </a:ln>
-        </p:spPr>
-        <p:txBody>
-          <a:bodyPr spcFirstLastPara="1" vert="horz" wrap="square" lIns="64283" tIns="32133" rIns="64283" bIns="32133" rtlCol="0" anchor="ctr" anchorCtr="0">
-            <a:noAutofit/>
-          </a:bodyPr>
-          <a:lstStyle/>
-          <a:p>
-            <a:pPr algn="ctr">
-              <a:spcBef>
-                <a:spcPts val="0"/>
-              </a:spcBef>
-            </a:pPr>
-            <a:r>
-              <a:rPr lang="en-US" sz="4556" dirty="0">
-                <a:latin typeface="Arial" panose="020B0604020202020204" pitchFamily="34" charset="0"/>
-                <a:ea typeface="Gill Sans"/>
-                <a:cs typeface="Arial" panose="020B0604020202020204" pitchFamily="34" charset="0"/>
-                <a:sym typeface="Gill Sans"/>
-              </a:rPr>
-              <a:t>Completely Fair Scheduling (CFS)</a:t>
-            </a:r>
-            <a:endParaRPr dirty="0">
-              <a:latin typeface="Arial" panose="020B0604020202020204" pitchFamily="34" charset="0"/>
-              <a:cs typeface="Arial" panose="020B0604020202020204" pitchFamily="34" charset="0"/>
-            </a:endParaRPr>
-          </a:p>
-        </p:txBody>
-      </p:sp>
-      <p:sp>
-        <p:nvSpPr>
-          <p:cNvPr id="741" name="Google Shape;741;p38"/>
-          <p:cNvSpPr txBox="1"/>
-          <p:nvPr/>
-        </p:nvSpPr>
-        <p:spPr>
-          <a:xfrm>
-            <a:off x="-544225" y="4161559"/>
-            <a:ext cx="129889" cy="454359"/>
-          </a:xfrm>
-          <a:prstGeom prst="rect">
-            <a:avLst/>
-          </a:prstGeom>
-          <a:noFill/>
-          <a:ln>
-            <a:noFill/>
-          </a:ln>
-        </p:spPr>
-        <p:txBody>
-          <a:bodyPr spcFirstLastPara="1" wrap="square" lIns="64283" tIns="32133" rIns="64283" bIns="32133" anchor="t" anchorCtr="0">
-            <a:spAutoFit/>
-          </a:bodyPr>
-          <a:lstStyle/>
-          <a:p>
-            <a:pPr algn="ctr"/>
-            <a:endParaRPr sz="2531">
-              <a:solidFill>
-                <a:srgbClr val="FFFFFF"/>
-              </a:solidFill>
-              <a:latin typeface="Lustria"/>
-              <a:ea typeface="Lustria"/>
-              <a:cs typeface="Lustria"/>
-              <a:sym typeface="Lustria"/>
-            </a:endParaRPr>
-          </a:p>
-        </p:txBody>
-      </p:sp>
-      <p:sp>
-        <p:nvSpPr>
-          <p:cNvPr id="742" name="Google Shape;742;p38"/>
-          <p:cNvSpPr/>
-          <p:nvPr/>
-        </p:nvSpPr>
-        <p:spPr>
-          <a:xfrm>
-            <a:off x="1122743" y="1611122"/>
-            <a:ext cx="10313043" cy="4219877"/>
-          </a:xfrm>
-          <a:prstGeom prst="rect">
-            <a:avLst/>
-          </a:prstGeom>
-          <a:noFill/>
-          <a:ln>
-            <a:noFill/>
-          </a:ln>
-        </p:spPr>
-        <p:txBody>
-          <a:bodyPr spcFirstLastPara="1" wrap="square" lIns="64283" tIns="32133" rIns="64283" bIns="32133" anchor="t" anchorCtr="0">
-            <a:spAutoFit/>
-          </a:bodyPr>
-          <a:lstStyle/>
-          <a:p>
-            <a:r>
-              <a:rPr lang="en-US" sz="2250" dirty="0">
-                <a:solidFill>
-                  <a:srgbClr val="000000"/>
-                </a:solidFill>
-                <a:latin typeface="Arial" panose="020B0604020202020204" pitchFamily="34" charset="0"/>
-                <a:ea typeface="Gill Sans"/>
-                <a:cs typeface="Arial" panose="020B0604020202020204" pitchFamily="34" charset="0"/>
-                <a:sym typeface="Gill Sans"/>
-              </a:rPr>
-              <a:t>Rank processes based on their worth and need for processor time</a:t>
-            </a:r>
-            <a:endParaRPr sz="1266" dirty="0">
-              <a:latin typeface="Arial" panose="020B0604020202020204" pitchFamily="34" charset="0"/>
-              <a:cs typeface="Arial" panose="020B0604020202020204" pitchFamily="34" charset="0"/>
-            </a:endParaRPr>
-          </a:p>
-          <a:p>
-            <a:endParaRPr sz="2250" dirty="0">
-              <a:solidFill>
-                <a:srgbClr val="000000"/>
-              </a:solidFill>
-              <a:latin typeface="Arial" panose="020B0604020202020204" pitchFamily="34" charset="0"/>
-              <a:ea typeface="Gill Sans"/>
-              <a:cs typeface="Arial" panose="020B0604020202020204" pitchFamily="34" charset="0"/>
-              <a:sym typeface="Gill Sans"/>
-            </a:endParaRPr>
-          </a:p>
-          <a:p>
-            <a:r>
-              <a:rPr lang="en-US" sz="2250" dirty="0">
-                <a:solidFill>
-                  <a:srgbClr val="000000"/>
-                </a:solidFill>
-                <a:latin typeface="Arial" panose="020B0604020202020204" pitchFamily="34" charset="0"/>
-                <a:ea typeface="Gill Sans"/>
-                <a:cs typeface="Arial" panose="020B0604020202020204" pitchFamily="34" charset="0"/>
-                <a:sym typeface="Gill Sans"/>
-              </a:rPr>
-              <a:t>Processes with a higher priority run before those with a lower priority</a:t>
-            </a:r>
-            <a:endParaRPr sz="1266" dirty="0">
-              <a:latin typeface="Arial" panose="020B0604020202020204" pitchFamily="34" charset="0"/>
-              <a:cs typeface="Arial" panose="020B0604020202020204" pitchFamily="34" charset="0"/>
-            </a:endParaRPr>
-          </a:p>
-          <a:p>
-            <a:endParaRPr sz="2250" dirty="0">
-              <a:solidFill>
-                <a:srgbClr val="000000"/>
-              </a:solidFill>
-              <a:latin typeface="Arial" panose="020B0604020202020204" pitchFamily="34" charset="0"/>
-              <a:ea typeface="Gill Sans"/>
-              <a:cs typeface="Arial" panose="020B0604020202020204" pitchFamily="34" charset="0"/>
-              <a:sym typeface="Gill Sans"/>
-            </a:endParaRPr>
-          </a:p>
-          <a:p>
-            <a:r>
-              <a:rPr lang="en-US" sz="2250" dirty="0">
-                <a:solidFill>
-                  <a:srgbClr val="000000"/>
-                </a:solidFill>
-                <a:latin typeface="Arial" panose="020B0604020202020204" pitchFamily="34" charset="0"/>
-                <a:ea typeface="Gill Sans"/>
-                <a:cs typeface="Arial" panose="020B0604020202020204" pitchFamily="34" charset="0"/>
-                <a:sym typeface="Gill Sans"/>
-              </a:rPr>
-              <a:t>Linux has two priority ranges</a:t>
-            </a:r>
-            <a:endParaRPr sz="1266" dirty="0">
-              <a:latin typeface="Arial" panose="020B0604020202020204" pitchFamily="34" charset="0"/>
-              <a:cs typeface="Arial" panose="020B0604020202020204" pitchFamily="34" charset="0"/>
-            </a:endParaRPr>
-          </a:p>
-          <a:p>
-            <a:pPr marL="325922"/>
-            <a:r>
-              <a:rPr lang="en-US" sz="2250" dirty="0">
-                <a:solidFill>
-                  <a:srgbClr val="000000"/>
-                </a:solidFill>
-                <a:latin typeface="Arial" panose="020B0604020202020204" pitchFamily="34" charset="0"/>
-                <a:ea typeface="Gill Sans"/>
-                <a:cs typeface="Arial" panose="020B0604020202020204" pitchFamily="34" charset="0"/>
-                <a:sym typeface="Gill Sans"/>
-              </a:rPr>
-              <a:t>• </a:t>
-            </a:r>
-            <a:r>
-              <a:rPr lang="en-US" sz="2250" dirty="0">
-                <a:solidFill>
-                  <a:srgbClr val="0070C0"/>
-                </a:solidFill>
-                <a:latin typeface="Arial" panose="020B0604020202020204" pitchFamily="34" charset="0"/>
-                <a:ea typeface="Gill Sans"/>
-                <a:cs typeface="Arial" panose="020B0604020202020204" pitchFamily="34" charset="0"/>
-                <a:sym typeface="Gill Sans"/>
-              </a:rPr>
-              <a:t>Nice value: ranges from -20 to +19 (default is 0)</a:t>
-            </a:r>
-            <a:endParaRPr sz="1266" dirty="0">
-              <a:latin typeface="Arial" panose="020B0604020202020204" pitchFamily="34" charset="0"/>
-              <a:cs typeface="Arial" panose="020B0604020202020204" pitchFamily="34" charset="0"/>
-            </a:endParaRPr>
-          </a:p>
-          <a:p>
-            <a:pPr marL="325922"/>
-            <a:r>
-              <a:rPr lang="en-US" sz="2250" dirty="0">
-                <a:solidFill>
-                  <a:srgbClr val="000000"/>
-                </a:solidFill>
-                <a:latin typeface="Arial" panose="020B0604020202020204" pitchFamily="34" charset="0"/>
-                <a:ea typeface="Gill Sans"/>
-                <a:cs typeface="Arial" panose="020B0604020202020204" pitchFamily="34" charset="0"/>
-                <a:sym typeface="Gill Sans"/>
-              </a:rPr>
-              <a:t>• High values of nice means lower priority </a:t>
-            </a:r>
-            <a:endParaRPr sz="1266" dirty="0">
-              <a:latin typeface="Arial" panose="020B0604020202020204" pitchFamily="34" charset="0"/>
-              <a:cs typeface="Arial" panose="020B0604020202020204" pitchFamily="34" charset="0"/>
-            </a:endParaRPr>
-          </a:p>
-          <a:p>
-            <a:pPr marL="325922"/>
-            <a:r>
-              <a:rPr lang="en-US" sz="2250" dirty="0">
-                <a:solidFill>
-                  <a:srgbClr val="000000"/>
-                </a:solidFill>
-                <a:latin typeface="Arial" panose="020B0604020202020204" pitchFamily="34" charset="0"/>
-                <a:ea typeface="Gill Sans"/>
-                <a:cs typeface="Arial" panose="020B0604020202020204" pitchFamily="34" charset="0"/>
-                <a:sym typeface="Gill Sans"/>
-              </a:rPr>
-              <a:t>• Real-time priority: ranges from 0 to 99</a:t>
-            </a:r>
-            <a:endParaRPr sz="1266" dirty="0">
-              <a:latin typeface="Arial" panose="020B0604020202020204" pitchFamily="34" charset="0"/>
-              <a:cs typeface="Arial" panose="020B0604020202020204" pitchFamily="34" charset="0"/>
-            </a:endParaRPr>
-          </a:p>
-          <a:p>
-            <a:pPr marL="325922"/>
-            <a:r>
-              <a:rPr lang="en-US" sz="2250" dirty="0">
-                <a:solidFill>
-                  <a:srgbClr val="000000"/>
-                </a:solidFill>
-                <a:latin typeface="Arial" panose="020B0604020202020204" pitchFamily="34" charset="0"/>
-                <a:ea typeface="Gill Sans"/>
-                <a:cs typeface="Arial" panose="020B0604020202020204" pitchFamily="34" charset="0"/>
-                <a:sym typeface="Gill Sans"/>
-              </a:rPr>
-              <a:t>• Higher values mean higher priority</a:t>
-            </a:r>
-            <a:endParaRPr sz="1266" dirty="0">
-              <a:latin typeface="Arial" panose="020B0604020202020204" pitchFamily="34" charset="0"/>
-              <a:cs typeface="Arial" panose="020B0604020202020204" pitchFamily="34" charset="0"/>
-            </a:endParaRPr>
-          </a:p>
-          <a:p>
-            <a:pPr marL="325922"/>
-            <a:r>
-              <a:rPr lang="en-US" sz="2250" dirty="0">
-                <a:solidFill>
-                  <a:srgbClr val="000000"/>
-                </a:solidFill>
-                <a:latin typeface="Arial" panose="020B0604020202020204" pitchFamily="34" charset="0"/>
-                <a:ea typeface="Gill Sans"/>
-                <a:cs typeface="Arial" panose="020B0604020202020204" pitchFamily="34" charset="0"/>
-                <a:sym typeface="Gill Sans"/>
-              </a:rPr>
-              <a:t>• Real-time processes always executes before standard (nice) processes</a:t>
-            </a:r>
-            <a:endParaRPr sz="1266" dirty="0">
-              <a:latin typeface="Arial" panose="020B0604020202020204" pitchFamily="34" charset="0"/>
-              <a:cs typeface="Arial" panose="020B0604020202020204" pitchFamily="34" charset="0"/>
-            </a:endParaRPr>
-          </a:p>
-          <a:p>
-            <a:pPr marL="325922"/>
-            <a:endParaRPr sz="2250" dirty="0">
-              <a:solidFill>
-                <a:srgbClr val="000000"/>
-              </a:solidFill>
-              <a:latin typeface="Arial" panose="020B0604020202020204" pitchFamily="34" charset="0"/>
-              <a:ea typeface="Gill Sans"/>
-              <a:cs typeface="Arial" panose="020B0604020202020204" pitchFamily="34" charset="0"/>
-              <a:sym typeface="Gill Sans"/>
-            </a:endParaRPr>
-          </a:p>
-          <a:p>
-            <a:pPr marL="325922"/>
-            <a:r>
-              <a:rPr lang="en-US" sz="2250" i="1" dirty="0">
-                <a:solidFill>
-                  <a:srgbClr val="000000"/>
-                </a:solidFill>
-                <a:latin typeface="Arial" panose="020B0604020202020204" pitchFamily="34" charset="0"/>
-                <a:ea typeface="Gill Sans"/>
-                <a:cs typeface="Arial" panose="020B0604020202020204" pitchFamily="34" charset="0"/>
-                <a:sym typeface="Gill Sans"/>
-              </a:rPr>
-              <a:t>			</a:t>
-            </a:r>
-            <a:r>
-              <a:rPr lang="en-US" sz="2250" i="1" dirty="0" err="1">
-                <a:solidFill>
-                  <a:srgbClr val="000000"/>
-                </a:solidFill>
-                <a:latin typeface="Arial" panose="020B0604020202020204" pitchFamily="34" charset="0"/>
-                <a:ea typeface="Gill Sans"/>
-                <a:cs typeface="Arial" panose="020B0604020202020204" pitchFamily="34" charset="0"/>
-                <a:sym typeface="Gill Sans"/>
-              </a:rPr>
-              <a:t>ps</a:t>
-            </a:r>
-            <a:r>
-              <a:rPr lang="en-US" sz="2250" i="1" dirty="0">
-                <a:solidFill>
-                  <a:srgbClr val="000000"/>
-                </a:solidFill>
-                <a:latin typeface="Arial" panose="020B0604020202020204" pitchFamily="34" charset="0"/>
-                <a:ea typeface="Gill Sans"/>
-                <a:cs typeface="Arial" panose="020B0604020202020204" pitchFamily="34" charset="0"/>
-                <a:sym typeface="Gill Sans"/>
-              </a:rPr>
-              <a:t> ax -</a:t>
-            </a:r>
-            <a:r>
-              <a:rPr lang="en-US" sz="2250" i="1" dirty="0" err="1">
-                <a:solidFill>
-                  <a:srgbClr val="000000"/>
-                </a:solidFill>
-                <a:latin typeface="Arial" panose="020B0604020202020204" pitchFamily="34" charset="0"/>
-                <a:ea typeface="Gill Sans"/>
-                <a:cs typeface="Arial" panose="020B0604020202020204" pitchFamily="34" charset="0"/>
-                <a:sym typeface="Gill Sans"/>
-              </a:rPr>
-              <a:t>eo</a:t>
-            </a:r>
-            <a:r>
-              <a:rPr lang="en-US" sz="2250" i="1" dirty="0">
-                <a:solidFill>
-                  <a:srgbClr val="000000"/>
-                </a:solidFill>
-                <a:latin typeface="Arial" panose="020B0604020202020204" pitchFamily="34" charset="0"/>
-                <a:ea typeface="Gill Sans"/>
-                <a:cs typeface="Arial" panose="020B0604020202020204" pitchFamily="34" charset="0"/>
-                <a:sym typeface="Gill Sans"/>
-              </a:rPr>
-              <a:t> </a:t>
-            </a:r>
-            <a:r>
-              <a:rPr lang="en-US" sz="2250" i="1" dirty="0" err="1">
-                <a:solidFill>
-                  <a:srgbClr val="000000"/>
-                </a:solidFill>
-                <a:latin typeface="Arial" panose="020B0604020202020204" pitchFamily="34" charset="0"/>
-                <a:ea typeface="Gill Sans"/>
-                <a:cs typeface="Arial" panose="020B0604020202020204" pitchFamily="34" charset="0"/>
-                <a:sym typeface="Gill Sans"/>
-              </a:rPr>
-              <a:t>pid,ni,rtprio,cmd</a:t>
-            </a:r>
-            <a:endParaRPr sz="2250" i="1" dirty="0">
-              <a:solidFill>
-                <a:srgbClr val="000000"/>
-              </a:solidFill>
-              <a:latin typeface="Arial" panose="020B0604020202020204" pitchFamily="34" charset="0"/>
-              <a:ea typeface="Gill Sans"/>
-              <a:cs typeface="Arial" panose="020B0604020202020204" pitchFamily="34" charset="0"/>
-              <a:sym typeface="Gill Sans"/>
-            </a:endParaRPr>
-          </a:p>
-        </p:txBody>
-      </p:sp>
-    </p:spTree>
-  </p:cSld>
-  <p:clrMapOvr>
-    <a:masterClrMapping/>
-  </p:clrMapOvr>
-</p:sld>
-</file>
-
-<file path=ppt/slides/slide61.xml><?xml version="1.0" encoding="utf-8"?>
-<p:sld xmlns:a="http://schemas.openxmlformats.org/drawingml/2006/main" xmlns:r="http://schemas.openxmlformats.org/officeDocument/2006/relationships" xmlns:p="http://schemas.openxmlformats.org/presentationml/2006/main">
-  <p:cSld>
-    <p:spTree>
-      <p:nvGrpSpPr>
-        <p:cNvPr id="1" name="Shape 746"/>
-        <p:cNvGrpSpPr/>
-        <p:nvPr/>
-      </p:nvGrpSpPr>
-      <p:grpSpPr>
-        <a:xfrm>
-          <a:off x="0" y="0"/>
-          <a:ext cx="0" cy="0"/>
-          <a:chOff x="0" y="0"/>
-          <a:chExt cx="0" cy="0"/>
-        </a:xfrm>
-      </p:grpSpPr>
-      <p:sp>
-        <p:nvSpPr>
-          <p:cNvPr id="747" name="Google Shape;747;p39"/>
-          <p:cNvSpPr txBox="1">
-            <a:spLocks noGrp="1"/>
-          </p:cNvSpPr>
-          <p:nvPr>
-            <p:ph type="title"/>
-          </p:nvPr>
-        </p:nvSpPr>
-        <p:spPr>
-          <a:xfrm>
-            <a:off x="2303463" y="63500"/>
-            <a:ext cx="7583487" cy="1282700"/>
-          </a:xfrm>
-          <a:prstGeom prst="rect">
-            <a:avLst/>
-          </a:prstGeom>
-          <a:noFill/>
-          <a:ln>
-            <a:noFill/>
-          </a:ln>
-        </p:spPr>
-        <p:txBody>
-          <a:bodyPr spcFirstLastPara="1" vert="horz" wrap="square" lIns="64283" tIns="32133" rIns="64283" bIns="32133" rtlCol="0" anchor="ctr" anchorCtr="0">
-            <a:noAutofit/>
-          </a:bodyPr>
-          <a:lstStyle/>
-          <a:p>
-            <a:pPr algn="ctr">
-              <a:spcBef>
-                <a:spcPts val="0"/>
-              </a:spcBef>
-            </a:pPr>
-            <a:r>
-              <a:rPr lang="en-US" sz="4556" dirty="0">
-                <a:latin typeface="Arial" panose="020B0604020202020204" pitchFamily="34" charset="0"/>
-                <a:ea typeface="Gill Sans"/>
-                <a:cs typeface="Arial" panose="020B0604020202020204" pitchFamily="34" charset="0"/>
-                <a:sym typeface="Gill Sans"/>
-              </a:rPr>
-              <a:t>Linux CFS</a:t>
-            </a:r>
-            <a:endParaRPr dirty="0">
-              <a:latin typeface="Arial" panose="020B0604020202020204" pitchFamily="34" charset="0"/>
-              <a:cs typeface="Arial" panose="020B0604020202020204" pitchFamily="34" charset="0"/>
-            </a:endParaRPr>
-          </a:p>
-        </p:txBody>
-      </p:sp>
-      <p:sp>
-        <p:nvSpPr>
-          <p:cNvPr id="748" name="Google Shape;748;p39"/>
-          <p:cNvSpPr txBox="1"/>
-          <p:nvPr/>
-        </p:nvSpPr>
-        <p:spPr>
-          <a:xfrm>
-            <a:off x="-544225" y="4161559"/>
-            <a:ext cx="129889" cy="454359"/>
-          </a:xfrm>
-          <a:prstGeom prst="rect">
-            <a:avLst/>
-          </a:prstGeom>
-          <a:noFill/>
-          <a:ln>
-            <a:noFill/>
-          </a:ln>
-        </p:spPr>
-        <p:txBody>
-          <a:bodyPr spcFirstLastPara="1" wrap="square" lIns="64283" tIns="32133" rIns="64283" bIns="32133" anchor="t" anchorCtr="0">
-            <a:spAutoFit/>
-          </a:bodyPr>
-          <a:lstStyle/>
-          <a:p>
-            <a:pPr algn="ctr"/>
-            <a:endParaRPr sz="2531">
-              <a:solidFill>
-                <a:srgbClr val="FFFFFF"/>
-              </a:solidFill>
-              <a:latin typeface="Lustria"/>
-              <a:ea typeface="Lustria"/>
-              <a:cs typeface="Lustria"/>
-              <a:sym typeface="Lustria"/>
-            </a:endParaRPr>
-          </a:p>
-        </p:txBody>
-      </p:sp>
-      <p:sp>
-        <p:nvSpPr>
-          <p:cNvPr id="749" name="Google Shape;749;p39"/>
-          <p:cNvSpPr/>
-          <p:nvPr/>
-        </p:nvSpPr>
-        <p:spPr>
-          <a:xfrm>
-            <a:off x="1780334" y="1611122"/>
-            <a:ext cx="8887666" cy="4566126"/>
-          </a:xfrm>
-          <a:prstGeom prst="rect">
-            <a:avLst/>
-          </a:prstGeom>
-          <a:noFill/>
-          <a:ln>
-            <a:noFill/>
-          </a:ln>
-        </p:spPr>
-        <p:txBody>
-          <a:bodyPr spcFirstLastPara="1" wrap="square" lIns="64283" tIns="32133" rIns="64283" bIns="32133" anchor="t" anchorCtr="0">
-            <a:spAutoFit/>
-          </a:bodyPr>
-          <a:lstStyle/>
-          <a:p>
-            <a:r>
-              <a:rPr lang="en-US" sz="2250" dirty="0">
-                <a:solidFill>
-                  <a:srgbClr val="000000"/>
-                </a:solidFill>
-                <a:latin typeface="Arial" panose="020B0604020202020204" pitchFamily="34" charset="0"/>
-                <a:ea typeface="Gill Sans"/>
-                <a:cs typeface="Arial" panose="020B0604020202020204" pitchFamily="34" charset="0"/>
-                <a:sym typeface="Gill Sans"/>
-              </a:rPr>
-              <a:t>Rank processes based on their worth and need for processor time</a:t>
-            </a:r>
-            <a:endParaRPr sz="1266" dirty="0">
-              <a:latin typeface="Arial" panose="020B0604020202020204" pitchFamily="34" charset="0"/>
-              <a:cs typeface="Arial" panose="020B0604020202020204" pitchFamily="34" charset="0"/>
-            </a:endParaRPr>
-          </a:p>
-          <a:p>
-            <a:endParaRPr sz="2250" dirty="0">
-              <a:solidFill>
-                <a:srgbClr val="000000"/>
-              </a:solidFill>
-              <a:latin typeface="Arial" panose="020B0604020202020204" pitchFamily="34" charset="0"/>
-              <a:ea typeface="Gill Sans"/>
-              <a:cs typeface="Arial" panose="020B0604020202020204" pitchFamily="34" charset="0"/>
-              <a:sym typeface="Gill Sans"/>
-            </a:endParaRPr>
-          </a:p>
-          <a:p>
-            <a:r>
-              <a:rPr lang="en-US" sz="2250" dirty="0">
-                <a:solidFill>
-                  <a:srgbClr val="000000"/>
-                </a:solidFill>
-                <a:latin typeface="Arial" panose="020B0604020202020204" pitchFamily="34" charset="0"/>
-                <a:ea typeface="Gill Sans"/>
-                <a:cs typeface="Arial" panose="020B0604020202020204" pitchFamily="34" charset="0"/>
-                <a:sym typeface="Gill Sans"/>
-              </a:rPr>
-              <a:t>Processes with a higher priority run before those with a lower priority</a:t>
-            </a:r>
-            <a:endParaRPr sz="1266" dirty="0">
-              <a:latin typeface="Arial" panose="020B0604020202020204" pitchFamily="34" charset="0"/>
-              <a:cs typeface="Arial" panose="020B0604020202020204" pitchFamily="34" charset="0"/>
-            </a:endParaRPr>
-          </a:p>
-          <a:p>
-            <a:endParaRPr sz="2250" dirty="0">
-              <a:solidFill>
-                <a:srgbClr val="000000"/>
-              </a:solidFill>
-              <a:latin typeface="Arial" panose="020B0604020202020204" pitchFamily="34" charset="0"/>
-              <a:ea typeface="Gill Sans"/>
-              <a:cs typeface="Arial" panose="020B0604020202020204" pitchFamily="34" charset="0"/>
-              <a:sym typeface="Gill Sans"/>
-            </a:endParaRPr>
-          </a:p>
-          <a:p>
-            <a:r>
-              <a:rPr lang="en-US" sz="2250" dirty="0">
-                <a:solidFill>
-                  <a:srgbClr val="000000"/>
-                </a:solidFill>
-                <a:latin typeface="Arial" panose="020B0604020202020204" pitchFamily="34" charset="0"/>
-                <a:ea typeface="Gill Sans"/>
-                <a:cs typeface="Arial" panose="020B0604020202020204" pitchFamily="34" charset="0"/>
-                <a:sym typeface="Gill Sans"/>
-              </a:rPr>
-              <a:t>Linux has two priority ranges</a:t>
-            </a:r>
-            <a:endParaRPr sz="1266" dirty="0">
-              <a:latin typeface="Arial" panose="020B0604020202020204" pitchFamily="34" charset="0"/>
-              <a:cs typeface="Arial" panose="020B0604020202020204" pitchFamily="34" charset="0"/>
-            </a:endParaRPr>
-          </a:p>
-          <a:p>
-            <a:pPr marL="325922"/>
-            <a:r>
-              <a:rPr lang="en-US" sz="2250" dirty="0">
-                <a:solidFill>
-                  <a:srgbClr val="000000"/>
-                </a:solidFill>
-                <a:latin typeface="Arial" panose="020B0604020202020204" pitchFamily="34" charset="0"/>
-                <a:ea typeface="Gill Sans"/>
-                <a:cs typeface="Arial" panose="020B0604020202020204" pitchFamily="34" charset="0"/>
-                <a:sym typeface="Gill Sans"/>
-              </a:rPr>
-              <a:t>• </a:t>
-            </a:r>
-            <a:r>
-              <a:rPr lang="en-US" sz="2250" dirty="0">
-                <a:solidFill>
-                  <a:srgbClr val="0070C0"/>
-                </a:solidFill>
-                <a:latin typeface="Arial" panose="020B0604020202020204" pitchFamily="34" charset="0"/>
-                <a:ea typeface="Gill Sans"/>
-                <a:cs typeface="Arial" panose="020B0604020202020204" pitchFamily="34" charset="0"/>
-                <a:sym typeface="Gill Sans"/>
-              </a:rPr>
-              <a:t>Nice value: ranges from -20 to +19 (default is 0)</a:t>
-            </a:r>
-            <a:endParaRPr sz="1266" dirty="0">
-              <a:latin typeface="Arial" panose="020B0604020202020204" pitchFamily="34" charset="0"/>
-              <a:cs typeface="Arial" panose="020B0604020202020204" pitchFamily="34" charset="0"/>
-            </a:endParaRPr>
-          </a:p>
-          <a:p>
-            <a:pPr marL="325922"/>
-            <a:r>
-              <a:rPr lang="en-US" sz="2250" dirty="0">
-                <a:solidFill>
-                  <a:srgbClr val="000000"/>
-                </a:solidFill>
-                <a:latin typeface="Arial" panose="020B0604020202020204" pitchFamily="34" charset="0"/>
-                <a:ea typeface="Gill Sans"/>
-                <a:cs typeface="Arial" panose="020B0604020202020204" pitchFamily="34" charset="0"/>
-                <a:sym typeface="Gill Sans"/>
-              </a:rPr>
-              <a:t>• High values of nice means lower priority </a:t>
-            </a:r>
-            <a:endParaRPr sz="1266" dirty="0">
-              <a:latin typeface="Arial" panose="020B0604020202020204" pitchFamily="34" charset="0"/>
-              <a:cs typeface="Arial" panose="020B0604020202020204" pitchFamily="34" charset="0"/>
-            </a:endParaRPr>
-          </a:p>
-          <a:p>
-            <a:pPr marL="325922"/>
-            <a:r>
-              <a:rPr lang="en-US" sz="2250" dirty="0">
-                <a:solidFill>
-                  <a:srgbClr val="000000"/>
-                </a:solidFill>
-                <a:latin typeface="Arial" panose="020B0604020202020204" pitchFamily="34" charset="0"/>
-                <a:ea typeface="Gill Sans"/>
-                <a:cs typeface="Arial" panose="020B0604020202020204" pitchFamily="34" charset="0"/>
-                <a:sym typeface="Gill Sans"/>
-              </a:rPr>
-              <a:t>• Real-time priority: ranges from 0 to 99</a:t>
-            </a:r>
-            <a:endParaRPr sz="1266" dirty="0">
-              <a:latin typeface="Arial" panose="020B0604020202020204" pitchFamily="34" charset="0"/>
-              <a:cs typeface="Arial" panose="020B0604020202020204" pitchFamily="34" charset="0"/>
-            </a:endParaRPr>
-          </a:p>
-          <a:p>
-            <a:pPr marL="325922"/>
-            <a:r>
-              <a:rPr lang="en-US" sz="2250" dirty="0">
-                <a:solidFill>
-                  <a:srgbClr val="000000"/>
-                </a:solidFill>
-                <a:latin typeface="Arial" panose="020B0604020202020204" pitchFamily="34" charset="0"/>
-                <a:ea typeface="Gill Sans"/>
-                <a:cs typeface="Arial" panose="020B0604020202020204" pitchFamily="34" charset="0"/>
-                <a:sym typeface="Gill Sans"/>
-              </a:rPr>
-              <a:t>• Higher values mean higher priority</a:t>
-            </a:r>
-            <a:endParaRPr sz="1266" dirty="0">
-              <a:latin typeface="Arial" panose="020B0604020202020204" pitchFamily="34" charset="0"/>
-              <a:cs typeface="Arial" panose="020B0604020202020204" pitchFamily="34" charset="0"/>
-            </a:endParaRPr>
-          </a:p>
-          <a:p>
-            <a:pPr marL="325922"/>
-            <a:r>
-              <a:rPr lang="en-US" sz="2250" dirty="0">
-                <a:solidFill>
-                  <a:srgbClr val="000000"/>
-                </a:solidFill>
-                <a:latin typeface="Arial" panose="020B0604020202020204" pitchFamily="34" charset="0"/>
-                <a:ea typeface="Gill Sans"/>
-                <a:cs typeface="Arial" panose="020B0604020202020204" pitchFamily="34" charset="0"/>
-                <a:sym typeface="Gill Sans"/>
-              </a:rPr>
-              <a:t>• Real-time processes always executes before standard (nice) processes</a:t>
-            </a:r>
-            <a:endParaRPr sz="1266" dirty="0">
-              <a:latin typeface="Arial" panose="020B0604020202020204" pitchFamily="34" charset="0"/>
-              <a:cs typeface="Arial" panose="020B0604020202020204" pitchFamily="34" charset="0"/>
-            </a:endParaRPr>
-          </a:p>
-          <a:p>
-            <a:pPr marL="325922"/>
-            <a:endParaRPr sz="2250" dirty="0">
-              <a:solidFill>
-                <a:srgbClr val="000000"/>
-              </a:solidFill>
-              <a:latin typeface="Arial" panose="020B0604020202020204" pitchFamily="34" charset="0"/>
-              <a:ea typeface="Gill Sans"/>
-              <a:cs typeface="Arial" panose="020B0604020202020204" pitchFamily="34" charset="0"/>
-              <a:sym typeface="Gill Sans"/>
-            </a:endParaRPr>
-          </a:p>
-          <a:p>
-            <a:pPr marL="325922"/>
-            <a:r>
-              <a:rPr lang="en-US" sz="2250" i="1" dirty="0">
-                <a:solidFill>
-                  <a:srgbClr val="000000"/>
-                </a:solidFill>
-                <a:latin typeface="Arial" panose="020B0604020202020204" pitchFamily="34" charset="0"/>
-                <a:ea typeface="Gill Sans"/>
-                <a:cs typeface="Arial" panose="020B0604020202020204" pitchFamily="34" charset="0"/>
-                <a:sym typeface="Gill Sans"/>
-              </a:rPr>
-              <a:t>			</a:t>
-            </a:r>
-            <a:r>
-              <a:rPr lang="en-US" sz="2250" i="1" dirty="0" err="1">
-                <a:solidFill>
-                  <a:srgbClr val="000000"/>
-                </a:solidFill>
-                <a:latin typeface="Arial" panose="020B0604020202020204" pitchFamily="34" charset="0"/>
-                <a:ea typeface="Gill Sans"/>
-                <a:cs typeface="Arial" panose="020B0604020202020204" pitchFamily="34" charset="0"/>
-                <a:sym typeface="Gill Sans"/>
-              </a:rPr>
-              <a:t>ps</a:t>
-            </a:r>
-            <a:r>
-              <a:rPr lang="en-US" sz="2250" i="1" dirty="0">
-                <a:solidFill>
-                  <a:srgbClr val="000000"/>
-                </a:solidFill>
-                <a:latin typeface="Arial" panose="020B0604020202020204" pitchFamily="34" charset="0"/>
-                <a:ea typeface="Gill Sans"/>
-                <a:cs typeface="Arial" panose="020B0604020202020204" pitchFamily="34" charset="0"/>
-                <a:sym typeface="Gill Sans"/>
-              </a:rPr>
-              <a:t> ax -</a:t>
-            </a:r>
-            <a:r>
-              <a:rPr lang="en-US" sz="2250" i="1" dirty="0" err="1">
-                <a:solidFill>
-                  <a:srgbClr val="000000"/>
-                </a:solidFill>
-                <a:latin typeface="Arial" panose="020B0604020202020204" pitchFamily="34" charset="0"/>
-                <a:ea typeface="Gill Sans"/>
-                <a:cs typeface="Arial" panose="020B0604020202020204" pitchFamily="34" charset="0"/>
-                <a:sym typeface="Gill Sans"/>
-              </a:rPr>
-              <a:t>eo</a:t>
-            </a:r>
-            <a:r>
-              <a:rPr lang="en-US" sz="2250" i="1" dirty="0">
-                <a:solidFill>
-                  <a:srgbClr val="000000"/>
-                </a:solidFill>
-                <a:latin typeface="Arial" panose="020B0604020202020204" pitchFamily="34" charset="0"/>
-                <a:ea typeface="Gill Sans"/>
-                <a:cs typeface="Arial" panose="020B0604020202020204" pitchFamily="34" charset="0"/>
-                <a:sym typeface="Gill Sans"/>
-              </a:rPr>
-              <a:t> </a:t>
-            </a:r>
-            <a:r>
-              <a:rPr lang="en-US" sz="2250" i="1" dirty="0" err="1">
-                <a:solidFill>
-                  <a:srgbClr val="000000"/>
-                </a:solidFill>
-                <a:latin typeface="Arial" panose="020B0604020202020204" pitchFamily="34" charset="0"/>
-                <a:ea typeface="Gill Sans"/>
-                <a:cs typeface="Arial" panose="020B0604020202020204" pitchFamily="34" charset="0"/>
-                <a:sym typeface="Gill Sans"/>
-              </a:rPr>
-              <a:t>pid,ni,rtprio,cmd</a:t>
-            </a:r>
-            <a:endParaRPr sz="2250" i="1" dirty="0">
-              <a:solidFill>
-                <a:srgbClr val="000000"/>
-              </a:solidFill>
-              <a:latin typeface="Arial" panose="020B0604020202020204" pitchFamily="34" charset="0"/>
-              <a:ea typeface="Gill Sans"/>
-              <a:cs typeface="Arial" panose="020B0604020202020204" pitchFamily="34" charset="0"/>
-              <a:sym typeface="Gill Sans"/>
-            </a:endParaRPr>
-          </a:p>
-        </p:txBody>
-      </p:sp>
-    </p:spTree>
-  </p:cSld>
-  <p:clrMapOvr>
-    <a:masterClrMapping/>
-  </p:clrMapOvr>
-</p:sld>
-</file>
-
-<file path=ppt/slides/slide62.xml><?xml version="1.0" encoding="utf-8"?>
-<p:sld xmlns:a="http://schemas.openxmlformats.org/drawingml/2006/main" xmlns:r="http://schemas.openxmlformats.org/officeDocument/2006/relationships" xmlns:p="http://schemas.openxmlformats.org/presentationml/2006/main">
-  <p:cSld>
-    <p:spTree>
-      <p:nvGrpSpPr>
-        <p:cNvPr id="1" name="Shape 753"/>
-        <p:cNvGrpSpPr/>
-        <p:nvPr/>
-      </p:nvGrpSpPr>
-      <p:grpSpPr>
-        <a:xfrm>
-          <a:off x="0" y="0"/>
-          <a:ext cx="0" cy="0"/>
-          <a:chOff x="0" y="0"/>
-          <a:chExt cx="0" cy="0"/>
-        </a:xfrm>
-      </p:grpSpPr>
-      <p:sp>
-        <p:nvSpPr>
-          <p:cNvPr id="754" name="Google Shape;754;p40"/>
-          <p:cNvSpPr txBox="1">
-            <a:spLocks noGrp="1"/>
-          </p:cNvSpPr>
-          <p:nvPr>
-            <p:ph type="title"/>
-          </p:nvPr>
-        </p:nvSpPr>
-        <p:spPr>
-          <a:xfrm>
-            <a:off x="2303463" y="63500"/>
-            <a:ext cx="7583487" cy="1282700"/>
-          </a:xfrm>
-          <a:prstGeom prst="rect">
-            <a:avLst/>
-          </a:prstGeom>
-          <a:noFill/>
-          <a:ln>
-            <a:noFill/>
-          </a:ln>
-        </p:spPr>
-        <p:txBody>
-          <a:bodyPr spcFirstLastPara="1" vert="horz" wrap="square" lIns="64283" tIns="32133" rIns="64283" bIns="32133" rtlCol="0" anchor="ctr" anchorCtr="0">
-            <a:noAutofit/>
-          </a:bodyPr>
-          <a:lstStyle/>
-          <a:p>
-            <a:pPr algn="ctr">
-              <a:spcBef>
-                <a:spcPts val="0"/>
-              </a:spcBef>
-            </a:pPr>
-            <a:r>
-              <a:rPr lang="en-US" sz="4556" dirty="0">
-                <a:latin typeface="Arial" panose="020B0604020202020204" pitchFamily="34" charset="0"/>
-                <a:ea typeface="Gill Sans"/>
-                <a:cs typeface="Arial" panose="020B0604020202020204" pitchFamily="34" charset="0"/>
-                <a:sym typeface="Gill Sans"/>
-              </a:rPr>
-              <a:t>Linux CFS </a:t>
-            </a:r>
-            <a:endParaRPr sz="4556" dirty="0">
-              <a:latin typeface="Arial" panose="020B0604020202020204" pitchFamily="34" charset="0"/>
-              <a:ea typeface="Gill Sans"/>
-              <a:cs typeface="Arial" panose="020B0604020202020204" pitchFamily="34" charset="0"/>
-              <a:sym typeface="Gill Sans"/>
-            </a:endParaRPr>
-          </a:p>
-        </p:txBody>
-      </p:sp>
-      <p:sp>
-        <p:nvSpPr>
-          <p:cNvPr id="755" name="Google Shape;755;p40"/>
-          <p:cNvSpPr/>
-          <p:nvPr/>
-        </p:nvSpPr>
-        <p:spPr>
-          <a:xfrm>
-            <a:off x="1122744" y="1611123"/>
-            <a:ext cx="10556112" cy="4912374"/>
-          </a:xfrm>
-          <a:prstGeom prst="rect">
-            <a:avLst/>
-          </a:prstGeom>
-          <a:noFill/>
-          <a:ln>
-            <a:noFill/>
-          </a:ln>
-        </p:spPr>
-        <p:txBody>
-          <a:bodyPr spcFirstLastPara="1" wrap="square" lIns="64283" tIns="32133" rIns="64283" bIns="32133" anchor="t" anchorCtr="0">
-            <a:spAutoFit/>
-          </a:bodyPr>
-          <a:lstStyle/>
-          <a:p>
-            <a:r>
-              <a:rPr lang="en-US" sz="2250" dirty="0">
-                <a:solidFill>
-                  <a:srgbClr val="000000"/>
-                </a:solidFill>
-                <a:latin typeface="Arial" panose="020B0604020202020204" pitchFamily="34" charset="0"/>
-                <a:ea typeface="Gill Sans"/>
-                <a:cs typeface="Arial" panose="020B0604020202020204" pitchFamily="34" charset="0"/>
-                <a:sym typeface="Gill Sans"/>
-              </a:rPr>
-              <a:t>Assume the targeted duration of fairness is 20 milliseconds (</a:t>
-            </a:r>
-            <a:r>
-              <a:rPr lang="en-US" sz="2250" dirty="0" err="1">
-                <a:solidFill>
-                  <a:srgbClr val="000000"/>
-                </a:solidFill>
-                <a:latin typeface="Courier" pitchFamily="2" charset="0"/>
-                <a:ea typeface="Gill Sans"/>
-                <a:cs typeface="Arial" panose="020B0604020202020204" pitchFamily="34" charset="0"/>
-                <a:sym typeface="Gill Sans"/>
-              </a:rPr>
-              <a:t>sched_latency</a:t>
-            </a:r>
-            <a:r>
-              <a:rPr lang="en-US" sz="2250" dirty="0">
-                <a:solidFill>
-                  <a:srgbClr val="000000"/>
-                </a:solidFill>
-                <a:latin typeface="Arial" panose="020B0604020202020204" pitchFamily="34" charset="0"/>
-                <a:ea typeface="Gill Sans"/>
-                <a:cs typeface="Arial" panose="020B0604020202020204" pitchFamily="34" charset="0"/>
-                <a:sym typeface="Gill Sans"/>
-              </a:rPr>
-              <a:t>)</a:t>
-            </a:r>
-            <a:endParaRPr sz="1266" dirty="0">
-              <a:latin typeface="Arial" panose="020B0604020202020204" pitchFamily="34" charset="0"/>
-              <a:cs typeface="Arial" panose="020B0604020202020204" pitchFamily="34" charset="0"/>
-            </a:endParaRPr>
-          </a:p>
-          <a:p>
-            <a:pPr marL="0" lvl="1" indent="45763"/>
-            <a:r>
-              <a:rPr lang="en-US" sz="2250" dirty="0">
-                <a:solidFill>
-                  <a:srgbClr val="000000"/>
-                </a:solidFill>
-                <a:latin typeface="Arial" panose="020B0604020202020204" pitchFamily="34" charset="0"/>
-                <a:ea typeface="Gill Sans"/>
-                <a:cs typeface="Arial" panose="020B0604020202020204" pitchFamily="34" charset="0"/>
-                <a:sym typeface="Gill Sans"/>
-              </a:rPr>
-              <a:t>If there are two runnable tasks at the same priority</a:t>
-            </a:r>
-            <a:endParaRPr sz="1266" dirty="0">
-              <a:latin typeface="Arial" panose="020B0604020202020204" pitchFamily="34" charset="0"/>
-              <a:cs typeface="Arial" panose="020B0604020202020204" pitchFamily="34" charset="0"/>
-            </a:endParaRPr>
-          </a:p>
-          <a:p>
-            <a:pPr marL="0" lvl="1" indent="45763"/>
-            <a:r>
-              <a:rPr lang="en-US" sz="2250" dirty="0">
-                <a:solidFill>
-                  <a:srgbClr val="000000"/>
-                </a:solidFill>
-                <a:latin typeface="Arial" panose="020B0604020202020204" pitchFamily="34" charset="0"/>
-                <a:ea typeface="Gill Sans"/>
-                <a:cs typeface="Arial" panose="020B0604020202020204" pitchFamily="34" charset="0"/>
-                <a:sym typeface="Gill Sans"/>
-              </a:rPr>
-              <a:t>	</a:t>
-            </a:r>
-            <a:r>
-              <a:rPr lang="en-US" sz="2109" dirty="0">
-                <a:solidFill>
-                  <a:srgbClr val="000000"/>
-                </a:solidFill>
-                <a:latin typeface="Arial" panose="020B0604020202020204" pitchFamily="34" charset="0"/>
-                <a:ea typeface="Gill Sans"/>
-                <a:cs typeface="Arial" panose="020B0604020202020204" pitchFamily="34" charset="0"/>
-                <a:sym typeface="Gill Sans"/>
-              </a:rPr>
-              <a:t>Each will run for 10 milliseconds before preempting in favor of the other</a:t>
-            </a:r>
-            <a:endParaRPr sz="1266" dirty="0">
-              <a:latin typeface="Arial" panose="020B0604020202020204" pitchFamily="34" charset="0"/>
-              <a:cs typeface="Arial" panose="020B0604020202020204" pitchFamily="34" charset="0"/>
-            </a:endParaRPr>
-          </a:p>
-          <a:p>
-            <a:pPr marL="0" lvl="1" indent="45763"/>
-            <a:endParaRPr sz="2250" dirty="0">
-              <a:solidFill>
-                <a:srgbClr val="000000"/>
-              </a:solidFill>
-              <a:latin typeface="Arial" panose="020B0604020202020204" pitchFamily="34" charset="0"/>
-              <a:ea typeface="Gill Sans"/>
-              <a:cs typeface="Arial" panose="020B0604020202020204" pitchFamily="34" charset="0"/>
-              <a:sym typeface="Gill Sans"/>
-            </a:endParaRPr>
-          </a:p>
-          <a:p>
-            <a:pPr marL="0" lvl="1" indent="45763"/>
-            <a:r>
-              <a:rPr lang="en-US" sz="2250" dirty="0">
-                <a:solidFill>
-                  <a:srgbClr val="000000"/>
-                </a:solidFill>
-                <a:latin typeface="Arial" panose="020B0604020202020204" pitchFamily="34" charset="0"/>
-                <a:ea typeface="Gill Sans"/>
-                <a:cs typeface="Arial" panose="020B0604020202020204" pitchFamily="34" charset="0"/>
-                <a:sym typeface="Gill Sans"/>
-              </a:rPr>
-              <a:t>If we have four tasks at the same priority</a:t>
-            </a:r>
-            <a:endParaRPr sz="1266" dirty="0">
-              <a:latin typeface="Arial" panose="020B0604020202020204" pitchFamily="34" charset="0"/>
-              <a:cs typeface="Arial" panose="020B0604020202020204" pitchFamily="34" charset="0"/>
-            </a:endParaRPr>
-          </a:p>
-          <a:p>
-            <a:pPr marL="0" lvl="1" indent="45763"/>
-            <a:r>
-              <a:rPr lang="en-US" sz="2250" dirty="0">
-                <a:solidFill>
-                  <a:srgbClr val="000000"/>
-                </a:solidFill>
-                <a:latin typeface="Arial" panose="020B0604020202020204" pitchFamily="34" charset="0"/>
-                <a:ea typeface="Gill Sans"/>
-                <a:cs typeface="Arial" panose="020B0604020202020204" pitchFamily="34" charset="0"/>
-                <a:sym typeface="Gill Sans"/>
-              </a:rPr>
-              <a:t>	Each will run for 5 milliseconds</a:t>
-            </a:r>
-            <a:endParaRPr sz="2250" dirty="0">
-              <a:solidFill>
-                <a:srgbClr val="000000"/>
-              </a:solidFill>
-              <a:latin typeface="Arial" panose="020B0604020202020204" pitchFamily="34" charset="0"/>
-              <a:ea typeface="Gill Sans"/>
-              <a:cs typeface="Arial" panose="020B0604020202020204" pitchFamily="34" charset="0"/>
-              <a:sym typeface="Gill Sans"/>
-            </a:endParaRPr>
-          </a:p>
-          <a:p>
-            <a:pPr marL="0" lvl="1" indent="45763"/>
-            <a:r>
-              <a:rPr lang="en-US" sz="2250" dirty="0">
-                <a:solidFill>
-                  <a:srgbClr val="000000"/>
-                </a:solidFill>
-                <a:latin typeface="Arial" panose="020B0604020202020204" pitchFamily="34" charset="0"/>
-                <a:ea typeface="Gill Sans"/>
-                <a:cs typeface="Arial" panose="020B0604020202020204" pitchFamily="34" charset="0"/>
-                <a:sym typeface="Gill Sans"/>
-              </a:rPr>
-              <a:t>If there are 20 tasks, each will run for 1 millisecond</a:t>
-            </a:r>
-          </a:p>
-          <a:p>
-            <a:pPr marL="0" lvl="1" indent="45763"/>
-            <a:r>
-              <a:rPr lang="en-US" sz="2250" dirty="0">
-                <a:solidFill>
-                  <a:srgbClr val="000000"/>
-                </a:solidFill>
-                <a:latin typeface="Arial" panose="020B0604020202020204" pitchFamily="34" charset="0"/>
-                <a:cs typeface="Arial" panose="020B0604020202020204" pitchFamily="34" charset="0"/>
-                <a:sym typeface="Gill Sans"/>
-              </a:rPr>
-              <a:t>Problem?</a:t>
-            </a:r>
-            <a:endParaRPr sz="1266" dirty="0">
-              <a:latin typeface="Arial" panose="020B0604020202020204" pitchFamily="34" charset="0"/>
-              <a:cs typeface="Arial" panose="020B0604020202020204" pitchFamily="34" charset="0"/>
-            </a:endParaRPr>
-          </a:p>
-          <a:p>
-            <a:endParaRPr sz="2250" dirty="0">
-              <a:solidFill>
-                <a:srgbClr val="000000"/>
-              </a:solidFill>
-              <a:latin typeface="Arial" panose="020B0604020202020204" pitchFamily="34" charset="0"/>
-              <a:ea typeface="Gill Sans"/>
-              <a:cs typeface="Arial" panose="020B0604020202020204" pitchFamily="34" charset="0"/>
-              <a:sym typeface="Gill Sans"/>
-            </a:endParaRPr>
-          </a:p>
-          <a:p>
-            <a:pPr marL="0" lvl="1" indent="45763"/>
-            <a:r>
-              <a:rPr lang="en-US" sz="2250" dirty="0">
-                <a:solidFill>
-                  <a:srgbClr val="000000"/>
-                </a:solidFill>
-                <a:latin typeface="Arial" panose="020B0604020202020204" pitchFamily="34" charset="0"/>
-                <a:ea typeface="Gill Sans"/>
-                <a:cs typeface="Arial" panose="020B0604020202020204" pitchFamily="34" charset="0"/>
-                <a:sym typeface="Gill Sans"/>
-              </a:rPr>
-              <a:t>As the number of runnable tasks approaches infinity, the proportion of allotted processor and the assigned </a:t>
-            </a:r>
-            <a:r>
-              <a:rPr lang="en-US" sz="2250" dirty="0" err="1">
-                <a:solidFill>
-                  <a:srgbClr val="000000"/>
-                </a:solidFill>
-                <a:latin typeface="Arial" panose="020B0604020202020204" pitchFamily="34" charset="0"/>
-                <a:ea typeface="Gill Sans"/>
-                <a:cs typeface="Arial" panose="020B0604020202020204" pitchFamily="34" charset="0"/>
-                <a:sym typeface="Gill Sans"/>
-              </a:rPr>
-              <a:t>timeslice</a:t>
-            </a:r>
-            <a:r>
-              <a:rPr lang="en-US" sz="2250" dirty="0">
-                <a:solidFill>
-                  <a:srgbClr val="000000"/>
-                </a:solidFill>
-                <a:latin typeface="Arial" panose="020B0604020202020204" pitchFamily="34" charset="0"/>
-                <a:ea typeface="Gill Sans"/>
-                <a:cs typeface="Arial" panose="020B0604020202020204" pitchFamily="34" charset="0"/>
-                <a:sym typeface="Gill Sans"/>
-              </a:rPr>
-              <a:t> approaches zero</a:t>
-            </a:r>
-            <a:endParaRPr sz="1266" dirty="0">
-              <a:latin typeface="Arial" panose="020B0604020202020204" pitchFamily="34" charset="0"/>
-              <a:cs typeface="Arial" panose="020B0604020202020204" pitchFamily="34" charset="0"/>
-            </a:endParaRPr>
-          </a:p>
-          <a:p>
-            <a:pPr marL="0" lvl="1" indent="45763"/>
-            <a:endParaRPr sz="2250" dirty="0">
-              <a:solidFill>
-                <a:srgbClr val="000000"/>
-              </a:solidFill>
-              <a:latin typeface="Arial" panose="020B0604020202020204" pitchFamily="34" charset="0"/>
-              <a:ea typeface="Gill Sans"/>
-              <a:cs typeface="Arial" panose="020B0604020202020204" pitchFamily="34" charset="0"/>
-              <a:sym typeface="Gill Sans"/>
-            </a:endParaRPr>
-          </a:p>
-          <a:p>
-            <a:pPr marL="0" lvl="1" indent="45763"/>
-            <a:r>
-              <a:rPr lang="en-US" sz="2250" dirty="0">
-                <a:solidFill>
-                  <a:srgbClr val="000000"/>
-                </a:solidFill>
-                <a:latin typeface="Arial" panose="020B0604020202020204" pitchFamily="34" charset="0"/>
-                <a:ea typeface="Gill Sans"/>
-                <a:cs typeface="Arial" panose="020B0604020202020204" pitchFamily="34" charset="0"/>
-                <a:sym typeface="Gill Sans"/>
-              </a:rPr>
-              <a:t>(Solution: Run any task for a minimum of 1millisecond)</a:t>
-            </a:r>
-            <a:endParaRPr sz="1266" dirty="0">
-              <a:latin typeface="Arial" panose="020B0604020202020204" pitchFamily="34" charset="0"/>
-              <a:cs typeface="Arial" panose="020B0604020202020204" pitchFamily="34" charset="0"/>
-            </a:endParaRPr>
-          </a:p>
-          <a:p>
-            <a:endParaRPr sz="2250" dirty="0">
-              <a:solidFill>
-                <a:srgbClr val="000000"/>
-              </a:solidFill>
-              <a:latin typeface="Arial" panose="020B0604020202020204" pitchFamily="34" charset="0"/>
-              <a:ea typeface="Gill Sans"/>
-              <a:cs typeface="Arial" panose="020B0604020202020204" pitchFamily="34" charset="0"/>
-              <a:sym typeface="Gill Sans"/>
-            </a:endParaRPr>
-          </a:p>
-        </p:txBody>
-      </p:sp>
-    </p:spTree>
-  </p:cSld>
-  <p:clrMapOvr>
-    <a:masterClrMapping/>
-  </p:clrMapOvr>
-  <p:timing>
-    <p:tnLst>
-      <p:par>
-        <p:cTn id="1" dur="indefinite" restart="never" nodeType="tmRoot">
-          <p:childTnLst>
-            <p:seq concurrent="1" nextAc="seek">
-              <p:cTn id="2" dur="indefinite" nodeType="mainSeq">
-                <p:childTnLst>
-                  <p:par>
-                    <p:cTn id="3" fill="hold">
-                      <p:stCondLst>
-                        <p:cond delay="indefinite"/>
-                      </p:stCondLst>
-                      <p:childTnLst>
-                        <p:par>
-                          <p:cTn id="4" fill="hold">
-                            <p:stCondLst>
-                              <p:cond delay="0"/>
-                            </p:stCondLst>
-                            <p:childTnLst>
-                              <p:par>
-                                <p:cTn id="5" presetID="1" presetClass="entr" presetSubtype="0" fill="hold" nodeType="clickEffect">
-                                  <p:stCondLst>
-                                    <p:cond delay="0"/>
-                                  </p:stCondLst>
-                                  <p:childTnLst>
-                                    <p:set>
-                                      <p:cBhvr>
-                                        <p:cTn id="6" dur="1" fill="hold">
-                                          <p:stCondLst>
-                                            <p:cond delay="0"/>
-                                          </p:stCondLst>
-                                        </p:cTn>
-                                        <p:tgtEl>
-                                          <p:spTgt spid="755">
-                                            <p:txEl>
-                                              <p:pRg st="9" end="9"/>
-                                            </p:txEl>
-                                          </p:spTgt>
-                                        </p:tgtEl>
-                                        <p:attrNameLst>
-                                          <p:attrName>style.visibility</p:attrName>
-                                        </p:attrNameLst>
-                                      </p:cBhvr>
-                                      <p:to>
-                                        <p:strVal val="visible"/>
-                                      </p:to>
-                                    </p:set>
-                                  </p:childTnLst>
-                                </p:cTn>
-                              </p:par>
-                            </p:childTnLst>
-                          </p:cTn>
-                        </p:par>
-                      </p:childTnLst>
-                    </p:cTn>
-                  </p:par>
-                  <p:par>
-                    <p:cTn id="7" fill="hold">
-                      <p:stCondLst>
-                        <p:cond delay="indefinite"/>
-                      </p:stCondLst>
-                      <p:childTnLst>
-                        <p:par>
-                          <p:cTn id="8" fill="hold">
-                            <p:stCondLst>
-                              <p:cond delay="0"/>
-                            </p:stCondLst>
-                            <p:childTnLst>
-                              <p:par>
-                                <p:cTn id="9" presetID="1" presetClass="entr" presetSubtype="0" fill="hold" nodeType="clickEffect">
-                                  <p:stCondLst>
-                                    <p:cond delay="0"/>
-                                  </p:stCondLst>
-                                  <p:childTnLst>
-                                    <p:set>
-                                      <p:cBhvr>
-                                        <p:cTn id="10" dur="1" fill="hold">
-                                          <p:stCondLst>
-                                            <p:cond delay="0"/>
-                                          </p:stCondLst>
-                                        </p:cTn>
-                                        <p:tgtEl>
-                                          <p:spTgt spid="755">
-                                            <p:txEl>
-                                              <p:pRg st="11" end="11"/>
-                                            </p:txEl>
-                                          </p:spTgt>
-                                        </p:tgtEl>
-                                        <p:attrNameLst>
-                                          <p:attrName>style.visibility</p:attrName>
-                                        </p:attrNameLst>
-                                      </p:cBhvr>
-                                      <p:to>
-                                        <p:strVal val="visible"/>
-                                      </p:to>
-                                    </p:set>
-                                  </p:childTnLst>
-                                </p:cTn>
-                              </p:par>
-                            </p:childTnLst>
-                          </p:cTn>
-                        </p:par>
-                      </p:childTnLst>
-                    </p:cTn>
-                  </p:par>
-                </p:childTnLst>
-              </p:cTn>
-              <p:prevCondLst>
-                <p:cond evt="onPrev" delay="0">
-                  <p:tgtEl>
-                    <p:sldTgt/>
-                  </p:tgtEl>
-                </p:cond>
-              </p:prevCondLst>
-              <p:nextCondLst>
-                <p:cond evt="onNext" delay="0">
-                  <p:tgtEl>
-                    <p:sldTgt/>
-                  </p:tgtEl>
-                </p:cond>
-              </p:nextCondLst>
-            </p:seq>
-          </p:childTnLst>
-        </p:cTn>
-      </p:par>
-    </p:tnLst>
-  </p:timing>
-</p:sld>
-</file>
-
-<file path=ppt/slides/slide63.xml><?xml version="1.0" encoding="utf-8"?>
-<p:sld xmlns:a="http://schemas.openxmlformats.org/drawingml/2006/main" xmlns:r="http://schemas.openxmlformats.org/officeDocument/2006/relationships" xmlns:p="http://schemas.openxmlformats.org/presentationml/2006/main">
-  <p:cSld>
-    <p:spTree>
-      <p:nvGrpSpPr>
-        <p:cNvPr id="1" name="Shape 759"/>
-        <p:cNvGrpSpPr/>
-        <p:nvPr/>
-      </p:nvGrpSpPr>
-      <p:grpSpPr>
-        <a:xfrm>
-          <a:off x="0" y="0"/>
-          <a:ext cx="0" cy="0"/>
-          <a:chOff x="0" y="0"/>
-          <a:chExt cx="0" cy="0"/>
-        </a:xfrm>
-      </p:grpSpPr>
-      <p:sp>
-        <p:nvSpPr>
-          <p:cNvPr id="760" name="Google Shape;760;p41"/>
-          <p:cNvSpPr txBox="1">
-            <a:spLocks noGrp="1"/>
-          </p:cNvSpPr>
-          <p:nvPr>
-            <p:ph type="title"/>
-          </p:nvPr>
-        </p:nvSpPr>
-        <p:spPr>
-          <a:xfrm>
-            <a:off x="2303463" y="63500"/>
-            <a:ext cx="7583487" cy="1282700"/>
-          </a:xfrm>
-          <a:prstGeom prst="rect">
-            <a:avLst/>
-          </a:prstGeom>
-          <a:noFill/>
-          <a:ln>
-            <a:noFill/>
-          </a:ln>
-        </p:spPr>
-        <p:txBody>
-          <a:bodyPr spcFirstLastPara="1" vert="horz" wrap="square" lIns="64283" tIns="32133" rIns="64283" bIns="32133" rtlCol="0" anchor="ctr" anchorCtr="0">
-            <a:noAutofit/>
-          </a:bodyPr>
-          <a:lstStyle/>
-          <a:p>
-            <a:pPr algn="ctr">
-              <a:spcBef>
-                <a:spcPts val="0"/>
-              </a:spcBef>
-            </a:pPr>
-            <a:r>
-              <a:rPr lang="en-US" sz="4556" dirty="0">
-                <a:latin typeface="Arial" panose="020B0604020202020204" pitchFamily="34" charset="0"/>
-                <a:ea typeface="Gill Sans"/>
-                <a:cs typeface="Arial" panose="020B0604020202020204" pitchFamily="34" charset="0"/>
-                <a:sym typeface="Gill Sans"/>
-              </a:rPr>
-              <a:t>Linux CFS parameters </a:t>
-            </a:r>
-            <a:endParaRPr sz="4556" dirty="0">
-              <a:latin typeface="Arial" panose="020B0604020202020204" pitchFamily="34" charset="0"/>
-              <a:ea typeface="Gill Sans"/>
-              <a:cs typeface="Arial" panose="020B0604020202020204" pitchFamily="34" charset="0"/>
-              <a:sym typeface="Gill Sans"/>
-            </a:endParaRPr>
-          </a:p>
-        </p:txBody>
-      </p:sp>
-      <p:sp>
-        <p:nvSpPr>
-          <p:cNvPr id="761" name="Google Shape;761;p41"/>
-          <p:cNvSpPr/>
-          <p:nvPr/>
-        </p:nvSpPr>
-        <p:spPr>
-          <a:xfrm>
-            <a:off x="1157468" y="1611123"/>
-            <a:ext cx="10046826" cy="4866208"/>
-          </a:xfrm>
-          <a:prstGeom prst="rect">
-            <a:avLst/>
-          </a:prstGeom>
-          <a:noFill/>
-          <a:ln>
-            <a:noFill/>
-          </a:ln>
-        </p:spPr>
-        <p:txBody>
-          <a:bodyPr spcFirstLastPara="1" wrap="square" lIns="64283" tIns="32133" rIns="64283" bIns="32133" anchor="t" anchorCtr="0">
-            <a:spAutoFit/>
-          </a:bodyPr>
-          <a:lstStyle/>
-          <a:p>
-            <a:r>
-              <a:rPr lang="en-US" sz="2800" dirty="0">
-                <a:latin typeface="Arial" panose="020B0604020202020204" pitchFamily="34" charset="0"/>
-                <a:ea typeface="Gill Sans"/>
-                <a:cs typeface="Arial" panose="020B0604020202020204" pitchFamily="34" charset="0"/>
-                <a:sym typeface="Gill Sans"/>
-              </a:rPr>
-              <a:t>Target latency (TL)</a:t>
-            </a:r>
-            <a:endParaRPr sz="1600" dirty="0">
-              <a:latin typeface="Arial" panose="020B0604020202020204" pitchFamily="34" charset="0"/>
-              <a:cs typeface="Arial" panose="020B0604020202020204" pitchFamily="34" charset="0"/>
-            </a:endParaRPr>
-          </a:p>
-          <a:p>
-            <a:r>
-              <a:rPr lang="en-US" sz="2000" dirty="0">
-                <a:latin typeface="Arial" panose="020B0604020202020204" pitchFamily="34" charset="0"/>
-                <a:ea typeface="Gill Sans"/>
-                <a:cs typeface="Arial" panose="020B0604020202020204" pitchFamily="34" charset="0"/>
-                <a:sym typeface="Gill Sans"/>
-              </a:rPr>
-              <a:t>	- minimum amount of time—idealized to an infinitely small duration—required for every runnable task to get at least one turn on the processor</a:t>
-            </a:r>
-            <a:endParaRPr sz="1600" dirty="0">
-              <a:latin typeface="Arial" panose="020B0604020202020204" pitchFamily="34" charset="0"/>
-              <a:cs typeface="Arial" panose="020B0604020202020204" pitchFamily="34" charset="0"/>
-            </a:endParaRPr>
-          </a:p>
-          <a:p>
-            <a:endParaRPr sz="2000" dirty="0">
-              <a:latin typeface="Arial" panose="020B0604020202020204" pitchFamily="34" charset="0"/>
-              <a:ea typeface="Gill Sans"/>
-              <a:cs typeface="Arial" panose="020B0604020202020204" pitchFamily="34" charset="0"/>
-              <a:sym typeface="Gill Sans"/>
-            </a:endParaRPr>
-          </a:p>
-          <a:p>
-            <a:r>
-              <a:rPr lang="en-US" sz="2000" dirty="0">
-                <a:latin typeface="Arial" panose="020B0604020202020204" pitchFamily="34" charset="0"/>
-                <a:ea typeface="Gill Sans"/>
-                <a:cs typeface="Arial" panose="020B0604020202020204" pitchFamily="34" charset="0"/>
-                <a:sym typeface="Gill Sans"/>
-              </a:rPr>
-              <a:t>	- Time window where every process gets some CPU </a:t>
-            </a:r>
-            <a:endParaRPr sz="1600" dirty="0">
-              <a:latin typeface="Arial" panose="020B0604020202020204" pitchFamily="34" charset="0"/>
-              <a:cs typeface="Arial" panose="020B0604020202020204" pitchFamily="34" charset="0"/>
-            </a:endParaRPr>
-          </a:p>
-          <a:p>
-            <a:endParaRPr sz="2000" dirty="0">
-              <a:latin typeface="Arial" panose="020B0604020202020204" pitchFamily="34" charset="0"/>
-              <a:ea typeface="Gill Sans"/>
-              <a:cs typeface="Arial" panose="020B0604020202020204" pitchFamily="34" charset="0"/>
-              <a:sym typeface="Gill Sans"/>
-            </a:endParaRPr>
-          </a:p>
-          <a:p>
-            <a:r>
-              <a:rPr lang="en-US" sz="2800" dirty="0">
-                <a:latin typeface="Arial" panose="020B0604020202020204" pitchFamily="34" charset="0"/>
-                <a:ea typeface="Gill Sans"/>
-                <a:cs typeface="Arial" panose="020B0604020202020204" pitchFamily="34" charset="0"/>
-                <a:sym typeface="Gill Sans"/>
-              </a:rPr>
-              <a:t>Minimum granularity (MG)</a:t>
-            </a:r>
-            <a:endParaRPr sz="1600" dirty="0">
-              <a:latin typeface="Arial" panose="020B0604020202020204" pitchFamily="34" charset="0"/>
-              <a:cs typeface="Arial" panose="020B0604020202020204" pitchFamily="34" charset="0"/>
-            </a:endParaRPr>
-          </a:p>
-          <a:p>
-            <a:r>
-              <a:rPr lang="en-US" sz="2000" dirty="0">
-                <a:latin typeface="Arial" panose="020B0604020202020204" pitchFamily="34" charset="0"/>
-                <a:ea typeface="Gill Sans"/>
-                <a:cs typeface="Arial" panose="020B0604020202020204" pitchFamily="34" charset="0"/>
-                <a:sym typeface="Gill Sans"/>
-              </a:rPr>
-              <a:t>	- Imposes a floor on the </a:t>
-            </a:r>
-            <a:r>
-              <a:rPr lang="en-US" sz="2000" dirty="0" err="1">
-                <a:latin typeface="Arial" panose="020B0604020202020204" pitchFamily="34" charset="0"/>
-                <a:ea typeface="Gill Sans"/>
-                <a:cs typeface="Arial" panose="020B0604020202020204" pitchFamily="34" charset="0"/>
-                <a:sym typeface="Gill Sans"/>
-              </a:rPr>
-              <a:t>timeslice</a:t>
-            </a:r>
-            <a:r>
-              <a:rPr lang="en-US" sz="2000" dirty="0">
-                <a:latin typeface="Arial" panose="020B0604020202020204" pitchFamily="34" charset="0"/>
-                <a:ea typeface="Gill Sans"/>
-                <a:cs typeface="Arial" panose="020B0604020202020204" pitchFamily="34" charset="0"/>
-                <a:sym typeface="Gill Sans"/>
-              </a:rPr>
-              <a:t> assigned to each process</a:t>
-            </a:r>
-            <a:endParaRPr sz="1600" dirty="0">
-              <a:latin typeface="Arial" panose="020B0604020202020204" pitchFamily="34" charset="0"/>
-              <a:cs typeface="Arial" panose="020B0604020202020204" pitchFamily="34" charset="0"/>
-            </a:endParaRPr>
-          </a:p>
-          <a:p>
-            <a:r>
-              <a:rPr lang="en-US" sz="2000" dirty="0">
-                <a:latin typeface="Arial" panose="020B0604020202020204" pitchFamily="34" charset="0"/>
-                <a:ea typeface="Gill Sans"/>
-                <a:cs typeface="Arial" panose="020B0604020202020204" pitchFamily="34" charset="0"/>
-                <a:sym typeface="Gill Sans"/>
-              </a:rPr>
-              <a:t>	- For example: run for 1 </a:t>
-            </a:r>
-            <a:r>
-              <a:rPr lang="en-US" sz="2000" dirty="0" err="1">
-                <a:latin typeface="Arial" panose="020B0604020202020204" pitchFamily="34" charset="0"/>
-                <a:ea typeface="Gill Sans"/>
-                <a:cs typeface="Arial" panose="020B0604020202020204" pitchFamily="34" charset="0"/>
-                <a:sym typeface="Gill Sans"/>
-              </a:rPr>
-              <a:t>ms</a:t>
-            </a:r>
-            <a:r>
-              <a:rPr lang="en-US" sz="2000" dirty="0">
-                <a:latin typeface="Arial" panose="020B0604020202020204" pitchFamily="34" charset="0"/>
-                <a:ea typeface="Gill Sans"/>
-                <a:cs typeface="Arial" panose="020B0604020202020204" pitchFamily="34" charset="0"/>
-                <a:sym typeface="Gill Sans"/>
-              </a:rPr>
-              <a:t> to ensure there is a ceiling on the incurred switching costs</a:t>
-            </a:r>
-            <a:endParaRPr sz="1600" dirty="0">
-              <a:latin typeface="Arial" panose="020B0604020202020204" pitchFamily="34" charset="0"/>
-              <a:cs typeface="Arial" panose="020B0604020202020204" pitchFamily="34" charset="0"/>
-            </a:endParaRPr>
-          </a:p>
-          <a:p>
-            <a:r>
-              <a:rPr lang="en-US" sz="2800" dirty="0">
-                <a:latin typeface="Arial" panose="020B0604020202020204" pitchFamily="34" charset="0"/>
-                <a:ea typeface="Gill Sans"/>
-                <a:cs typeface="Arial" panose="020B0604020202020204" pitchFamily="34" charset="0"/>
-                <a:sym typeface="Gill Sans"/>
-              </a:rPr>
-              <a:t>	</a:t>
-            </a:r>
-            <a:r>
-              <a:rPr lang="en-US" sz="2000" dirty="0">
-                <a:latin typeface="Arial" panose="020B0604020202020204" pitchFamily="34" charset="0"/>
-                <a:ea typeface="Gill Sans"/>
-                <a:cs typeface="Arial" panose="020B0604020202020204" pitchFamily="34" charset="0"/>
-                <a:sym typeface="Gill Sans"/>
-              </a:rPr>
-              <a:t>- not perfectly fair when the number of processes grows very large</a:t>
-            </a:r>
-            <a:endParaRPr sz="2000" dirty="0">
-              <a:latin typeface="Arial" panose="020B0604020202020204" pitchFamily="34" charset="0"/>
-              <a:ea typeface="Gill Sans"/>
-              <a:cs typeface="Arial" panose="020B0604020202020204" pitchFamily="34" charset="0"/>
-              <a:sym typeface="Gill Sans"/>
-            </a:endParaRPr>
-          </a:p>
-          <a:p>
-            <a:r>
-              <a:rPr lang="en-US" sz="2800" dirty="0">
-                <a:latin typeface="Arial" panose="020B0604020202020204" pitchFamily="34" charset="0"/>
-                <a:ea typeface="Gill Sans"/>
-                <a:cs typeface="Arial" panose="020B0604020202020204" pitchFamily="34" charset="0"/>
-                <a:sym typeface="Gill Sans"/>
-              </a:rPr>
-              <a:t>	</a:t>
-            </a:r>
-            <a:endParaRPr sz="1600" dirty="0">
-              <a:latin typeface="Arial" panose="020B0604020202020204" pitchFamily="34" charset="0"/>
-              <a:cs typeface="Arial" panose="020B0604020202020204" pitchFamily="34" charset="0"/>
-            </a:endParaRPr>
-          </a:p>
-          <a:p>
-            <a:endParaRPr sz="2000" dirty="0">
-              <a:latin typeface="Arial" panose="020B0604020202020204" pitchFamily="34" charset="0"/>
-              <a:ea typeface="Gill Sans"/>
-              <a:cs typeface="Arial" panose="020B0604020202020204" pitchFamily="34" charset="0"/>
-              <a:sym typeface="Gill Sans"/>
-            </a:endParaRPr>
-          </a:p>
-          <a:p>
-            <a:endParaRPr sz="2000" dirty="0">
-              <a:latin typeface="Arial" panose="020B0604020202020204" pitchFamily="34" charset="0"/>
-              <a:ea typeface="Gill Sans"/>
-              <a:cs typeface="Arial" panose="020B0604020202020204" pitchFamily="34" charset="0"/>
-              <a:sym typeface="Gill Sans"/>
-            </a:endParaRPr>
-          </a:p>
-        </p:txBody>
-      </p:sp>
-    </p:spTree>
-  </p:cSld>
-  <p:clrMapOvr>
-    <a:masterClrMapping/>
-  </p:clrMapOvr>
-</p:sld>
-</file>
-
-<file path=ppt/slides/slide64.xml><?xml version="1.0" encoding="utf-8"?>
-<p:sld xmlns:a="http://schemas.openxmlformats.org/drawingml/2006/main" xmlns:r="http://schemas.openxmlformats.org/officeDocument/2006/relationships" xmlns:p="http://schemas.openxmlformats.org/presentationml/2006/main">
-  <p:cSld>
-    <p:spTree>
-      <p:nvGrpSpPr>
-        <p:cNvPr id="1" name="Shape 765"/>
-        <p:cNvGrpSpPr/>
-        <p:nvPr/>
-      </p:nvGrpSpPr>
-      <p:grpSpPr>
-        <a:xfrm>
-          <a:off x="0" y="0"/>
-          <a:ext cx="0" cy="0"/>
-          <a:chOff x="0" y="0"/>
-          <a:chExt cx="0" cy="0"/>
-        </a:xfrm>
-      </p:grpSpPr>
-      <p:sp>
-        <p:nvSpPr>
-          <p:cNvPr id="766" name="Google Shape;766;p42"/>
-          <p:cNvSpPr txBox="1">
-            <a:spLocks noGrp="1"/>
-          </p:cNvSpPr>
-          <p:nvPr>
-            <p:ph type="title"/>
-          </p:nvPr>
-        </p:nvSpPr>
-        <p:spPr>
-          <a:xfrm>
-            <a:off x="2303463" y="63500"/>
-            <a:ext cx="7583487" cy="1282700"/>
-          </a:xfrm>
-          <a:prstGeom prst="rect">
-            <a:avLst/>
-          </a:prstGeom>
-          <a:noFill/>
-          <a:ln>
-            <a:noFill/>
-          </a:ln>
-        </p:spPr>
-        <p:txBody>
-          <a:bodyPr spcFirstLastPara="1" vert="horz" wrap="square" lIns="64283" tIns="32133" rIns="64283" bIns="32133" rtlCol="0" anchor="ctr" anchorCtr="0">
-            <a:noAutofit/>
-          </a:bodyPr>
-          <a:lstStyle/>
-          <a:p>
-            <a:pPr algn="ctr">
-              <a:spcBef>
-                <a:spcPts val="0"/>
-              </a:spcBef>
-            </a:pPr>
-            <a:r>
-              <a:rPr lang="en-US" sz="4556" dirty="0">
-                <a:latin typeface="Arial" panose="020B0604020202020204" pitchFamily="34" charset="0"/>
-                <a:ea typeface="Gill Sans"/>
-                <a:cs typeface="Arial" panose="020B0604020202020204" pitchFamily="34" charset="0"/>
-                <a:sym typeface="Gill Sans"/>
-              </a:rPr>
-              <a:t>Linux CFS </a:t>
-            </a:r>
-            <a:endParaRPr sz="4556" dirty="0">
-              <a:latin typeface="Arial" panose="020B0604020202020204" pitchFamily="34" charset="0"/>
-              <a:ea typeface="Gill Sans"/>
-              <a:cs typeface="Arial" panose="020B0604020202020204" pitchFamily="34" charset="0"/>
-              <a:sym typeface="Gill Sans"/>
-            </a:endParaRPr>
-          </a:p>
-        </p:txBody>
-      </p:sp>
-      <p:sp>
-        <p:nvSpPr>
-          <p:cNvPr id="767" name="Google Shape;767;p42"/>
-          <p:cNvSpPr/>
-          <p:nvPr/>
-        </p:nvSpPr>
-        <p:spPr>
-          <a:xfrm>
-            <a:off x="1764834" y="1629211"/>
-            <a:ext cx="8660746" cy="3592141"/>
-          </a:xfrm>
-          <a:prstGeom prst="rect">
-            <a:avLst/>
-          </a:prstGeom>
-          <a:noFill/>
-          <a:ln>
-            <a:noFill/>
-          </a:ln>
-        </p:spPr>
-        <p:txBody>
-          <a:bodyPr spcFirstLastPara="1" wrap="square" lIns="64283" tIns="32133" rIns="64283" bIns="32133" anchor="t" anchorCtr="0">
-            <a:spAutoFit/>
-          </a:bodyPr>
-          <a:lstStyle/>
-          <a:p>
-            <a:r>
-              <a:rPr lang="en-US" sz="2531" dirty="0">
-                <a:solidFill>
-                  <a:schemeClr val="dk1"/>
-                </a:solidFill>
-                <a:latin typeface="Arial" panose="020B0604020202020204" pitchFamily="34" charset="0"/>
-                <a:ea typeface="Gill Sans"/>
-                <a:cs typeface="Arial" panose="020B0604020202020204" pitchFamily="34" charset="0"/>
-                <a:sym typeface="Gill Sans"/>
-              </a:rPr>
-              <a:t>Given for instance a target latency of 20 milliseconds </a:t>
-            </a:r>
-            <a:endParaRPr sz="1266" dirty="0">
-              <a:latin typeface="Arial" panose="020B0604020202020204" pitchFamily="34" charset="0"/>
-              <a:cs typeface="Arial" panose="020B0604020202020204" pitchFamily="34" charset="0"/>
-            </a:endParaRPr>
-          </a:p>
-          <a:p>
-            <a:endParaRPr sz="2531" dirty="0">
-              <a:solidFill>
-                <a:schemeClr val="dk1"/>
-              </a:solidFill>
-              <a:latin typeface="Arial" panose="020B0604020202020204" pitchFamily="34" charset="0"/>
-              <a:ea typeface="Gill Sans"/>
-              <a:cs typeface="Arial" panose="020B0604020202020204" pitchFamily="34" charset="0"/>
-              <a:sym typeface="Gill Sans"/>
-            </a:endParaRPr>
-          </a:p>
-          <a:p>
-            <a:r>
-              <a:rPr lang="en-US" sz="2250" dirty="0">
-                <a:solidFill>
-                  <a:schemeClr val="dk1"/>
-                </a:solidFill>
-                <a:latin typeface="Arial" panose="020B0604020202020204" pitchFamily="34" charset="0"/>
-                <a:ea typeface="Gill Sans"/>
-                <a:cs typeface="Arial" panose="020B0604020202020204" pitchFamily="34" charset="0"/>
-                <a:sym typeface="Gill Sans"/>
-              </a:rPr>
-              <a:t>Example1:  two runnable processes of equal niceness, then both processes will run for 10 milliseconds each before being pre-empted in favor of the the other process. </a:t>
-            </a:r>
-            <a:endParaRPr sz="1266" dirty="0">
-              <a:latin typeface="Arial" panose="020B0604020202020204" pitchFamily="34" charset="0"/>
-              <a:cs typeface="Arial" panose="020B0604020202020204" pitchFamily="34" charset="0"/>
-            </a:endParaRPr>
-          </a:p>
-          <a:p>
-            <a:endParaRPr sz="2250" dirty="0">
-              <a:solidFill>
-                <a:schemeClr val="dk1"/>
-              </a:solidFill>
-              <a:latin typeface="Arial" panose="020B0604020202020204" pitchFamily="34" charset="0"/>
-              <a:ea typeface="Gill Sans"/>
-              <a:cs typeface="Arial" panose="020B0604020202020204" pitchFamily="34" charset="0"/>
-              <a:sym typeface="Gill Sans"/>
-            </a:endParaRPr>
-          </a:p>
-          <a:p>
-            <a:r>
-              <a:rPr lang="en-US" sz="2250" dirty="0">
-                <a:solidFill>
-                  <a:schemeClr val="dk1"/>
-                </a:solidFill>
-                <a:latin typeface="Arial" panose="020B0604020202020204" pitchFamily="34" charset="0"/>
-                <a:ea typeface="Gill Sans"/>
-                <a:cs typeface="Arial" panose="020B0604020202020204" pitchFamily="34" charset="0"/>
-                <a:sym typeface="Gill Sans"/>
-              </a:rPr>
-              <a:t>Example 2:  If there are 10 processes of equal niceness, each runs for 2 milliseconds each.</a:t>
-            </a:r>
-            <a:endParaRPr sz="1266" dirty="0">
-              <a:latin typeface="Arial" panose="020B0604020202020204" pitchFamily="34" charset="0"/>
-              <a:cs typeface="Arial" panose="020B0604020202020204" pitchFamily="34" charset="0"/>
-            </a:endParaRPr>
-          </a:p>
-          <a:p>
-            <a:endParaRPr sz="2250" dirty="0">
-              <a:solidFill>
-                <a:schemeClr val="dk1"/>
-              </a:solidFill>
-              <a:latin typeface="Arial" panose="020B0604020202020204" pitchFamily="34" charset="0"/>
-              <a:ea typeface="Gill Sans"/>
-              <a:cs typeface="Arial" panose="020B0604020202020204" pitchFamily="34" charset="0"/>
-              <a:sym typeface="Gill Sans"/>
-            </a:endParaRPr>
-          </a:p>
-          <a:p>
-            <a:endParaRPr sz="2109" dirty="0">
-              <a:solidFill>
-                <a:schemeClr val="dk1"/>
-              </a:solidFill>
-              <a:latin typeface="Arial" panose="020B0604020202020204" pitchFamily="34" charset="0"/>
-              <a:ea typeface="Gill Sans"/>
-              <a:cs typeface="Arial" panose="020B0604020202020204" pitchFamily="34" charset="0"/>
-              <a:sym typeface="Gill Sans"/>
-            </a:endParaRPr>
-          </a:p>
-        </p:txBody>
-      </p:sp>
-    </p:spTree>
-  </p:cSld>
-  <p:clrMapOvr>
-    <a:masterClrMapping/>
-  </p:clrMapOvr>
-</p:sld>
-</file>
-
-<file path=ppt/slides/slide65.xml><?xml version="1.0" encoding="utf-8"?>
-<p:sld xmlns:a="http://schemas.openxmlformats.org/drawingml/2006/main" xmlns:r="http://schemas.openxmlformats.org/officeDocument/2006/relationships" xmlns:p="http://schemas.openxmlformats.org/presentationml/2006/main">
-  <p:cSld>
-    <p:spTree>
-      <p:nvGrpSpPr>
-        <p:cNvPr id="1" name="Shape 771"/>
-        <p:cNvGrpSpPr/>
-        <p:nvPr/>
-      </p:nvGrpSpPr>
-      <p:grpSpPr>
-        <a:xfrm>
-          <a:off x="0" y="0"/>
-          <a:ext cx="0" cy="0"/>
-          <a:chOff x="0" y="0"/>
-          <a:chExt cx="0" cy="0"/>
-        </a:xfrm>
-      </p:grpSpPr>
-      <p:sp>
-        <p:nvSpPr>
-          <p:cNvPr id="772" name="Google Shape;772;p43"/>
-          <p:cNvSpPr txBox="1">
-            <a:spLocks noGrp="1"/>
-          </p:cNvSpPr>
-          <p:nvPr>
-            <p:ph type="title"/>
-          </p:nvPr>
-        </p:nvSpPr>
-        <p:spPr>
-          <a:xfrm>
-            <a:off x="2303463" y="63500"/>
-            <a:ext cx="7583487" cy="1282700"/>
-          </a:xfrm>
-          <a:prstGeom prst="rect">
-            <a:avLst/>
-          </a:prstGeom>
-          <a:noFill/>
-          <a:ln>
-            <a:noFill/>
-          </a:ln>
-        </p:spPr>
-        <p:txBody>
-          <a:bodyPr spcFirstLastPara="1" vert="horz" wrap="square" lIns="64283" tIns="32133" rIns="64283" bIns="32133" rtlCol="0" anchor="ctr" anchorCtr="0">
-            <a:noAutofit/>
-          </a:bodyPr>
-          <a:lstStyle/>
-          <a:p>
-            <a:pPr algn="ctr">
-              <a:spcBef>
-                <a:spcPts val="0"/>
-              </a:spcBef>
-            </a:pPr>
-            <a:r>
-              <a:rPr lang="en-US" sz="4556" dirty="0">
-                <a:latin typeface="Arial" panose="020B0604020202020204" pitchFamily="34" charset="0"/>
-                <a:ea typeface="Gill Sans"/>
-                <a:cs typeface="Arial" panose="020B0604020202020204" pitchFamily="34" charset="0"/>
-                <a:sym typeface="Gill Sans"/>
-              </a:rPr>
-              <a:t>Summary</a:t>
-            </a:r>
-            <a:endParaRPr dirty="0">
-              <a:latin typeface="Arial" panose="020B0604020202020204" pitchFamily="34" charset="0"/>
-              <a:cs typeface="Arial" panose="020B0604020202020204" pitchFamily="34" charset="0"/>
-            </a:endParaRPr>
-          </a:p>
-        </p:txBody>
-      </p:sp>
-      <p:sp>
-        <p:nvSpPr>
-          <p:cNvPr id="773" name="Google Shape;773;p43"/>
-          <p:cNvSpPr txBox="1">
-            <a:spLocks noGrp="1"/>
-          </p:cNvSpPr>
-          <p:nvPr>
-            <p:ph type="body" idx="4294967295"/>
-          </p:nvPr>
-        </p:nvSpPr>
-        <p:spPr>
-          <a:xfrm>
-            <a:off x="1388962" y="1695525"/>
-            <a:ext cx="9815332" cy="4080242"/>
-          </a:xfrm>
-          <a:prstGeom prst="rect">
-            <a:avLst/>
-          </a:prstGeom>
-          <a:noFill/>
-          <a:ln>
-            <a:noFill/>
-          </a:ln>
-        </p:spPr>
-        <p:txBody>
-          <a:bodyPr spcFirstLastPara="1" vert="horz" wrap="square" lIns="64283" tIns="32133" rIns="64283" bIns="32133" rtlCol="0" anchor="t" anchorCtr="0">
-            <a:normAutofit fontScale="92500" lnSpcReduction="10000"/>
-          </a:bodyPr>
-          <a:lstStyle/>
-          <a:p>
-            <a:pPr marL="0" indent="0">
-              <a:spcBef>
-                <a:spcPts val="0"/>
-              </a:spcBef>
-              <a:buClr>
-                <a:schemeClr val="dk1"/>
-              </a:buClr>
-              <a:buSzPct val="100000"/>
-              <a:buNone/>
-            </a:pPr>
-            <a:r>
-              <a:rPr lang="en-US" sz="2672" dirty="0">
-                <a:solidFill>
-                  <a:schemeClr val="dk1"/>
-                </a:solidFill>
-                <a:latin typeface="Arial" panose="020B0604020202020204" pitchFamily="34" charset="0"/>
-                <a:cs typeface="Arial" panose="020B0604020202020204" pitchFamily="34" charset="0"/>
-              </a:rPr>
-              <a:t>Understand goals (metrics) and workload, then design scheduler around that</a:t>
-            </a:r>
-            <a:endParaRPr dirty="0">
-              <a:latin typeface="Arial" panose="020B0604020202020204" pitchFamily="34" charset="0"/>
-              <a:cs typeface="Arial" panose="020B0604020202020204" pitchFamily="34" charset="0"/>
-            </a:endParaRPr>
-          </a:p>
-          <a:p>
-            <a:pPr marL="0" indent="0">
-              <a:spcBef>
-                <a:spcPts val="2000"/>
-              </a:spcBef>
-              <a:buClr>
-                <a:schemeClr val="dk1"/>
-              </a:buClr>
-              <a:buSzPct val="100000"/>
-              <a:buNone/>
-            </a:pPr>
-            <a:r>
-              <a:rPr lang="en-US" sz="2672" dirty="0">
-                <a:solidFill>
-                  <a:schemeClr val="dk1"/>
-                </a:solidFill>
-                <a:latin typeface="Arial" panose="020B0604020202020204" pitchFamily="34" charset="0"/>
-                <a:cs typeface="Arial" panose="020B0604020202020204" pitchFamily="34" charset="0"/>
-              </a:rPr>
-              <a:t>General purpose schedulers need to support processes with different goals</a:t>
-            </a:r>
-            <a:endParaRPr sz="2672" dirty="0">
-              <a:solidFill>
-                <a:schemeClr val="dk1"/>
-              </a:solidFill>
-              <a:latin typeface="Arial" panose="020B0604020202020204" pitchFamily="34" charset="0"/>
-              <a:cs typeface="Arial" panose="020B0604020202020204" pitchFamily="34" charset="0"/>
-            </a:endParaRPr>
-          </a:p>
-          <a:p>
-            <a:pPr marL="0" indent="0">
-              <a:spcBef>
-                <a:spcPts val="2000"/>
-              </a:spcBef>
-              <a:buClr>
-                <a:schemeClr val="dk1"/>
-              </a:buClr>
-              <a:buSzPct val="100000"/>
-              <a:buNone/>
-            </a:pPr>
-            <a:r>
-              <a:rPr lang="en-US" sz="2672" dirty="0">
-                <a:solidFill>
-                  <a:schemeClr val="dk1"/>
-                </a:solidFill>
-                <a:latin typeface="Arial" panose="020B0604020202020204" pitchFamily="34" charset="0"/>
-                <a:cs typeface="Arial" panose="020B0604020202020204" pitchFamily="34" charset="0"/>
-              </a:rPr>
-              <a:t>Past behavior is good predictor of future behavior</a:t>
-            </a:r>
-            <a:endParaRPr sz="2672" dirty="0">
-              <a:solidFill>
-                <a:schemeClr val="dk1"/>
-              </a:solidFill>
-              <a:latin typeface="Arial" panose="020B0604020202020204" pitchFamily="34" charset="0"/>
-              <a:cs typeface="Arial" panose="020B0604020202020204" pitchFamily="34" charset="0"/>
-            </a:endParaRPr>
-          </a:p>
-          <a:p>
-            <a:pPr marL="0" indent="0">
-              <a:spcBef>
-                <a:spcPts val="2000"/>
-              </a:spcBef>
-              <a:buClr>
-                <a:schemeClr val="dk1"/>
-              </a:buClr>
-              <a:buSzPct val="100000"/>
-              <a:buNone/>
-            </a:pPr>
-            <a:r>
-              <a:rPr lang="en-US" sz="2672" dirty="0">
-                <a:solidFill>
-                  <a:schemeClr val="dk1"/>
-                </a:solidFill>
-                <a:latin typeface="Arial" panose="020B0604020202020204" pitchFamily="34" charset="0"/>
-                <a:cs typeface="Arial" panose="020B0604020202020204" pitchFamily="34" charset="0"/>
-              </a:rPr>
-              <a:t>Random algorithms (lottery scheduling) can be simple to implement and avoid corner cases.</a:t>
-            </a:r>
-            <a:endParaRPr sz="2672" dirty="0">
-              <a:solidFill>
-                <a:schemeClr val="dk1"/>
-              </a:solidFill>
-              <a:latin typeface="Arial" panose="020B0604020202020204" pitchFamily="34" charset="0"/>
-              <a:cs typeface="Arial" panose="020B0604020202020204" pitchFamily="34" charset="0"/>
-            </a:endParaRPr>
-          </a:p>
-          <a:p>
-            <a:pPr marL="0" indent="0">
-              <a:spcBef>
-                <a:spcPts val="2000"/>
-              </a:spcBef>
-              <a:buClr>
-                <a:schemeClr val="dk1"/>
-              </a:buClr>
-              <a:buSzPct val="100000"/>
-              <a:buNone/>
-            </a:pPr>
-            <a:r>
-              <a:rPr lang="en-US" sz="2672" dirty="0">
-                <a:solidFill>
-                  <a:schemeClr val="dk1"/>
-                </a:solidFill>
-                <a:latin typeface="Arial" panose="020B0604020202020204" pitchFamily="34" charset="0"/>
-                <a:cs typeface="Arial" panose="020B0604020202020204" pitchFamily="34" charset="0"/>
-              </a:rPr>
-              <a:t>There are important scenarios we haven’t considered (multiprocessor scheduling: incorporate cache affinity &amp; contention)</a:t>
-            </a:r>
-            <a:endParaRPr sz="2672" dirty="0">
-              <a:solidFill>
-                <a:schemeClr val="dk1"/>
-              </a:solidFill>
-              <a:latin typeface="Arial" panose="020B0604020202020204" pitchFamily="34" charset="0"/>
-              <a:cs typeface="Arial" panose="020B0604020202020204" pitchFamily="34" charset="0"/>
-            </a:endParaRPr>
-          </a:p>
-        </p:txBody>
-      </p:sp>
-    </p:spTree>
-  </p:cSld>
-  <p:clrMapOvr>
-    <a:masterClrMapping/>
-  </p:clrMapOvr>
-  <p:timing>
-    <p:tnLst>
-      <p:par>
-        <p:cTn id="1" dur="indefinite" restart="never" nodeType="tmRoot">
-          <p:childTnLst>
-            <p:seq concurrent="1" nextAc="seek">
-              <p:cTn id="2" dur="indefinite" nodeType="mainSeq">
-                <p:childTnLst>
-                  <p:par>
-                    <p:cTn id="3" fill="hold">
-                      <p:stCondLst>
-                        <p:cond delay="indefinite"/>
-                      </p:stCondLst>
-                      <p:childTnLst>
-                        <p:par>
-                          <p:cTn id="4" fill="hold">
-                            <p:stCondLst>
-                              <p:cond delay="0"/>
-                            </p:stCondLst>
-                            <p:childTnLst>
-                              <p:par>
-                                <p:cTn id="5" presetID="1" presetClass="entr" presetSubtype="0" fill="hold" nodeType="clickEffect">
-                                  <p:stCondLst>
-                                    <p:cond delay="0"/>
-                                  </p:stCondLst>
-                                  <p:childTnLst>
-                                    <p:set>
-                                      <p:cBhvr>
-                                        <p:cTn id="6" dur="1" fill="hold">
-                                          <p:stCondLst>
-                                            <p:cond delay="0"/>
-                                          </p:stCondLst>
-                                        </p:cTn>
-                                        <p:tgtEl>
-                                          <p:spTgt spid="773">
-                                            <p:txEl>
-                                              <p:pRg st="0" end="0"/>
-                                            </p:txEl>
-                                          </p:spTgt>
-                                        </p:tgtEl>
-                                        <p:attrNameLst>
-                                          <p:attrName>style.visibility</p:attrName>
-                                        </p:attrNameLst>
-                                      </p:cBhvr>
-                                      <p:to>
-                                        <p:strVal val="visible"/>
-                                      </p:to>
-                                    </p:set>
-                                  </p:childTnLst>
-                                </p:cTn>
-                              </p:par>
-                            </p:childTnLst>
-                          </p:cTn>
-                        </p:par>
-                      </p:childTnLst>
-                    </p:cTn>
-                  </p:par>
-                  <p:par>
-                    <p:cTn id="7" fill="hold">
-                      <p:stCondLst>
-                        <p:cond delay="indefinite"/>
-                      </p:stCondLst>
-                      <p:childTnLst>
-                        <p:par>
-                          <p:cTn id="8" fill="hold">
-                            <p:stCondLst>
-                              <p:cond delay="0"/>
-                            </p:stCondLst>
-                            <p:childTnLst>
-                              <p:par>
-                                <p:cTn id="9" presetID="1" presetClass="entr" presetSubtype="0" fill="hold" nodeType="clickEffect">
-                                  <p:stCondLst>
-                                    <p:cond delay="0"/>
-                                  </p:stCondLst>
-                                  <p:childTnLst>
-                                    <p:set>
-                                      <p:cBhvr>
-                                        <p:cTn id="10" dur="1" fill="hold">
-                                          <p:stCondLst>
-                                            <p:cond delay="0"/>
-                                          </p:stCondLst>
-                                        </p:cTn>
-                                        <p:tgtEl>
-                                          <p:spTgt spid="773">
-                                            <p:txEl>
-                                              <p:pRg st="1" end="1"/>
-                                            </p:txEl>
-                                          </p:spTgt>
-                                        </p:tgtEl>
-                                        <p:attrNameLst>
-                                          <p:attrName>style.visibility</p:attrName>
-                                        </p:attrNameLst>
-                                      </p:cBhvr>
-                                      <p:to>
-                                        <p:strVal val="visible"/>
-                                      </p:to>
-                                    </p:set>
-                                  </p:childTnLst>
-                                </p:cTn>
-                              </p:par>
-                            </p:childTnLst>
-                          </p:cTn>
-                        </p:par>
-                      </p:childTnLst>
-                    </p:cTn>
-                  </p:par>
-                  <p:par>
-                    <p:cTn id="11" fill="hold">
-                      <p:stCondLst>
-                        <p:cond delay="indefinite"/>
-                      </p:stCondLst>
-                      <p:childTnLst>
-                        <p:par>
-                          <p:cTn id="12" fill="hold">
-                            <p:stCondLst>
-                              <p:cond delay="0"/>
-                            </p:stCondLst>
-                            <p:childTnLst>
-                              <p:par>
-                                <p:cTn id="13" presetID="1" presetClass="entr" presetSubtype="0" fill="hold" nodeType="clickEffect">
-                                  <p:stCondLst>
-                                    <p:cond delay="0"/>
-                                  </p:stCondLst>
-                                  <p:childTnLst>
-                                    <p:set>
-                                      <p:cBhvr>
-                                        <p:cTn id="14" dur="1" fill="hold">
-                                          <p:stCondLst>
-                                            <p:cond delay="0"/>
-                                          </p:stCondLst>
-                                        </p:cTn>
-                                        <p:tgtEl>
-                                          <p:spTgt spid="773">
-                                            <p:txEl>
-                                              <p:pRg st="2" end="2"/>
-                                            </p:txEl>
-                                          </p:spTgt>
-                                        </p:tgtEl>
-                                        <p:attrNameLst>
-                                          <p:attrName>style.visibility</p:attrName>
-                                        </p:attrNameLst>
-                                      </p:cBhvr>
-                                      <p:to>
-                                        <p:strVal val="visible"/>
-                                      </p:to>
-                                    </p:set>
-                                  </p:childTnLst>
-                                </p:cTn>
-                              </p:par>
-                            </p:childTnLst>
-                          </p:cTn>
-                        </p:par>
-                      </p:childTnLst>
-                    </p:cTn>
-                  </p:par>
-                  <p:par>
-                    <p:cTn id="15" fill="hold">
-                      <p:stCondLst>
-                        <p:cond delay="indefinite"/>
-                      </p:stCondLst>
-                      <p:childTnLst>
-                        <p:par>
-                          <p:cTn id="16" fill="hold">
-                            <p:stCondLst>
-                              <p:cond delay="0"/>
-                            </p:stCondLst>
-                            <p:childTnLst>
-                              <p:par>
-                                <p:cTn id="17" presetID="1" presetClass="entr" presetSubtype="0" fill="hold" nodeType="clickEffect">
-                                  <p:stCondLst>
-                                    <p:cond delay="0"/>
-                                  </p:stCondLst>
-                                  <p:childTnLst>
-                                    <p:set>
-                                      <p:cBhvr>
-                                        <p:cTn id="18" dur="1" fill="hold">
-                                          <p:stCondLst>
-                                            <p:cond delay="0"/>
-                                          </p:stCondLst>
-                                        </p:cTn>
-                                        <p:tgtEl>
-                                          <p:spTgt spid="773">
-                                            <p:txEl>
-                                              <p:pRg st="3" end="3"/>
-                                            </p:txEl>
-                                          </p:spTgt>
-                                        </p:tgtEl>
-                                        <p:attrNameLst>
-                                          <p:attrName>style.visibility</p:attrName>
-                                        </p:attrNameLst>
-                                      </p:cBhvr>
-                                      <p:to>
-                                        <p:strVal val="visible"/>
-                                      </p:to>
-                                    </p:set>
-                                  </p:childTnLst>
-                                </p:cTn>
-                              </p:par>
-                            </p:childTnLst>
-                          </p:cTn>
-                        </p:par>
-                      </p:childTnLst>
-                    </p:cTn>
-                  </p:par>
-                  <p:par>
-                    <p:cTn id="19" fill="hold">
-                      <p:stCondLst>
-                        <p:cond delay="indefinite"/>
-                      </p:stCondLst>
-                      <p:childTnLst>
-                        <p:par>
-                          <p:cTn id="20" fill="hold">
-                            <p:stCondLst>
-                              <p:cond delay="0"/>
-                            </p:stCondLst>
-                            <p:childTnLst>
-                              <p:par>
-                                <p:cTn id="21" presetID="1" presetClass="entr" presetSubtype="0" fill="hold" nodeType="clickEffect">
-                                  <p:stCondLst>
-                                    <p:cond delay="0"/>
-                                  </p:stCondLst>
-                                  <p:childTnLst>
-                                    <p:set>
-                                      <p:cBhvr>
-                                        <p:cTn id="22" dur="1" fill="hold">
-                                          <p:stCondLst>
-                                            <p:cond delay="0"/>
-                                          </p:stCondLst>
-                                        </p:cTn>
-                                        <p:tgtEl>
-                                          <p:spTgt spid="773">
-                                            <p:txEl>
-                                              <p:pRg st="4" end="4"/>
-                                            </p:txEl>
-                                          </p:spTgt>
-                                        </p:tgtEl>
-                                        <p:attrNameLst>
-                                          <p:attrName>style.visibility</p:attrName>
-                                        </p:attrNameLst>
-                                      </p:cBhvr>
-                                      <p:to>
-                                        <p:strVal val="visible"/>
-                                      </p:to>
-                                    </p:set>
-                                  </p:childTnLst>
-                                </p:cTn>
-                              </p:par>
-                            </p:childTnLst>
-                          </p:cTn>
-                        </p:par>
-                      </p:childTnLst>
-                    </p:cTn>
-                  </p:par>
-                </p:childTnLst>
-              </p:cTn>
-              <p:prevCondLst>
-                <p:cond evt="onPrev" delay="0">
-                  <p:tgtEl>
-                    <p:sldTgt/>
-                  </p:tgtEl>
-                </p:cond>
-              </p:prevCondLst>
-              <p:nextCondLst>
-                <p:cond evt="onNext" delay="0">
-                  <p:tgtEl>
-                    <p:sldTgt/>
-                  </p:tgtEl>
-                </p:cond>
-              </p:nextCondLst>
-            </p:seq>
-          </p:childTnLst>
-        </p:cTn>
-      </p:par>
-    </p:tnLst>
-  </p:timing>
-</p:sld>
-</file>
-
 <file path=ppt/slides/slide7.xml><?xml version="1.0" encoding="utf-8"?>
 <p:sld xmlns:a="http://schemas.openxmlformats.org/drawingml/2006/main" xmlns:r="http://schemas.openxmlformats.org/officeDocument/2006/relationships" xmlns:p="http://schemas.openxmlformats.org/presentationml/2006/main">
   <p:cSld>
@@ -54566,7 +48771,7 @@
           </a:ln>
           <a:extLst>
             <a:ext uri="{C572A759-6A51-4108-AA02-DFA0A04FC94B}">
-              <ma14:wrappingTextBoxFlag xmlns="" xmlns:ma14="http://schemas.microsoft.com/office/mac/drawingml/2011/main" val="1"/>
+              <ma14:wrappingTextBoxFlag xmlns:ma14="http://schemas.microsoft.com/office/mac/drawingml/2011/main" xmlns="" val="1"/>
             </a:ext>
           </a:extLst>
         </p:spPr>
@@ -54667,7 +48872,7 @@
           </a:ln>
           <a:extLst>
             <a:ext uri="{C572A759-6A51-4108-AA02-DFA0A04FC94B}">
-              <ma14:wrappingTextBoxFlag xmlns="" xmlns:ma14="http://schemas.microsoft.com/office/mac/drawingml/2011/main" val="1"/>
+              <ma14:wrappingTextBoxFlag xmlns:ma14="http://schemas.microsoft.com/office/mac/drawingml/2011/main" xmlns="" val="1"/>
             </a:ext>
           </a:extLst>
         </p:spPr>
@@ -54768,7 +48973,7 @@
           </a:ln>
           <a:extLst>
             <a:ext uri="{C572A759-6A51-4108-AA02-DFA0A04FC94B}">
-              <ma14:wrappingTextBoxFlag xmlns="" xmlns:ma14="http://schemas.microsoft.com/office/mac/drawingml/2011/main" val="1"/>
+              <ma14:wrappingTextBoxFlag xmlns:ma14="http://schemas.microsoft.com/office/mac/drawingml/2011/main" xmlns="" val="1"/>
             </a:ext>
           </a:extLst>
         </p:spPr>
@@ -54969,7 +49174,7 @@
           </a:ln>
           <a:extLst>
             <a:ext uri="{C572A759-6A51-4108-AA02-DFA0A04FC94B}">
-              <ma14:wrappingTextBoxFlag xmlns="" xmlns:ma14="http://schemas.microsoft.com/office/mac/drawingml/2011/main" val="1"/>
+              <ma14:wrappingTextBoxFlag xmlns:ma14="http://schemas.microsoft.com/office/mac/drawingml/2011/main" xmlns="" val="1"/>
             </a:ext>
           </a:extLst>
         </p:spPr>
@@ -55019,7 +49224,7 @@
           </a:ln>
           <a:extLst>
             <a:ext uri="{C572A759-6A51-4108-AA02-DFA0A04FC94B}">
-              <ma14:wrappingTextBoxFlag xmlns="" xmlns:ma14="http://schemas.microsoft.com/office/mac/drawingml/2011/main" val="1"/>
+              <ma14:wrappingTextBoxFlag xmlns:ma14="http://schemas.microsoft.com/office/mac/drawingml/2011/main" xmlns="" val="1"/>
             </a:ext>
           </a:extLst>
         </p:spPr>
@@ -55069,7 +49274,7 @@
           </a:ln>
           <a:extLst>
             <a:ext uri="{C572A759-6A51-4108-AA02-DFA0A04FC94B}">
-              <ma14:wrappingTextBoxFlag xmlns="" xmlns:ma14="http://schemas.microsoft.com/office/mac/drawingml/2011/main" val="1"/>
+              <ma14:wrappingTextBoxFlag xmlns:ma14="http://schemas.microsoft.com/office/mac/drawingml/2011/main" xmlns="" val="1"/>
             </a:ext>
           </a:extLst>
         </p:spPr>
@@ -55119,7 +49324,7 @@
           </a:ln>
           <a:extLst>
             <a:ext uri="{C572A759-6A51-4108-AA02-DFA0A04FC94B}">
-              <ma14:wrappingTextBoxFlag xmlns="" xmlns:ma14="http://schemas.microsoft.com/office/mac/drawingml/2011/main" val="1"/>
+              <ma14:wrappingTextBoxFlag xmlns:ma14="http://schemas.microsoft.com/office/mac/drawingml/2011/main" xmlns="" val="1"/>
             </a:ext>
           </a:extLst>
         </p:spPr>
@@ -55169,7 +49374,7 @@
           </a:ln>
           <a:extLst>
             <a:ext uri="{C572A759-6A51-4108-AA02-DFA0A04FC94B}">
-              <ma14:wrappingTextBoxFlag xmlns="" xmlns:ma14="http://schemas.microsoft.com/office/mac/drawingml/2011/main" val="1"/>
+              <ma14:wrappingTextBoxFlag xmlns:ma14="http://schemas.microsoft.com/office/mac/drawingml/2011/main" xmlns="" val="1"/>
             </a:ext>
           </a:extLst>
         </p:spPr>
